--- a/results_task4and9.pptx
+++ b/results_task4and9.pptx
@@ -3,10 +3,14 @@
 <p:presentation xmlns:a="http://schemas.openxmlformats.org/drawingml/2006/main" xmlns:p="http://schemas.openxmlformats.org/presentationml/2006/main" xmlns:r="http://schemas.openxmlformats.org/officeDocument/2006/relationships" xmlns:p14="http://schemas.microsoft.com/office/powerpoint/2010/main" xmlns:p15="http://schemas.microsoft.com/office/powerpoint/2012/main" xmlns:mc="http://schemas.openxmlformats.org/markup-compatibility/2006">
   <p:sldMasterIdLst>
     <p:sldMasterId id="2147483648" r:id="rId2"/>
+    <p:sldMasterId id="2147483661" r:id="rId3"/>
   </p:sldMasterIdLst>
   <p:sldIdLst>
-    <p:sldId id="256" r:id="rId3"/>
-    <p:sldId id="257" r:id="rId4"/>
+    <p:sldId id="256" r:id="rId4"/>
+    <p:sldId id="257" r:id="rId5"/>
+    <p:sldId id="258" r:id="rId6"/>
+    <p:sldId id="259" r:id="rId7"/>
+    <p:sldId id="260" r:id="rId8"/>
   </p:sldIdLst>
   <p:sldSz cx="7559675" cy="10691812"/>
   <p:notesSz cx="7559675" cy="10691812"/>
@@ -54,7 +58,7 @@
       </p:grpSpPr>
       <p:sp>
         <p:nvSpPr>
-          <p:cNvPr id="26" name="PlaceHolder 1"/>
+          <p:cNvPr id="23" name="PlaceHolder 1"/>
           <p:cNvSpPr>
             <a:spLocks noGrp="1"/>
           </p:cNvSpPr>
@@ -64,8 +68,8 @@
         </p:nvSpPr>
         <p:spPr>
           <a:xfrm>
-            <a:off x="702000" y="-58680"/>
-            <a:ext cx="6155640" cy="3296520"/>
+            <a:off x="702000" y="696600"/>
+            <a:ext cx="6155280" cy="1785240"/>
           </a:xfrm>
           <a:prstGeom prst="rect">
             <a:avLst/>
@@ -77,15 +81,15 @@
           </a:bodyPr>
           <a:p>
             <a:pPr algn="ctr"/>
-            <a:endParaRPr b="0" lang="de-DE" sz="7740" spc="-1" strike="noStrike">
-              <a:latin typeface="Arial"/>
-            </a:endParaRPr>
-          </a:p>
-        </p:txBody>
-      </p:sp>
-      <p:sp>
-        <p:nvSpPr>
-          <p:cNvPr id="27" name="PlaceHolder 2"/>
+            <a:endParaRPr b="0" lang="de-DE" sz="4400" spc="-1" strike="noStrike">
+              <a:latin typeface="Arial"/>
+            </a:endParaRPr>
+          </a:p>
+        </p:txBody>
+      </p:sp>
+      <p:sp>
+        <p:nvSpPr>
+          <p:cNvPr id="24" name="PlaceHolder 2"/>
           <p:cNvSpPr>
             <a:spLocks noGrp="1"/>
           </p:cNvSpPr>
@@ -96,26 +100,26 @@
         <p:spPr>
           <a:xfrm>
             <a:off x="702000" y="2692800"/>
-            <a:ext cx="6155640" cy="2758320"/>
-          </a:xfrm>
-          <a:prstGeom prst="rect">
-            <a:avLst/>
-          </a:prstGeom>
-        </p:spPr>
-        <p:txBody>
-          <a:bodyPr lIns="0" rIns="0" tIns="0" bIns="0">
-            <a:normAutofit/>
-          </a:bodyPr>
-          <a:p>
-            <a:endParaRPr b="0" lang="de-DE" sz="5620" spc="-1" strike="noStrike">
-              <a:latin typeface="Arial"/>
-            </a:endParaRPr>
-          </a:p>
-        </p:txBody>
-      </p:sp>
-      <p:sp>
-        <p:nvSpPr>
-          <p:cNvPr id="28" name="PlaceHolder 3"/>
+            <a:ext cx="6155280" cy="2758320"/>
+          </a:xfrm>
+          <a:prstGeom prst="rect">
+            <a:avLst/>
+          </a:prstGeom>
+        </p:spPr>
+        <p:txBody>
+          <a:bodyPr lIns="0" rIns="0" tIns="0" bIns="0">
+            <a:normAutofit/>
+          </a:bodyPr>
+          <a:p>
+            <a:endParaRPr b="0" lang="de-DE" sz="3200" spc="-1" strike="noStrike">
+              <a:latin typeface="Arial"/>
+            </a:endParaRPr>
+          </a:p>
+        </p:txBody>
+      </p:sp>
+      <p:sp>
+        <p:nvSpPr>
+          <p:cNvPr id="25" name="PlaceHolder 3"/>
           <p:cNvSpPr>
             <a:spLocks noGrp="1"/>
           </p:cNvSpPr>
@@ -126,18 +130,18 @@
         <p:spPr>
           <a:xfrm>
             <a:off x="702000" y="5713560"/>
-            <a:ext cx="6155640" cy="2758320"/>
-          </a:xfrm>
-          <a:prstGeom prst="rect">
-            <a:avLst/>
-          </a:prstGeom>
-        </p:spPr>
-        <p:txBody>
-          <a:bodyPr lIns="0" rIns="0" tIns="0" bIns="0">
-            <a:normAutofit/>
-          </a:bodyPr>
-          <a:p>
-            <a:endParaRPr b="0" lang="de-DE" sz="5620" spc="-1" strike="noStrike">
+            <a:ext cx="6155280" cy="2758320"/>
+          </a:xfrm>
+          <a:prstGeom prst="rect">
+            <a:avLst/>
+          </a:prstGeom>
+        </p:spPr>
+        <p:txBody>
+          <a:bodyPr lIns="0" rIns="0" tIns="0" bIns="0">
+            <a:normAutofit/>
+          </a:bodyPr>
+          <a:p>
+            <a:endParaRPr b="0" lang="de-DE" sz="3200" spc="-1" strike="noStrike">
               <a:latin typeface="Arial"/>
             </a:endParaRPr>
           </a:p>
@@ -167,7 +171,7 @@
       </p:grpSpPr>
       <p:sp>
         <p:nvSpPr>
-          <p:cNvPr id="29" name="PlaceHolder 1"/>
+          <p:cNvPr id="26" name="PlaceHolder 1"/>
           <p:cNvSpPr>
             <a:spLocks noGrp="1"/>
           </p:cNvSpPr>
@@ -177,8 +181,8 @@
         </p:nvSpPr>
         <p:spPr>
           <a:xfrm>
-            <a:off x="702000" y="-58680"/>
-            <a:ext cx="6155640" cy="3296520"/>
+            <a:off x="702000" y="696600"/>
+            <a:ext cx="6155280" cy="1785240"/>
           </a:xfrm>
           <a:prstGeom prst="rect">
             <a:avLst/>
@@ -190,15 +194,15 @@
           </a:bodyPr>
           <a:p>
             <a:pPr algn="ctr"/>
-            <a:endParaRPr b="0" lang="de-DE" sz="7740" spc="-1" strike="noStrike">
-              <a:latin typeface="Arial"/>
-            </a:endParaRPr>
-          </a:p>
-        </p:txBody>
-      </p:sp>
-      <p:sp>
-        <p:nvSpPr>
-          <p:cNvPr id="30" name="PlaceHolder 2"/>
+            <a:endParaRPr b="0" lang="de-DE" sz="4400" spc="-1" strike="noStrike">
+              <a:latin typeface="Arial"/>
+            </a:endParaRPr>
+          </a:p>
+        </p:txBody>
+      </p:sp>
+      <p:sp>
+        <p:nvSpPr>
+          <p:cNvPr id="27" name="PlaceHolder 2"/>
           <p:cNvSpPr>
             <a:spLocks noGrp="1"/>
           </p:cNvSpPr>
@@ -209,56 +213,56 @@
         <p:spPr>
           <a:xfrm>
             <a:off x="702000" y="2692800"/>
-            <a:ext cx="3003840" cy="2758320"/>
-          </a:xfrm>
-          <a:prstGeom prst="rect">
-            <a:avLst/>
-          </a:prstGeom>
-        </p:spPr>
-        <p:txBody>
-          <a:bodyPr lIns="0" rIns="0" tIns="0" bIns="0">
-            <a:normAutofit fontScale="56000"/>
-          </a:bodyPr>
-          <a:p>
-            <a:endParaRPr b="0" lang="de-DE" sz="5620" spc="-1" strike="noStrike">
-              <a:latin typeface="Arial"/>
-            </a:endParaRPr>
-          </a:p>
-        </p:txBody>
-      </p:sp>
-      <p:sp>
-        <p:nvSpPr>
-          <p:cNvPr id="31" name="PlaceHolder 3"/>
-          <p:cNvSpPr>
-            <a:spLocks noGrp="1"/>
-          </p:cNvSpPr>
-          <p:nvPr>
-            <p:ph type="body"/>
-          </p:nvPr>
-        </p:nvSpPr>
-        <p:spPr>
-          <a:xfrm>
-            <a:off x="3856320" y="2692800"/>
-            <a:ext cx="3003840" cy="2758320"/>
-          </a:xfrm>
-          <a:prstGeom prst="rect">
-            <a:avLst/>
-          </a:prstGeom>
-        </p:spPr>
-        <p:txBody>
-          <a:bodyPr lIns="0" rIns="0" tIns="0" bIns="0">
-            <a:normAutofit fontScale="56000"/>
-          </a:bodyPr>
-          <a:p>
-            <a:endParaRPr b="0" lang="de-DE" sz="5620" spc="-1" strike="noStrike">
-              <a:latin typeface="Arial"/>
-            </a:endParaRPr>
-          </a:p>
-        </p:txBody>
-      </p:sp>
-      <p:sp>
-        <p:nvSpPr>
-          <p:cNvPr id="32" name="PlaceHolder 4"/>
+            <a:ext cx="3003480" cy="2758320"/>
+          </a:xfrm>
+          <a:prstGeom prst="rect">
+            <a:avLst/>
+          </a:prstGeom>
+        </p:spPr>
+        <p:txBody>
+          <a:bodyPr lIns="0" rIns="0" tIns="0" bIns="0">
+            <a:normAutofit/>
+          </a:bodyPr>
+          <a:p>
+            <a:endParaRPr b="0" lang="de-DE" sz="3200" spc="-1" strike="noStrike">
+              <a:latin typeface="Arial"/>
+            </a:endParaRPr>
+          </a:p>
+        </p:txBody>
+      </p:sp>
+      <p:sp>
+        <p:nvSpPr>
+          <p:cNvPr id="28" name="PlaceHolder 3"/>
+          <p:cNvSpPr>
+            <a:spLocks noGrp="1"/>
+          </p:cNvSpPr>
+          <p:nvPr>
+            <p:ph type="body"/>
+          </p:nvPr>
+        </p:nvSpPr>
+        <p:spPr>
+          <a:xfrm>
+            <a:off x="3855960" y="2692800"/>
+            <a:ext cx="3003480" cy="2758320"/>
+          </a:xfrm>
+          <a:prstGeom prst="rect">
+            <a:avLst/>
+          </a:prstGeom>
+        </p:spPr>
+        <p:txBody>
+          <a:bodyPr lIns="0" rIns="0" tIns="0" bIns="0">
+            <a:normAutofit/>
+          </a:bodyPr>
+          <a:p>
+            <a:endParaRPr b="0" lang="de-DE" sz="3200" spc="-1" strike="noStrike">
+              <a:latin typeface="Arial"/>
+            </a:endParaRPr>
+          </a:p>
+        </p:txBody>
+      </p:sp>
+      <p:sp>
+        <p:nvSpPr>
+          <p:cNvPr id="29" name="PlaceHolder 4"/>
           <p:cNvSpPr>
             <a:spLocks noGrp="1"/>
           </p:cNvSpPr>
@@ -269,48 +273,48 @@
         <p:spPr>
           <a:xfrm>
             <a:off x="702000" y="5713560"/>
-            <a:ext cx="3003840" cy="2758320"/>
-          </a:xfrm>
-          <a:prstGeom prst="rect">
-            <a:avLst/>
-          </a:prstGeom>
-        </p:spPr>
-        <p:txBody>
-          <a:bodyPr lIns="0" rIns="0" tIns="0" bIns="0">
-            <a:normAutofit fontScale="56000"/>
-          </a:bodyPr>
-          <a:p>
-            <a:endParaRPr b="0" lang="de-DE" sz="5620" spc="-1" strike="noStrike">
-              <a:latin typeface="Arial"/>
-            </a:endParaRPr>
-          </a:p>
-        </p:txBody>
-      </p:sp>
-      <p:sp>
-        <p:nvSpPr>
-          <p:cNvPr id="33" name="PlaceHolder 5"/>
-          <p:cNvSpPr>
-            <a:spLocks noGrp="1"/>
-          </p:cNvSpPr>
-          <p:nvPr>
-            <p:ph type="body"/>
-          </p:nvPr>
-        </p:nvSpPr>
-        <p:spPr>
-          <a:xfrm>
-            <a:off x="3856320" y="5713560"/>
-            <a:ext cx="3003840" cy="2758320"/>
-          </a:xfrm>
-          <a:prstGeom prst="rect">
-            <a:avLst/>
-          </a:prstGeom>
-        </p:spPr>
-        <p:txBody>
-          <a:bodyPr lIns="0" rIns="0" tIns="0" bIns="0">
-            <a:normAutofit fontScale="56000"/>
-          </a:bodyPr>
-          <a:p>
-            <a:endParaRPr b="0" lang="de-DE" sz="5620" spc="-1" strike="noStrike">
+            <a:ext cx="3003480" cy="2758320"/>
+          </a:xfrm>
+          <a:prstGeom prst="rect">
+            <a:avLst/>
+          </a:prstGeom>
+        </p:spPr>
+        <p:txBody>
+          <a:bodyPr lIns="0" rIns="0" tIns="0" bIns="0">
+            <a:normAutofit/>
+          </a:bodyPr>
+          <a:p>
+            <a:endParaRPr b="0" lang="de-DE" sz="3200" spc="-1" strike="noStrike">
+              <a:latin typeface="Arial"/>
+            </a:endParaRPr>
+          </a:p>
+        </p:txBody>
+      </p:sp>
+      <p:sp>
+        <p:nvSpPr>
+          <p:cNvPr id="30" name="PlaceHolder 5"/>
+          <p:cNvSpPr>
+            <a:spLocks noGrp="1"/>
+          </p:cNvSpPr>
+          <p:nvPr>
+            <p:ph type="body"/>
+          </p:nvPr>
+        </p:nvSpPr>
+        <p:spPr>
+          <a:xfrm>
+            <a:off x="3855960" y="5713560"/>
+            <a:ext cx="3003480" cy="2758320"/>
+          </a:xfrm>
+          <a:prstGeom prst="rect">
+            <a:avLst/>
+          </a:prstGeom>
+        </p:spPr>
+        <p:txBody>
+          <a:bodyPr lIns="0" rIns="0" tIns="0" bIns="0">
+            <a:normAutofit/>
+          </a:bodyPr>
+          <a:p>
+            <a:endParaRPr b="0" lang="de-DE" sz="3200" spc="-1" strike="noStrike">
               <a:latin typeface="Arial"/>
             </a:endParaRPr>
           </a:p>
@@ -340,7 +344,7 @@
       </p:grpSpPr>
       <p:sp>
         <p:nvSpPr>
-          <p:cNvPr id="34" name="PlaceHolder 1"/>
+          <p:cNvPr id="31" name="PlaceHolder 1"/>
           <p:cNvSpPr>
             <a:spLocks noGrp="1"/>
           </p:cNvSpPr>
@@ -350,8 +354,8 @@
         </p:nvSpPr>
         <p:spPr>
           <a:xfrm>
-            <a:off x="702000" y="-58680"/>
-            <a:ext cx="6155640" cy="3296520"/>
+            <a:off x="702000" y="696600"/>
+            <a:ext cx="6155280" cy="1785240"/>
           </a:xfrm>
           <a:prstGeom prst="rect">
             <a:avLst/>
@@ -363,15 +367,15 @@
           </a:bodyPr>
           <a:p>
             <a:pPr algn="ctr"/>
-            <a:endParaRPr b="0" lang="de-DE" sz="7740" spc="-1" strike="noStrike">
-              <a:latin typeface="Arial"/>
-            </a:endParaRPr>
-          </a:p>
-        </p:txBody>
-      </p:sp>
-      <p:sp>
-        <p:nvSpPr>
-          <p:cNvPr id="35" name="PlaceHolder 2"/>
+            <a:endParaRPr b="0" lang="de-DE" sz="4400" spc="-1" strike="noStrike">
+              <a:latin typeface="Arial"/>
+            </a:endParaRPr>
+          </a:p>
+        </p:txBody>
+      </p:sp>
+      <p:sp>
+        <p:nvSpPr>
+          <p:cNvPr id="32" name="PlaceHolder 2"/>
           <p:cNvSpPr>
             <a:spLocks noGrp="1"/>
           </p:cNvSpPr>
@@ -390,18 +394,18 @@
         </p:spPr>
         <p:txBody>
           <a:bodyPr lIns="0" rIns="0" tIns="0" bIns="0">
-            <a:normAutofit fontScale="27000"/>
-          </a:bodyPr>
-          <a:p>
-            <a:endParaRPr b="0" lang="de-DE" sz="5620" spc="-1" strike="noStrike">
-              <a:latin typeface="Arial"/>
-            </a:endParaRPr>
-          </a:p>
-        </p:txBody>
-      </p:sp>
-      <p:sp>
-        <p:nvSpPr>
-          <p:cNvPr id="36" name="PlaceHolder 3"/>
+            <a:normAutofit/>
+          </a:bodyPr>
+          <a:p>
+            <a:endParaRPr b="0" lang="de-DE" sz="3200" spc="-1" strike="noStrike">
+              <a:latin typeface="Arial"/>
+            </a:endParaRPr>
+          </a:p>
+        </p:txBody>
+      </p:sp>
+      <p:sp>
+        <p:nvSpPr>
+          <p:cNvPr id="33" name="PlaceHolder 3"/>
           <p:cNvSpPr>
             <a:spLocks noGrp="1"/>
           </p:cNvSpPr>
@@ -420,18 +424,18 @@
         </p:spPr>
         <p:txBody>
           <a:bodyPr lIns="0" rIns="0" tIns="0" bIns="0">
-            <a:normAutofit fontScale="27000"/>
-          </a:bodyPr>
-          <a:p>
-            <a:endParaRPr b="0" lang="de-DE" sz="5620" spc="-1" strike="noStrike">
-              <a:latin typeface="Arial"/>
-            </a:endParaRPr>
-          </a:p>
-        </p:txBody>
-      </p:sp>
-      <p:sp>
-        <p:nvSpPr>
-          <p:cNvPr id="37" name="PlaceHolder 4"/>
+            <a:normAutofit/>
+          </a:bodyPr>
+          <a:p>
+            <a:endParaRPr b="0" lang="de-DE" sz="3200" spc="-1" strike="noStrike">
+              <a:latin typeface="Arial"/>
+            </a:endParaRPr>
+          </a:p>
+        </p:txBody>
+      </p:sp>
+      <p:sp>
+        <p:nvSpPr>
+          <p:cNvPr id="34" name="PlaceHolder 4"/>
           <p:cNvSpPr>
             <a:spLocks noGrp="1"/>
           </p:cNvSpPr>
@@ -450,18 +454,18 @@
         </p:spPr>
         <p:txBody>
           <a:bodyPr lIns="0" rIns="0" tIns="0" bIns="0">
-            <a:normAutofit fontScale="27000"/>
-          </a:bodyPr>
-          <a:p>
-            <a:endParaRPr b="0" lang="de-DE" sz="5620" spc="-1" strike="noStrike">
-              <a:latin typeface="Arial"/>
-            </a:endParaRPr>
-          </a:p>
-        </p:txBody>
-      </p:sp>
-      <p:sp>
-        <p:nvSpPr>
-          <p:cNvPr id="38" name="PlaceHolder 5"/>
+            <a:normAutofit/>
+          </a:bodyPr>
+          <a:p>
+            <a:endParaRPr b="0" lang="de-DE" sz="3200" spc="-1" strike="noStrike">
+              <a:latin typeface="Arial"/>
+            </a:endParaRPr>
+          </a:p>
+        </p:txBody>
+      </p:sp>
+      <p:sp>
+        <p:nvSpPr>
+          <p:cNvPr id="35" name="PlaceHolder 5"/>
           <p:cNvSpPr>
             <a:spLocks noGrp="1"/>
           </p:cNvSpPr>
@@ -480,18 +484,18 @@
         </p:spPr>
         <p:txBody>
           <a:bodyPr lIns="0" rIns="0" tIns="0" bIns="0">
-            <a:normAutofit fontScale="27000"/>
-          </a:bodyPr>
-          <a:p>
-            <a:endParaRPr b="0" lang="de-DE" sz="5620" spc="-1" strike="noStrike">
-              <a:latin typeface="Arial"/>
-            </a:endParaRPr>
-          </a:p>
-        </p:txBody>
-      </p:sp>
-      <p:sp>
-        <p:nvSpPr>
-          <p:cNvPr id="39" name="PlaceHolder 6"/>
+            <a:normAutofit/>
+          </a:bodyPr>
+          <a:p>
+            <a:endParaRPr b="0" lang="de-DE" sz="3200" spc="-1" strike="noStrike">
+              <a:latin typeface="Arial"/>
+            </a:endParaRPr>
+          </a:p>
+        </p:txBody>
+      </p:sp>
+      <p:sp>
+        <p:nvSpPr>
+          <p:cNvPr id="36" name="PlaceHolder 6"/>
           <p:cNvSpPr>
             <a:spLocks noGrp="1"/>
           </p:cNvSpPr>
@@ -510,18 +514,18 @@
         </p:spPr>
         <p:txBody>
           <a:bodyPr lIns="0" rIns="0" tIns="0" bIns="0">
-            <a:normAutofit fontScale="27000"/>
-          </a:bodyPr>
-          <a:p>
-            <a:endParaRPr b="0" lang="de-DE" sz="5620" spc="-1" strike="noStrike">
-              <a:latin typeface="Arial"/>
-            </a:endParaRPr>
-          </a:p>
-        </p:txBody>
-      </p:sp>
-      <p:sp>
-        <p:nvSpPr>
-          <p:cNvPr id="40" name="PlaceHolder 7"/>
+            <a:normAutofit/>
+          </a:bodyPr>
+          <a:p>
+            <a:endParaRPr b="0" lang="de-DE" sz="3200" spc="-1" strike="noStrike">
+              <a:latin typeface="Arial"/>
+            </a:endParaRPr>
+          </a:p>
+        </p:txBody>
+      </p:sp>
+      <p:sp>
+        <p:nvSpPr>
+          <p:cNvPr id="37" name="PlaceHolder 7"/>
           <p:cNvSpPr>
             <a:spLocks noGrp="1"/>
           </p:cNvSpPr>
@@ -540,10 +544,561 @@
         </p:spPr>
         <p:txBody>
           <a:bodyPr lIns="0" rIns="0" tIns="0" bIns="0">
-            <a:normAutofit fontScale="27000"/>
-          </a:bodyPr>
-          <a:p>
-            <a:endParaRPr b="0" lang="de-DE" sz="5620" spc="-1" strike="noStrike">
+            <a:normAutofit/>
+          </a:bodyPr>
+          <a:p>
+            <a:endParaRPr b="0" lang="de-DE" sz="3200" spc="-1" strike="noStrike">
+              <a:latin typeface="Arial"/>
+            </a:endParaRPr>
+          </a:p>
+        </p:txBody>
+      </p:sp>
+    </p:spTree>
+  </p:cSld>
+</p:sldLayout>
+</file>
+
+<file path=ppt/slideLayouts/slideLayout13.xml><?xml version="1.0" encoding="utf-8"?>
+<p:sldLayout xmlns:a="http://schemas.openxmlformats.org/drawingml/2006/main" xmlns:p="http://schemas.openxmlformats.org/presentationml/2006/main" xmlns:r="http://schemas.openxmlformats.org/officeDocument/2006/relationships" xmlns:p14="http://schemas.microsoft.com/office/powerpoint/2010/main" xmlns:p15="http://schemas.microsoft.com/office/powerpoint/2012/main" xmlns:mc="http://schemas.openxmlformats.org/markup-compatibility/2006" type="blank" preserve="1">
+  <p:cSld name="Blank Slide">
+    <p:spTree>
+      <p:nvGrpSpPr>
+        <p:cNvPr id="1" name=""/>
+        <p:cNvGrpSpPr/>
+        <p:nvPr/>
+      </p:nvGrpSpPr>
+      <p:grpSpPr>
+        <a:xfrm>
+          <a:off x="0" y="0"/>
+          <a:ext cx="0" cy="0"/>
+          <a:chOff x="0" y="0"/>
+          <a:chExt cx="0" cy="0"/>
+        </a:xfrm>
+      </p:grpSpPr>
+    </p:spTree>
+  </p:cSld>
+</p:sldLayout>
+</file>
+
+<file path=ppt/slideLayouts/slideLayout14.xml><?xml version="1.0" encoding="utf-8"?>
+<p:sldLayout xmlns:a="http://schemas.openxmlformats.org/drawingml/2006/main" xmlns:p="http://schemas.openxmlformats.org/presentationml/2006/main" xmlns:r="http://schemas.openxmlformats.org/officeDocument/2006/relationships" xmlns:p14="http://schemas.microsoft.com/office/powerpoint/2010/main" xmlns:p15="http://schemas.microsoft.com/office/powerpoint/2012/main" xmlns:mc="http://schemas.openxmlformats.org/markup-compatibility/2006" type="tx" preserve="1">
+  <p:cSld name="Title Slide">
+    <p:spTree>
+      <p:nvGrpSpPr>
+        <p:cNvPr id="1" name=""/>
+        <p:cNvGrpSpPr/>
+        <p:nvPr/>
+      </p:nvGrpSpPr>
+      <p:grpSpPr>
+        <a:xfrm>
+          <a:off x="0" y="0"/>
+          <a:ext cx="0" cy="0"/>
+          <a:chOff x="0" y="0"/>
+          <a:chExt cx="0" cy="0"/>
+        </a:xfrm>
+      </p:grpSpPr>
+      <p:sp>
+        <p:nvSpPr>
+          <p:cNvPr id="40" name="PlaceHolder 1"/>
+          <p:cNvSpPr>
+            <a:spLocks noGrp="1"/>
+          </p:cNvSpPr>
+          <p:nvPr>
+            <p:ph type="title"/>
+          </p:nvPr>
+        </p:nvSpPr>
+        <p:spPr>
+          <a:xfrm>
+            <a:off x="702000" y="696600"/>
+            <a:ext cx="6155280" cy="1785240"/>
+          </a:xfrm>
+          <a:prstGeom prst="rect">
+            <a:avLst/>
+          </a:prstGeom>
+        </p:spPr>
+        <p:txBody>
+          <a:bodyPr lIns="0" rIns="0" tIns="0" bIns="0" anchor="ctr">
+            <a:spAutoFit/>
+          </a:bodyPr>
+          <a:p>
+            <a:pPr algn="ctr"/>
+            <a:endParaRPr b="0" lang="de-DE" sz="4400" spc="-1" strike="noStrike">
+              <a:latin typeface="Arial"/>
+            </a:endParaRPr>
+          </a:p>
+        </p:txBody>
+      </p:sp>
+      <p:sp>
+        <p:nvSpPr>
+          <p:cNvPr id="41" name="PlaceHolder 2"/>
+          <p:cNvSpPr>
+            <a:spLocks noGrp="1"/>
+          </p:cNvSpPr>
+          <p:nvPr>
+            <p:ph type="subTitle"/>
+          </p:nvPr>
+        </p:nvSpPr>
+        <p:spPr>
+          <a:xfrm>
+            <a:off x="702000" y="2692800"/>
+            <a:ext cx="6155280" cy="5782680"/>
+          </a:xfrm>
+          <a:prstGeom prst="rect">
+            <a:avLst/>
+          </a:prstGeom>
+        </p:spPr>
+        <p:txBody>
+          <a:bodyPr lIns="0" rIns="0" tIns="0" bIns="0" anchor="ctr">
+            <a:spAutoFit/>
+          </a:bodyPr>
+          <a:p>
+            <a:pPr algn="ctr"/>
+            <a:endParaRPr b="0" lang="de-DE" sz="3200" spc="-1" strike="noStrike">
+              <a:latin typeface="Arial"/>
+            </a:endParaRPr>
+          </a:p>
+        </p:txBody>
+      </p:sp>
+    </p:spTree>
+  </p:cSld>
+</p:sldLayout>
+</file>
+
+<file path=ppt/slideLayouts/slideLayout15.xml><?xml version="1.0" encoding="utf-8"?>
+<p:sldLayout xmlns:a="http://schemas.openxmlformats.org/drawingml/2006/main" xmlns:p="http://schemas.openxmlformats.org/presentationml/2006/main" xmlns:r="http://schemas.openxmlformats.org/officeDocument/2006/relationships" xmlns:p14="http://schemas.microsoft.com/office/powerpoint/2010/main" xmlns:p15="http://schemas.microsoft.com/office/powerpoint/2012/main" xmlns:mc="http://schemas.openxmlformats.org/markup-compatibility/2006" type="obj" preserve="1">
+  <p:cSld name="Title, Content">
+    <p:spTree>
+      <p:nvGrpSpPr>
+        <p:cNvPr id="1" name=""/>
+        <p:cNvGrpSpPr/>
+        <p:nvPr/>
+      </p:nvGrpSpPr>
+      <p:grpSpPr>
+        <a:xfrm>
+          <a:off x="0" y="0"/>
+          <a:ext cx="0" cy="0"/>
+          <a:chOff x="0" y="0"/>
+          <a:chExt cx="0" cy="0"/>
+        </a:xfrm>
+      </p:grpSpPr>
+      <p:sp>
+        <p:nvSpPr>
+          <p:cNvPr id="42" name="PlaceHolder 1"/>
+          <p:cNvSpPr>
+            <a:spLocks noGrp="1"/>
+          </p:cNvSpPr>
+          <p:nvPr>
+            <p:ph type="title"/>
+          </p:nvPr>
+        </p:nvSpPr>
+        <p:spPr>
+          <a:xfrm>
+            <a:off x="702000" y="696600"/>
+            <a:ext cx="6155280" cy="1785240"/>
+          </a:xfrm>
+          <a:prstGeom prst="rect">
+            <a:avLst/>
+          </a:prstGeom>
+        </p:spPr>
+        <p:txBody>
+          <a:bodyPr lIns="0" rIns="0" tIns="0" bIns="0" anchor="ctr">
+            <a:spAutoFit/>
+          </a:bodyPr>
+          <a:p>
+            <a:pPr algn="ctr"/>
+            <a:endParaRPr b="0" lang="de-DE" sz="4400" spc="-1" strike="noStrike">
+              <a:latin typeface="Arial"/>
+            </a:endParaRPr>
+          </a:p>
+        </p:txBody>
+      </p:sp>
+      <p:sp>
+        <p:nvSpPr>
+          <p:cNvPr id="43" name="PlaceHolder 2"/>
+          <p:cNvSpPr>
+            <a:spLocks noGrp="1"/>
+          </p:cNvSpPr>
+          <p:nvPr>
+            <p:ph type="body"/>
+          </p:nvPr>
+        </p:nvSpPr>
+        <p:spPr>
+          <a:xfrm>
+            <a:off x="702000" y="2692800"/>
+            <a:ext cx="6155280" cy="5782680"/>
+          </a:xfrm>
+          <a:prstGeom prst="rect">
+            <a:avLst/>
+          </a:prstGeom>
+        </p:spPr>
+        <p:txBody>
+          <a:bodyPr lIns="0" rIns="0" tIns="0" bIns="0">
+            <a:normAutofit/>
+          </a:bodyPr>
+          <a:p>
+            <a:endParaRPr b="0" lang="de-DE" sz="3200" spc="-1" strike="noStrike">
+              <a:latin typeface="Arial"/>
+            </a:endParaRPr>
+          </a:p>
+        </p:txBody>
+      </p:sp>
+    </p:spTree>
+  </p:cSld>
+</p:sldLayout>
+</file>
+
+<file path=ppt/slideLayouts/slideLayout16.xml><?xml version="1.0" encoding="utf-8"?>
+<p:sldLayout xmlns:a="http://schemas.openxmlformats.org/drawingml/2006/main" xmlns:p="http://schemas.openxmlformats.org/presentationml/2006/main" xmlns:r="http://schemas.openxmlformats.org/officeDocument/2006/relationships" xmlns:p14="http://schemas.microsoft.com/office/powerpoint/2010/main" xmlns:p15="http://schemas.microsoft.com/office/powerpoint/2012/main" xmlns:mc="http://schemas.openxmlformats.org/markup-compatibility/2006" type="twoObj" preserve="1">
+  <p:cSld name="Title, 2 Content">
+    <p:spTree>
+      <p:nvGrpSpPr>
+        <p:cNvPr id="1" name=""/>
+        <p:cNvGrpSpPr/>
+        <p:nvPr/>
+      </p:nvGrpSpPr>
+      <p:grpSpPr>
+        <a:xfrm>
+          <a:off x="0" y="0"/>
+          <a:ext cx="0" cy="0"/>
+          <a:chOff x="0" y="0"/>
+          <a:chExt cx="0" cy="0"/>
+        </a:xfrm>
+      </p:grpSpPr>
+      <p:sp>
+        <p:nvSpPr>
+          <p:cNvPr id="44" name="PlaceHolder 1"/>
+          <p:cNvSpPr>
+            <a:spLocks noGrp="1"/>
+          </p:cNvSpPr>
+          <p:nvPr>
+            <p:ph type="title"/>
+          </p:nvPr>
+        </p:nvSpPr>
+        <p:spPr>
+          <a:xfrm>
+            <a:off x="702000" y="696600"/>
+            <a:ext cx="6155280" cy="1785240"/>
+          </a:xfrm>
+          <a:prstGeom prst="rect">
+            <a:avLst/>
+          </a:prstGeom>
+        </p:spPr>
+        <p:txBody>
+          <a:bodyPr lIns="0" rIns="0" tIns="0" bIns="0" anchor="ctr">
+            <a:spAutoFit/>
+          </a:bodyPr>
+          <a:p>
+            <a:pPr algn="ctr"/>
+            <a:endParaRPr b="0" lang="de-DE" sz="4400" spc="-1" strike="noStrike">
+              <a:latin typeface="Arial"/>
+            </a:endParaRPr>
+          </a:p>
+        </p:txBody>
+      </p:sp>
+      <p:sp>
+        <p:nvSpPr>
+          <p:cNvPr id="45" name="PlaceHolder 2"/>
+          <p:cNvSpPr>
+            <a:spLocks noGrp="1"/>
+          </p:cNvSpPr>
+          <p:nvPr>
+            <p:ph type="body"/>
+          </p:nvPr>
+        </p:nvSpPr>
+        <p:spPr>
+          <a:xfrm>
+            <a:off x="702000" y="2692800"/>
+            <a:ext cx="3003480" cy="5782680"/>
+          </a:xfrm>
+          <a:prstGeom prst="rect">
+            <a:avLst/>
+          </a:prstGeom>
+        </p:spPr>
+        <p:txBody>
+          <a:bodyPr lIns="0" rIns="0" tIns="0" bIns="0">
+            <a:normAutofit/>
+          </a:bodyPr>
+          <a:p>
+            <a:endParaRPr b="0" lang="de-DE" sz="3200" spc="-1" strike="noStrike">
+              <a:latin typeface="Arial"/>
+            </a:endParaRPr>
+          </a:p>
+        </p:txBody>
+      </p:sp>
+      <p:sp>
+        <p:nvSpPr>
+          <p:cNvPr id="46" name="PlaceHolder 3"/>
+          <p:cNvSpPr>
+            <a:spLocks noGrp="1"/>
+          </p:cNvSpPr>
+          <p:nvPr>
+            <p:ph type="body"/>
+          </p:nvPr>
+        </p:nvSpPr>
+        <p:spPr>
+          <a:xfrm>
+            <a:off x="3855960" y="2692800"/>
+            <a:ext cx="3003480" cy="5782680"/>
+          </a:xfrm>
+          <a:prstGeom prst="rect">
+            <a:avLst/>
+          </a:prstGeom>
+        </p:spPr>
+        <p:txBody>
+          <a:bodyPr lIns="0" rIns="0" tIns="0" bIns="0">
+            <a:normAutofit/>
+          </a:bodyPr>
+          <a:p>
+            <a:endParaRPr b="0" lang="de-DE" sz="3200" spc="-1" strike="noStrike">
+              <a:latin typeface="Arial"/>
+            </a:endParaRPr>
+          </a:p>
+        </p:txBody>
+      </p:sp>
+    </p:spTree>
+  </p:cSld>
+</p:sldLayout>
+</file>
+
+<file path=ppt/slideLayouts/slideLayout17.xml><?xml version="1.0" encoding="utf-8"?>
+<p:sldLayout xmlns:a="http://schemas.openxmlformats.org/drawingml/2006/main" xmlns:p="http://schemas.openxmlformats.org/presentationml/2006/main" xmlns:r="http://schemas.openxmlformats.org/officeDocument/2006/relationships" xmlns:p14="http://schemas.microsoft.com/office/powerpoint/2010/main" xmlns:p15="http://schemas.microsoft.com/office/powerpoint/2012/main" xmlns:mc="http://schemas.openxmlformats.org/markup-compatibility/2006" type="titleOnly" preserve="1">
+  <p:cSld name="Title Only">
+    <p:spTree>
+      <p:nvGrpSpPr>
+        <p:cNvPr id="1" name=""/>
+        <p:cNvGrpSpPr/>
+        <p:nvPr/>
+      </p:nvGrpSpPr>
+      <p:grpSpPr>
+        <a:xfrm>
+          <a:off x="0" y="0"/>
+          <a:ext cx="0" cy="0"/>
+          <a:chOff x="0" y="0"/>
+          <a:chExt cx="0" cy="0"/>
+        </a:xfrm>
+      </p:grpSpPr>
+      <p:sp>
+        <p:nvSpPr>
+          <p:cNvPr id="47" name="PlaceHolder 1"/>
+          <p:cNvSpPr>
+            <a:spLocks noGrp="1"/>
+          </p:cNvSpPr>
+          <p:nvPr>
+            <p:ph type="title"/>
+          </p:nvPr>
+        </p:nvSpPr>
+        <p:spPr>
+          <a:xfrm>
+            <a:off x="702000" y="696600"/>
+            <a:ext cx="6155280" cy="1785240"/>
+          </a:xfrm>
+          <a:prstGeom prst="rect">
+            <a:avLst/>
+          </a:prstGeom>
+        </p:spPr>
+        <p:txBody>
+          <a:bodyPr lIns="0" rIns="0" tIns="0" bIns="0" anchor="ctr">
+            <a:spAutoFit/>
+          </a:bodyPr>
+          <a:p>
+            <a:pPr algn="ctr"/>
+            <a:endParaRPr b="0" lang="de-DE" sz="4400" spc="-1" strike="noStrike">
+              <a:latin typeface="Arial"/>
+            </a:endParaRPr>
+          </a:p>
+        </p:txBody>
+      </p:sp>
+    </p:spTree>
+  </p:cSld>
+</p:sldLayout>
+</file>
+
+<file path=ppt/slideLayouts/slideLayout18.xml><?xml version="1.0" encoding="utf-8"?>
+<p:sldLayout xmlns:a="http://schemas.openxmlformats.org/drawingml/2006/main" xmlns:p="http://schemas.openxmlformats.org/presentationml/2006/main" xmlns:r="http://schemas.openxmlformats.org/officeDocument/2006/relationships" xmlns:p14="http://schemas.microsoft.com/office/powerpoint/2010/main" xmlns:p15="http://schemas.microsoft.com/office/powerpoint/2012/main" xmlns:mc="http://schemas.openxmlformats.org/markup-compatibility/2006" type="objOnly" preserve="1">
+  <p:cSld name="Centered Text">
+    <p:spTree>
+      <p:nvGrpSpPr>
+        <p:cNvPr id="1" name=""/>
+        <p:cNvGrpSpPr/>
+        <p:nvPr/>
+      </p:nvGrpSpPr>
+      <p:grpSpPr>
+        <a:xfrm>
+          <a:off x="0" y="0"/>
+          <a:ext cx="0" cy="0"/>
+          <a:chOff x="0" y="0"/>
+          <a:chExt cx="0" cy="0"/>
+        </a:xfrm>
+      </p:grpSpPr>
+      <p:sp>
+        <p:nvSpPr>
+          <p:cNvPr id="48" name="PlaceHolder 1"/>
+          <p:cNvSpPr>
+            <a:spLocks noGrp="1"/>
+          </p:cNvSpPr>
+          <p:nvPr>
+            <p:ph type="subTitle"/>
+          </p:nvPr>
+        </p:nvSpPr>
+        <p:spPr>
+          <a:xfrm>
+            <a:off x="702000" y="696600"/>
+            <a:ext cx="6155280" cy="8276760"/>
+          </a:xfrm>
+          <a:prstGeom prst="rect">
+            <a:avLst/>
+          </a:prstGeom>
+        </p:spPr>
+        <p:txBody>
+          <a:bodyPr lIns="0" rIns="0" tIns="0" bIns="0" anchor="ctr">
+            <a:spAutoFit/>
+          </a:bodyPr>
+          <a:p>
+            <a:pPr algn="ctr"/>
+            <a:endParaRPr b="0" lang="de-DE" sz="3200" spc="-1" strike="noStrike">
+              <a:latin typeface="Arial"/>
+            </a:endParaRPr>
+          </a:p>
+        </p:txBody>
+      </p:sp>
+    </p:spTree>
+  </p:cSld>
+</p:sldLayout>
+</file>
+
+<file path=ppt/slideLayouts/slideLayout19.xml><?xml version="1.0" encoding="utf-8"?>
+<p:sldLayout xmlns:a="http://schemas.openxmlformats.org/drawingml/2006/main" xmlns:p="http://schemas.openxmlformats.org/presentationml/2006/main" xmlns:r="http://schemas.openxmlformats.org/officeDocument/2006/relationships" xmlns:p14="http://schemas.microsoft.com/office/powerpoint/2010/main" xmlns:p15="http://schemas.microsoft.com/office/powerpoint/2012/main" xmlns:mc="http://schemas.openxmlformats.org/markup-compatibility/2006" type="twoObjAndObj" preserve="1">
+  <p:cSld name="Title, 2 Content and Content">
+    <p:spTree>
+      <p:nvGrpSpPr>
+        <p:cNvPr id="1" name=""/>
+        <p:cNvGrpSpPr/>
+        <p:nvPr/>
+      </p:nvGrpSpPr>
+      <p:grpSpPr>
+        <a:xfrm>
+          <a:off x="0" y="0"/>
+          <a:ext cx="0" cy="0"/>
+          <a:chOff x="0" y="0"/>
+          <a:chExt cx="0" cy="0"/>
+        </a:xfrm>
+      </p:grpSpPr>
+      <p:sp>
+        <p:nvSpPr>
+          <p:cNvPr id="49" name="PlaceHolder 1"/>
+          <p:cNvSpPr>
+            <a:spLocks noGrp="1"/>
+          </p:cNvSpPr>
+          <p:nvPr>
+            <p:ph type="title"/>
+          </p:nvPr>
+        </p:nvSpPr>
+        <p:spPr>
+          <a:xfrm>
+            <a:off x="702000" y="696600"/>
+            <a:ext cx="6155280" cy="1785240"/>
+          </a:xfrm>
+          <a:prstGeom prst="rect">
+            <a:avLst/>
+          </a:prstGeom>
+        </p:spPr>
+        <p:txBody>
+          <a:bodyPr lIns="0" rIns="0" tIns="0" bIns="0" anchor="ctr">
+            <a:spAutoFit/>
+          </a:bodyPr>
+          <a:p>
+            <a:pPr algn="ctr"/>
+            <a:endParaRPr b="0" lang="de-DE" sz="4400" spc="-1" strike="noStrike">
+              <a:latin typeface="Arial"/>
+            </a:endParaRPr>
+          </a:p>
+        </p:txBody>
+      </p:sp>
+      <p:sp>
+        <p:nvSpPr>
+          <p:cNvPr id="50" name="PlaceHolder 2"/>
+          <p:cNvSpPr>
+            <a:spLocks noGrp="1"/>
+          </p:cNvSpPr>
+          <p:nvPr>
+            <p:ph type="body"/>
+          </p:nvPr>
+        </p:nvSpPr>
+        <p:spPr>
+          <a:xfrm>
+            <a:off x="702000" y="2692800"/>
+            <a:ext cx="3003480" cy="2758320"/>
+          </a:xfrm>
+          <a:prstGeom prst="rect">
+            <a:avLst/>
+          </a:prstGeom>
+        </p:spPr>
+        <p:txBody>
+          <a:bodyPr lIns="0" rIns="0" tIns="0" bIns="0">
+            <a:normAutofit/>
+          </a:bodyPr>
+          <a:p>
+            <a:endParaRPr b="0" lang="de-DE" sz="3200" spc="-1" strike="noStrike">
+              <a:latin typeface="Arial"/>
+            </a:endParaRPr>
+          </a:p>
+        </p:txBody>
+      </p:sp>
+      <p:sp>
+        <p:nvSpPr>
+          <p:cNvPr id="51" name="PlaceHolder 3"/>
+          <p:cNvSpPr>
+            <a:spLocks noGrp="1"/>
+          </p:cNvSpPr>
+          <p:nvPr>
+            <p:ph type="body"/>
+          </p:nvPr>
+        </p:nvSpPr>
+        <p:spPr>
+          <a:xfrm>
+            <a:off x="3855960" y="2692800"/>
+            <a:ext cx="3003480" cy="5782680"/>
+          </a:xfrm>
+          <a:prstGeom prst="rect">
+            <a:avLst/>
+          </a:prstGeom>
+        </p:spPr>
+        <p:txBody>
+          <a:bodyPr lIns="0" rIns="0" tIns="0" bIns="0">
+            <a:normAutofit/>
+          </a:bodyPr>
+          <a:p>
+            <a:endParaRPr b="0" lang="de-DE" sz="3200" spc="-1" strike="noStrike">
+              <a:latin typeface="Arial"/>
+            </a:endParaRPr>
+          </a:p>
+        </p:txBody>
+      </p:sp>
+      <p:sp>
+        <p:nvSpPr>
+          <p:cNvPr id="52" name="PlaceHolder 4"/>
+          <p:cNvSpPr>
+            <a:spLocks noGrp="1"/>
+          </p:cNvSpPr>
+          <p:nvPr>
+            <p:ph type="body"/>
+          </p:nvPr>
+        </p:nvSpPr>
+        <p:spPr>
+          <a:xfrm>
+            <a:off x="702000" y="5713560"/>
+            <a:ext cx="3003480" cy="2758320"/>
+          </a:xfrm>
+          <a:prstGeom prst="rect">
+            <a:avLst/>
+          </a:prstGeom>
+        </p:spPr>
+        <p:txBody>
+          <a:bodyPr lIns="0" rIns="0" tIns="0" bIns="0">
+            <a:normAutofit/>
+          </a:bodyPr>
+          <a:p>
+            <a:endParaRPr b="0" lang="de-DE" sz="3200" spc="-1" strike="noStrike">
               <a:latin typeface="Arial"/>
             </a:endParaRPr>
           </a:p>
@@ -573,7 +1128,7 @@
       </p:grpSpPr>
       <p:sp>
         <p:nvSpPr>
-          <p:cNvPr id="5" name="PlaceHolder 1"/>
+          <p:cNvPr id="2" name="PlaceHolder 1"/>
           <p:cNvSpPr>
             <a:spLocks noGrp="1"/>
           </p:cNvSpPr>
@@ -583,8 +1138,8 @@
         </p:nvSpPr>
         <p:spPr>
           <a:xfrm>
-            <a:off x="702000" y="-58680"/>
-            <a:ext cx="6155640" cy="3296520"/>
+            <a:off x="702000" y="696600"/>
+            <a:ext cx="6155280" cy="1785240"/>
           </a:xfrm>
           <a:prstGeom prst="rect">
             <a:avLst/>
@@ -596,15 +1151,15 @@
           </a:bodyPr>
           <a:p>
             <a:pPr algn="ctr"/>
-            <a:endParaRPr b="0" lang="de-DE" sz="7740" spc="-1" strike="noStrike">
-              <a:latin typeface="Arial"/>
-            </a:endParaRPr>
-          </a:p>
-        </p:txBody>
-      </p:sp>
-      <p:sp>
-        <p:nvSpPr>
-          <p:cNvPr id="6" name="PlaceHolder 2"/>
+            <a:endParaRPr b="0" lang="de-DE" sz="4400" spc="-1" strike="noStrike">
+              <a:latin typeface="Arial"/>
+            </a:endParaRPr>
+          </a:p>
+        </p:txBody>
+      </p:sp>
+      <p:sp>
+        <p:nvSpPr>
+          <p:cNvPr id="3" name="PlaceHolder 2"/>
           <p:cNvSpPr>
             <a:spLocks noGrp="1"/>
           </p:cNvSpPr>
@@ -615,7 +1170,7 @@
         <p:spPr>
           <a:xfrm>
             <a:off x="702000" y="2692800"/>
-            <a:ext cx="6155640" cy="5783040"/>
+            <a:ext cx="6155280" cy="5782680"/>
           </a:xfrm>
           <a:prstGeom prst="rect">
             <a:avLst/>
@@ -627,6 +1182,811 @@
           </a:bodyPr>
           <a:p>
             <a:pPr algn="ctr"/>
+            <a:endParaRPr b="0" lang="de-DE" sz="3200" spc="-1" strike="noStrike">
+              <a:latin typeface="Arial"/>
+            </a:endParaRPr>
+          </a:p>
+        </p:txBody>
+      </p:sp>
+    </p:spTree>
+  </p:cSld>
+</p:sldLayout>
+</file>
+
+<file path=ppt/slideLayouts/slideLayout20.xml><?xml version="1.0" encoding="utf-8"?>
+<p:sldLayout xmlns:a="http://schemas.openxmlformats.org/drawingml/2006/main" xmlns:p="http://schemas.openxmlformats.org/presentationml/2006/main" xmlns:r="http://schemas.openxmlformats.org/officeDocument/2006/relationships" xmlns:p14="http://schemas.microsoft.com/office/powerpoint/2010/main" xmlns:p15="http://schemas.microsoft.com/office/powerpoint/2012/main" xmlns:mc="http://schemas.openxmlformats.org/markup-compatibility/2006" type="objAndTwoObj" preserve="1">
+  <p:cSld name="Title Content and 2 Content">
+    <p:spTree>
+      <p:nvGrpSpPr>
+        <p:cNvPr id="1" name=""/>
+        <p:cNvGrpSpPr/>
+        <p:nvPr/>
+      </p:nvGrpSpPr>
+      <p:grpSpPr>
+        <a:xfrm>
+          <a:off x="0" y="0"/>
+          <a:ext cx="0" cy="0"/>
+          <a:chOff x="0" y="0"/>
+          <a:chExt cx="0" cy="0"/>
+        </a:xfrm>
+      </p:grpSpPr>
+      <p:sp>
+        <p:nvSpPr>
+          <p:cNvPr id="53" name="PlaceHolder 1"/>
+          <p:cNvSpPr>
+            <a:spLocks noGrp="1"/>
+          </p:cNvSpPr>
+          <p:nvPr>
+            <p:ph type="title"/>
+          </p:nvPr>
+        </p:nvSpPr>
+        <p:spPr>
+          <a:xfrm>
+            <a:off x="702000" y="696600"/>
+            <a:ext cx="6155280" cy="1785240"/>
+          </a:xfrm>
+          <a:prstGeom prst="rect">
+            <a:avLst/>
+          </a:prstGeom>
+        </p:spPr>
+        <p:txBody>
+          <a:bodyPr lIns="0" rIns="0" tIns="0" bIns="0" anchor="ctr">
+            <a:spAutoFit/>
+          </a:bodyPr>
+          <a:p>
+            <a:pPr algn="ctr"/>
+            <a:endParaRPr b="0" lang="de-DE" sz="4400" spc="-1" strike="noStrike">
+              <a:latin typeface="Arial"/>
+            </a:endParaRPr>
+          </a:p>
+        </p:txBody>
+      </p:sp>
+      <p:sp>
+        <p:nvSpPr>
+          <p:cNvPr id="54" name="PlaceHolder 2"/>
+          <p:cNvSpPr>
+            <a:spLocks noGrp="1"/>
+          </p:cNvSpPr>
+          <p:nvPr>
+            <p:ph type="body"/>
+          </p:nvPr>
+        </p:nvSpPr>
+        <p:spPr>
+          <a:xfrm>
+            <a:off x="702000" y="2692800"/>
+            <a:ext cx="3003480" cy="5782680"/>
+          </a:xfrm>
+          <a:prstGeom prst="rect">
+            <a:avLst/>
+          </a:prstGeom>
+        </p:spPr>
+        <p:txBody>
+          <a:bodyPr lIns="0" rIns="0" tIns="0" bIns="0">
+            <a:normAutofit/>
+          </a:bodyPr>
+          <a:p>
+            <a:endParaRPr b="0" lang="de-DE" sz="3200" spc="-1" strike="noStrike">
+              <a:latin typeface="Arial"/>
+            </a:endParaRPr>
+          </a:p>
+        </p:txBody>
+      </p:sp>
+      <p:sp>
+        <p:nvSpPr>
+          <p:cNvPr id="55" name="PlaceHolder 3"/>
+          <p:cNvSpPr>
+            <a:spLocks noGrp="1"/>
+          </p:cNvSpPr>
+          <p:nvPr>
+            <p:ph type="body"/>
+          </p:nvPr>
+        </p:nvSpPr>
+        <p:spPr>
+          <a:xfrm>
+            <a:off x="3855960" y="2692800"/>
+            <a:ext cx="3003480" cy="2758320"/>
+          </a:xfrm>
+          <a:prstGeom prst="rect">
+            <a:avLst/>
+          </a:prstGeom>
+        </p:spPr>
+        <p:txBody>
+          <a:bodyPr lIns="0" rIns="0" tIns="0" bIns="0">
+            <a:normAutofit/>
+          </a:bodyPr>
+          <a:p>
+            <a:endParaRPr b="0" lang="de-DE" sz="3200" spc="-1" strike="noStrike">
+              <a:latin typeface="Arial"/>
+            </a:endParaRPr>
+          </a:p>
+        </p:txBody>
+      </p:sp>
+      <p:sp>
+        <p:nvSpPr>
+          <p:cNvPr id="56" name="PlaceHolder 4"/>
+          <p:cNvSpPr>
+            <a:spLocks noGrp="1"/>
+          </p:cNvSpPr>
+          <p:nvPr>
+            <p:ph type="body"/>
+          </p:nvPr>
+        </p:nvSpPr>
+        <p:spPr>
+          <a:xfrm>
+            <a:off x="3855960" y="5713560"/>
+            <a:ext cx="3003480" cy="2758320"/>
+          </a:xfrm>
+          <a:prstGeom prst="rect">
+            <a:avLst/>
+          </a:prstGeom>
+        </p:spPr>
+        <p:txBody>
+          <a:bodyPr lIns="0" rIns="0" tIns="0" bIns="0">
+            <a:normAutofit/>
+          </a:bodyPr>
+          <a:p>
+            <a:endParaRPr b="0" lang="de-DE" sz="3200" spc="-1" strike="noStrike">
+              <a:latin typeface="Arial"/>
+            </a:endParaRPr>
+          </a:p>
+        </p:txBody>
+      </p:sp>
+    </p:spTree>
+  </p:cSld>
+</p:sldLayout>
+</file>
+
+<file path=ppt/slideLayouts/slideLayout21.xml><?xml version="1.0" encoding="utf-8"?>
+<p:sldLayout xmlns:a="http://schemas.openxmlformats.org/drawingml/2006/main" xmlns:p="http://schemas.openxmlformats.org/presentationml/2006/main" xmlns:r="http://schemas.openxmlformats.org/officeDocument/2006/relationships" xmlns:p14="http://schemas.microsoft.com/office/powerpoint/2010/main" xmlns:p15="http://schemas.microsoft.com/office/powerpoint/2012/main" xmlns:mc="http://schemas.openxmlformats.org/markup-compatibility/2006" type="twoObjOverTx" preserve="1">
+  <p:cSld name="Title, 2 Content over Content">
+    <p:spTree>
+      <p:nvGrpSpPr>
+        <p:cNvPr id="1" name=""/>
+        <p:cNvGrpSpPr/>
+        <p:nvPr/>
+      </p:nvGrpSpPr>
+      <p:grpSpPr>
+        <a:xfrm>
+          <a:off x="0" y="0"/>
+          <a:ext cx="0" cy="0"/>
+          <a:chOff x="0" y="0"/>
+          <a:chExt cx="0" cy="0"/>
+        </a:xfrm>
+      </p:grpSpPr>
+      <p:sp>
+        <p:nvSpPr>
+          <p:cNvPr id="57" name="PlaceHolder 1"/>
+          <p:cNvSpPr>
+            <a:spLocks noGrp="1"/>
+          </p:cNvSpPr>
+          <p:nvPr>
+            <p:ph type="title"/>
+          </p:nvPr>
+        </p:nvSpPr>
+        <p:spPr>
+          <a:xfrm>
+            <a:off x="702000" y="696600"/>
+            <a:ext cx="6155280" cy="1785240"/>
+          </a:xfrm>
+          <a:prstGeom prst="rect">
+            <a:avLst/>
+          </a:prstGeom>
+        </p:spPr>
+        <p:txBody>
+          <a:bodyPr lIns="0" rIns="0" tIns="0" bIns="0" anchor="ctr">
+            <a:spAutoFit/>
+          </a:bodyPr>
+          <a:p>
+            <a:pPr algn="ctr"/>
+            <a:endParaRPr b="0" lang="de-DE" sz="4400" spc="-1" strike="noStrike">
+              <a:latin typeface="Arial"/>
+            </a:endParaRPr>
+          </a:p>
+        </p:txBody>
+      </p:sp>
+      <p:sp>
+        <p:nvSpPr>
+          <p:cNvPr id="58" name="PlaceHolder 2"/>
+          <p:cNvSpPr>
+            <a:spLocks noGrp="1"/>
+          </p:cNvSpPr>
+          <p:nvPr>
+            <p:ph type="body"/>
+          </p:nvPr>
+        </p:nvSpPr>
+        <p:spPr>
+          <a:xfrm>
+            <a:off x="702000" y="2692800"/>
+            <a:ext cx="3003480" cy="2758320"/>
+          </a:xfrm>
+          <a:prstGeom prst="rect">
+            <a:avLst/>
+          </a:prstGeom>
+        </p:spPr>
+        <p:txBody>
+          <a:bodyPr lIns="0" rIns="0" tIns="0" bIns="0">
+            <a:normAutofit/>
+          </a:bodyPr>
+          <a:p>
+            <a:endParaRPr b="0" lang="de-DE" sz="3200" spc="-1" strike="noStrike">
+              <a:latin typeface="Arial"/>
+            </a:endParaRPr>
+          </a:p>
+        </p:txBody>
+      </p:sp>
+      <p:sp>
+        <p:nvSpPr>
+          <p:cNvPr id="59" name="PlaceHolder 3"/>
+          <p:cNvSpPr>
+            <a:spLocks noGrp="1"/>
+          </p:cNvSpPr>
+          <p:nvPr>
+            <p:ph type="body"/>
+          </p:nvPr>
+        </p:nvSpPr>
+        <p:spPr>
+          <a:xfrm>
+            <a:off x="3855960" y="2692800"/>
+            <a:ext cx="3003480" cy="2758320"/>
+          </a:xfrm>
+          <a:prstGeom prst="rect">
+            <a:avLst/>
+          </a:prstGeom>
+        </p:spPr>
+        <p:txBody>
+          <a:bodyPr lIns="0" rIns="0" tIns="0" bIns="0">
+            <a:normAutofit/>
+          </a:bodyPr>
+          <a:p>
+            <a:endParaRPr b="0" lang="de-DE" sz="3200" spc="-1" strike="noStrike">
+              <a:latin typeface="Arial"/>
+            </a:endParaRPr>
+          </a:p>
+        </p:txBody>
+      </p:sp>
+      <p:sp>
+        <p:nvSpPr>
+          <p:cNvPr id="60" name="PlaceHolder 4"/>
+          <p:cNvSpPr>
+            <a:spLocks noGrp="1"/>
+          </p:cNvSpPr>
+          <p:nvPr>
+            <p:ph type="body"/>
+          </p:nvPr>
+        </p:nvSpPr>
+        <p:spPr>
+          <a:xfrm>
+            <a:off x="702000" y="5713560"/>
+            <a:ext cx="6155280" cy="2758320"/>
+          </a:xfrm>
+          <a:prstGeom prst="rect">
+            <a:avLst/>
+          </a:prstGeom>
+        </p:spPr>
+        <p:txBody>
+          <a:bodyPr lIns="0" rIns="0" tIns="0" bIns="0">
+            <a:normAutofit/>
+          </a:bodyPr>
+          <a:p>
+            <a:endParaRPr b="0" lang="de-DE" sz="3200" spc="-1" strike="noStrike">
+              <a:latin typeface="Arial"/>
+            </a:endParaRPr>
+          </a:p>
+        </p:txBody>
+      </p:sp>
+    </p:spTree>
+  </p:cSld>
+</p:sldLayout>
+</file>
+
+<file path=ppt/slideLayouts/slideLayout22.xml><?xml version="1.0" encoding="utf-8"?>
+<p:sldLayout xmlns:a="http://schemas.openxmlformats.org/drawingml/2006/main" xmlns:p="http://schemas.openxmlformats.org/presentationml/2006/main" xmlns:r="http://schemas.openxmlformats.org/officeDocument/2006/relationships" xmlns:p14="http://schemas.microsoft.com/office/powerpoint/2010/main" xmlns:p15="http://schemas.microsoft.com/office/powerpoint/2012/main" xmlns:mc="http://schemas.openxmlformats.org/markup-compatibility/2006" type="objOverTx" preserve="1">
+  <p:cSld name="Title, Content over Content">
+    <p:spTree>
+      <p:nvGrpSpPr>
+        <p:cNvPr id="1" name=""/>
+        <p:cNvGrpSpPr/>
+        <p:nvPr/>
+      </p:nvGrpSpPr>
+      <p:grpSpPr>
+        <a:xfrm>
+          <a:off x="0" y="0"/>
+          <a:ext cx="0" cy="0"/>
+          <a:chOff x="0" y="0"/>
+          <a:chExt cx="0" cy="0"/>
+        </a:xfrm>
+      </p:grpSpPr>
+      <p:sp>
+        <p:nvSpPr>
+          <p:cNvPr id="61" name="PlaceHolder 1"/>
+          <p:cNvSpPr>
+            <a:spLocks noGrp="1"/>
+          </p:cNvSpPr>
+          <p:nvPr>
+            <p:ph type="title"/>
+          </p:nvPr>
+        </p:nvSpPr>
+        <p:spPr>
+          <a:xfrm>
+            <a:off x="702000" y="696600"/>
+            <a:ext cx="6155280" cy="1785240"/>
+          </a:xfrm>
+          <a:prstGeom prst="rect">
+            <a:avLst/>
+          </a:prstGeom>
+        </p:spPr>
+        <p:txBody>
+          <a:bodyPr lIns="0" rIns="0" tIns="0" bIns="0" anchor="ctr">
+            <a:spAutoFit/>
+          </a:bodyPr>
+          <a:p>
+            <a:pPr algn="ctr"/>
+            <a:endParaRPr b="0" lang="de-DE" sz="4400" spc="-1" strike="noStrike">
+              <a:latin typeface="Arial"/>
+            </a:endParaRPr>
+          </a:p>
+        </p:txBody>
+      </p:sp>
+      <p:sp>
+        <p:nvSpPr>
+          <p:cNvPr id="62" name="PlaceHolder 2"/>
+          <p:cNvSpPr>
+            <a:spLocks noGrp="1"/>
+          </p:cNvSpPr>
+          <p:nvPr>
+            <p:ph type="body"/>
+          </p:nvPr>
+        </p:nvSpPr>
+        <p:spPr>
+          <a:xfrm>
+            <a:off x="702000" y="2692800"/>
+            <a:ext cx="6155280" cy="2758320"/>
+          </a:xfrm>
+          <a:prstGeom prst="rect">
+            <a:avLst/>
+          </a:prstGeom>
+        </p:spPr>
+        <p:txBody>
+          <a:bodyPr lIns="0" rIns="0" tIns="0" bIns="0">
+            <a:normAutofit/>
+          </a:bodyPr>
+          <a:p>
+            <a:endParaRPr b="0" lang="de-DE" sz="3200" spc="-1" strike="noStrike">
+              <a:latin typeface="Arial"/>
+            </a:endParaRPr>
+          </a:p>
+        </p:txBody>
+      </p:sp>
+      <p:sp>
+        <p:nvSpPr>
+          <p:cNvPr id="63" name="PlaceHolder 3"/>
+          <p:cNvSpPr>
+            <a:spLocks noGrp="1"/>
+          </p:cNvSpPr>
+          <p:nvPr>
+            <p:ph type="body"/>
+          </p:nvPr>
+        </p:nvSpPr>
+        <p:spPr>
+          <a:xfrm>
+            <a:off x="702000" y="5713560"/>
+            <a:ext cx="6155280" cy="2758320"/>
+          </a:xfrm>
+          <a:prstGeom prst="rect">
+            <a:avLst/>
+          </a:prstGeom>
+        </p:spPr>
+        <p:txBody>
+          <a:bodyPr lIns="0" rIns="0" tIns="0" bIns="0">
+            <a:normAutofit/>
+          </a:bodyPr>
+          <a:p>
+            <a:endParaRPr b="0" lang="de-DE" sz="3200" spc="-1" strike="noStrike">
+              <a:latin typeface="Arial"/>
+            </a:endParaRPr>
+          </a:p>
+        </p:txBody>
+      </p:sp>
+    </p:spTree>
+  </p:cSld>
+</p:sldLayout>
+</file>
+
+<file path=ppt/slideLayouts/slideLayout23.xml><?xml version="1.0" encoding="utf-8"?>
+<p:sldLayout xmlns:a="http://schemas.openxmlformats.org/drawingml/2006/main" xmlns:p="http://schemas.openxmlformats.org/presentationml/2006/main" xmlns:r="http://schemas.openxmlformats.org/officeDocument/2006/relationships" xmlns:p14="http://schemas.microsoft.com/office/powerpoint/2010/main" xmlns:p15="http://schemas.microsoft.com/office/powerpoint/2012/main" xmlns:mc="http://schemas.openxmlformats.org/markup-compatibility/2006" type="fourObj" preserve="1">
+  <p:cSld name="Title, 4 Content">
+    <p:spTree>
+      <p:nvGrpSpPr>
+        <p:cNvPr id="1" name=""/>
+        <p:cNvGrpSpPr/>
+        <p:nvPr/>
+      </p:nvGrpSpPr>
+      <p:grpSpPr>
+        <a:xfrm>
+          <a:off x="0" y="0"/>
+          <a:ext cx="0" cy="0"/>
+          <a:chOff x="0" y="0"/>
+          <a:chExt cx="0" cy="0"/>
+        </a:xfrm>
+      </p:grpSpPr>
+      <p:sp>
+        <p:nvSpPr>
+          <p:cNvPr id="64" name="PlaceHolder 1"/>
+          <p:cNvSpPr>
+            <a:spLocks noGrp="1"/>
+          </p:cNvSpPr>
+          <p:nvPr>
+            <p:ph type="title"/>
+          </p:nvPr>
+        </p:nvSpPr>
+        <p:spPr>
+          <a:xfrm>
+            <a:off x="702000" y="696600"/>
+            <a:ext cx="6155280" cy="1785240"/>
+          </a:xfrm>
+          <a:prstGeom prst="rect">
+            <a:avLst/>
+          </a:prstGeom>
+        </p:spPr>
+        <p:txBody>
+          <a:bodyPr lIns="0" rIns="0" tIns="0" bIns="0" anchor="ctr">
+            <a:spAutoFit/>
+          </a:bodyPr>
+          <a:p>
+            <a:pPr algn="ctr"/>
+            <a:endParaRPr b="0" lang="de-DE" sz="4400" spc="-1" strike="noStrike">
+              <a:latin typeface="Arial"/>
+            </a:endParaRPr>
+          </a:p>
+        </p:txBody>
+      </p:sp>
+      <p:sp>
+        <p:nvSpPr>
+          <p:cNvPr id="65" name="PlaceHolder 2"/>
+          <p:cNvSpPr>
+            <a:spLocks noGrp="1"/>
+          </p:cNvSpPr>
+          <p:nvPr>
+            <p:ph type="body"/>
+          </p:nvPr>
+        </p:nvSpPr>
+        <p:spPr>
+          <a:xfrm>
+            <a:off x="702000" y="2692800"/>
+            <a:ext cx="3003480" cy="2758320"/>
+          </a:xfrm>
+          <a:prstGeom prst="rect">
+            <a:avLst/>
+          </a:prstGeom>
+        </p:spPr>
+        <p:txBody>
+          <a:bodyPr lIns="0" rIns="0" tIns="0" bIns="0">
+            <a:normAutofit/>
+          </a:bodyPr>
+          <a:p>
+            <a:endParaRPr b="0" lang="de-DE" sz="3200" spc="-1" strike="noStrike">
+              <a:latin typeface="Arial"/>
+            </a:endParaRPr>
+          </a:p>
+        </p:txBody>
+      </p:sp>
+      <p:sp>
+        <p:nvSpPr>
+          <p:cNvPr id="66" name="PlaceHolder 3"/>
+          <p:cNvSpPr>
+            <a:spLocks noGrp="1"/>
+          </p:cNvSpPr>
+          <p:nvPr>
+            <p:ph type="body"/>
+          </p:nvPr>
+        </p:nvSpPr>
+        <p:spPr>
+          <a:xfrm>
+            <a:off x="3855960" y="2692800"/>
+            <a:ext cx="3003480" cy="2758320"/>
+          </a:xfrm>
+          <a:prstGeom prst="rect">
+            <a:avLst/>
+          </a:prstGeom>
+        </p:spPr>
+        <p:txBody>
+          <a:bodyPr lIns="0" rIns="0" tIns="0" bIns="0">
+            <a:normAutofit/>
+          </a:bodyPr>
+          <a:p>
+            <a:endParaRPr b="0" lang="de-DE" sz="3200" spc="-1" strike="noStrike">
+              <a:latin typeface="Arial"/>
+            </a:endParaRPr>
+          </a:p>
+        </p:txBody>
+      </p:sp>
+      <p:sp>
+        <p:nvSpPr>
+          <p:cNvPr id="67" name="PlaceHolder 4"/>
+          <p:cNvSpPr>
+            <a:spLocks noGrp="1"/>
+          </p:cNvSpPr>
+          <p:nvPr>
+            <p:ph type="body"/>
+          </p:nvPr>
+        </p:nvSpPr>
+        <p:spPr>
+          <a:xfrm>
+            <a:off x="702000" y="5713560"/>
+            <a:ext cx="3003480" cy="2758320"/>
+          </a:xfrm>
+          <a:prstGeom prst="rect">
+            <a:avLst/>
+          </a:prstGeom>
+        </p:spPr>
+        <p:txBody>
+          <a:bodyPr lIns="0" rIns="0" tIns="0" bIns="0">
+            <a:normAutofit/>
+          </a:bodyPr>
+          <a:p>
+            <a:endParaRPr b="0" lang="de-DE" sz="3200" spc="-1" strike="noStrike">
+              <a:latin typeface="Arial"/>
+            </a:endParaRPr>
+          </a:p>
+        </p:txBody>
+      </p:sp>
+      <p:sp>
+        <p:nvSpPr>
+          <p:cNvPr id="68" name="PlaceHolder 5"/>
+          <p:cNvSpPr>
+            <a:spLocks noGrp="1"/>
+          </p:cNvSpPr>
+          <p:nvPr>
+            <p:ph type="body"/>
+          </p:nvPr>
+        </p:nvSpPr>
+        <p:spPr>
+          <a:xfrm>
+            <a:off x="3855960" y="5713560"/>
+            <a:ext cx="3003480" cy="2758320"/>
+          </a:xfrm>
+          <a:prstGeom prst="rect">
+            <a:avLst/>
+          </a:prstGeom>
+        </p:spPr>
+        <p:txBody>
+          <a:bodyPr lIns="0" rIns="0" tIns="0" bIns="0">
+            <a:normAutofit/>
+          </a:bodyPr>
+          <a:p>
+            <a:endParaRPr b="0" lang="de-DE" sz="3200" spc="-1" strike="noStrike">
+              <a:latin typeface="Arial"/>
+            </a:endParaRPr>
+          </a:p>
+        </p:txBody>
+      </p:sp>
+    </p:spTree>
+  </p:cSld>
+</p:sldLayout>
+</file>
+
+<file path=ppt/slideLayouts/slideLayout24.xml><?xml version="1.0" encoding="utf-8"?>
+<p:sldLayout xmlns:a="http://schemas.openxmlformats.org/drawingml/2006/main" xmlns:p="http://schemas.openxmlformats.org/presentationml/2006/main" xmlns:r="http://schemas.openxmlformats.org/officeDocument/2006/relationships" xmlns:p14="http://schemas.microsoft.com/office/powerpoint/2010/main" xmlns:p15="http://schemas.microsoft.com/office/powerpoint/2012/main" xmlns:mc="http://schemas.openxmlformats.org/markup-compatibility/2006" type="blank" preserve="1">
+  <p:cSld name="Title, 6 Content">
+    <p:spTree>
+      <p:nvGrpSpPr>
+        <p:cNvPr id="1" name=""/>
+        <p:cNvGrpSpPr/>
+        <p:nvPr/>
+      </p:nvGrpSpPr>
+      <p:grpSpPr>
+        <a:xfrm>
+          <a:off x="0" y="0"/>
+          <a:ext cx="0" cy="0"/>
+          <a:chOff x="0" y="0"/>
+          <a:chExt cx="0" cy="0"/>
+        </a:xfrm>
+      </p:grpSpPr>
+      <p:sp>
+        <p:nvSpPr>
+          <p:cNvPr id="69" name="PlaceHolder 1"/>
+          <p:cNvSpPr>
+            <a:spLocks noGrp="1"/>
+          </p:cNvSpPr>
+          <p:nvPr>
+            <p:ph type="title"/>
+          </p:nvPr>
+        </p:nvSpPr>
+        <p:spPr>
+          <a:xfrm>
+            <a:off x="702000" y="696600"/>
+            <a:ext cx="6155280" cy="1785240"/>
+          </a:xfrm>
+          <a:prstGeom prst="rect">
+            <a:avLst/>
+          </a:prstGeom>
+        </p:spPr>
+        <p:txBody>
+          <a:bodyPr lIns="0" rIns="0" tIns="0" bIns="0" anchor="ctr">
+            <a:spAutoFit/>
+          </a:bodyPr>
+          <a:p>
+            <a:pPr algn="ctr"/>
+            <a:endParaRPr b="0" lang="de-DE" sz="4400" spc="-1" strike="noStrike">
+              <a:latin typeface="Arial"/>
+            </a:endParaRPr>
+          </a:p>
+        </p:txBody>
+      </p:sp>
+      <p:sp>
+        <p:nvSpPr>
+          <p:cNvPr id="70" name="PlaceHolder 2"/>
+          <p:cNvSpPr>
+            <a:spLocks noGrp="1"/>
+          </p:cNvSpPr>
+          <p:nvPr>
+            <p:ph type="body"/>
+          </p:nvPr>
+        </p:nvSpPr>
+        <p:spPr>
+          <a:xfrm>
+            <a:off x="702000" y="2692800"/>
+            <a:ext cx="1981800" cy="2758320"/>
+          </a:xfrm>
+          <a:prstGeom prst="rect">
+            <a:avLst/>
+          </a:prstGeom>
+        </p:spPr>
+        <p:txBody>
+          <a:bodyPr lIns="0" rIns="0" tIns="0" bIns="0">
+            <a:normAutofit/>
+          </a:bodyPr>
+          <a:p>
+            <a:endParaRPr b="0" lang="de-DE" sz="3200" spc="-1" strike="noStrike">
+              <a:latin typeface="Arial"/>
+            </a:endParaRPr>
+          </a:p>
+        </p:txBody>
+      </p:sp>
+      <p:sp>
+        <p:nvSpPr>
+          <p:cNvPr id="71" name="PlaceHolder 3"/>
+          <p:cNvSpPr>
+            <a:spLocks noGrp="1"/>
+          </p:cNvSpPr>
+          <p:nvPr>
+            <p:ph type="body"/>
+          </p:nvPr>
+        </p:nvSpPr>
+        <p:spPr>
+          <a:xfrm>
+            <a:off x="2783160" y="2692800"/>
+            <a:ext cx="1981800" cy="2758320"/>
+          </a:xfrm>
+          <a:prstGeom prst="rect">
+            <a:avLst/>
+          </a:prstGeom>
+        </p:spPr>
+        <p:txBody>
+          <a:bodyPr lIns="0" rIns="0" tIns="0" bIns="0">
+            <a:normAutofit/>
+          </a:bodyPr>
+          <a:p>
+            <a:endParaRPr b="0" lang="de-DE" sz="3200" spc="-1" strike="noStrike">
+              <a:latin typeface="Arial"/>
+            </a:endParaRPr>
+          </a:p>
+        </p:txBody>
+      </p:sp>
+      <p:sp>
+        <p:nvSpPr>
+          <p:cNvPr id="72" name="PlaceHolder 4"/>
+          <p:cNvSpPr>
+            <a:spLocks noGrp="1"/>
+          </p:cNvSpPr>
+          <p:nvPr>
+            <p:ph type="body"/>
+          </p:nvPr>
+        </p:nvSpPr>
+        <p:spPr>
+          <a:xfrm>
+            <a:off x="4864680" y="2692800"/>
+            <a:ext cx="1981800" cy="2758320"/>
+          </a:xfrm>
+          <a:prstGeom prst="rect">
+            <a:avLst/>
+          </a:prstGeom>
+        </p:spPr>
+        <p:txBody>
+          <a:bodyPr lIns="0" rIns="0" tIns="0" bIns="0">
+            <a:normAutofit/>
+          </a:bodyPr>
+          <a:p>
+            <a:endParaRPr b="0" lang="de-DE" sz="3200" spc="-1" strike="noStrike">
+              <a:latin typeface="Arial"/>
+            </a:endParaRPr>
+          </a:p>
+        </p:txBody>
+      </p:sp>
+      <p:sp>
+        <p:nvSpPr>
+          <p:cNvPr id="73" name="PlaceHolder 5"/>
+          <p:cNvSpPr>
+            <a:spLocks noGrp="1"/>
+          </p:cNvSpPr>
+          <p:nvPr>
+            <p:ph type="body"/>
+          </p:nvPr>
+        </p:nvSpPr>
+        <p:spPr>
+          <a:xfrm>
+            <a:off x="702000" y="5713560"/>
+            <a:ext cx="1981800" cy="2758320"/>
+          </a:xfrm>
+          <a:prstGeom prst="rect">
+            <a:avLst/>
+          </a:prstGeom>
+        </p:spPr>
+        <p:txBody>
+          <a:bodyPr lIns="0" rIns="0" tIns="0" bIns="0">
+            <a:normAutofit/>
+          </a:bodyPr>
+          <a:p>
+            <a:endParaRPr b="0" lang="de-DE" sz="3200" spc="-1" strike="noStrike">
+              <a:latin typeface="Arial"/>
+            </a:endParaRPr>
+          </a:p>
+        </p:txBody>
+      </p:sp>
+      <p:sp>
+        <p:nvSpPr>
+          <p:cNvPr id="74" name="PlaceHolder 6"/>
+          <p:cNvSpPr>
+            <a:spLocks noGrp="1"/>
+          </p:cNvSpPr>
+          <p:nvPr>
+            <p:ph type="body"/>
+          </p:nvPr>
+        </p:nvSpPr>
+        <p:spPr>
+          <a:xfrm>
+            <a:off x="2783160" y="5713560"/>
+            <a:ext cx="1981800" cy="2758320"/>
+          </a:xfrm>
+          <a:prstGeom prst="rect">
+            <a:avLst/>
+          </a:prstGeom>
+        </p:spPr>
+        <p:txBody>
+          <a:bodyPr lIns="0" rIns="0" tIns="0" bIns="0">
+            <a:normAutofit/>
+          </a:bodyPr>
+          <a:p>
+            <a:endParaRPr b="0" lang="de-DE" sz="3200" spc="-1" strike="noStrike">
+              <a:latin typeface="Arial"/>
+            </a:endParaRPr>
+          </a:p>
+        </p:txBody>
+      </p:sp>
+      <p:sp>
+        <p:nvSpPr>
+          <p:cNvPr id="75" name="PlaceHolder 7"/>
+          <p:cNvSpPr>
+            <a:spLocks noGrp="1"/>
+          </p:cNvSpPr>
+          <p:nvPr>
+            <p:ph type="body"/>
+          </p:nvPr>
+        </p:nvSpPr>
+        <p:spPr>
+          <a:xfrm>
+            <a:off x="4864680" y="5713560"/>
+            <a:ext cx="1981800" cy="2758320"/>
+          </a:xfrm>
+          <a:prstGeom prst="rect">
+            <a:avLst/>
+          </a:prstGeom>
+        </p:spPr>
+        <p:txBody>
+          <a:bodyPr lIns="0" rIns="0" tIns="0" bIns="0">
+            <a:normAutofit/>
+          </a:bodyPr>
+          <a:p>
             <a:endParaRPr b="0" lang="de-DE" sz="3200" spc="-1" strike="noStrike">
               <a:latin typeface="Arial"/>
             </a:endParaRPr>
@@ -657,7 +2017,7 @@
       </p:grpSpPr>
       <p:sp>
         <p:nvSpPr>
-          <p:cNvPr id="7" name="PlaceHolder 1"/>
+          <p:cNvPr id="4" name="PlaceHolder 1"/>
           <p:cNvSpPr>
             <a:spLocks noGrp="1"/>
           </p:cNvSpPr>
@@ -667,8 +2027,8 @@
         </p:nvSpPr>
         <p:spPr>
           <a:xfrm>
-            <a:off x="702000" y="-58680"/>
-            <a:ext cx="6155640" cy="3296520"/>
+            <a:off x="702000" y="696600"/>
+            <a:ext cx="6155280" cy="1785240"/>
           </a:xfrm>
           <a:prstGeom prst="rect">
             <a:avLst/>
@@ -680,15 +2040,15 @@
           </a:bodyPr>
           <a:p>
             <a:pPr algn="ctr"/>
-            <a:endParaRPr b="0" lang="de-DE" sz="7740" spc="-1" strike="noStrike">
-              <a:latin typeface="Arial"/>
-            </a:endParaRPr>
-          </a:p>
-        </p:txBody>
-      </p:sp>
-      <p:sp>
-        <p:nvSpPr>
-          <p:cNvPr id="8" name="PlaceHolder 2"/>
+            <a:endParaRPr b="0" lang="de-DE" sz="4400" spc="-1" strike="noStrike">
+              <a:latin typeface="Arial"/>
+            </a:endParaRPr>
+          </a:p>
+        </p:txBody>
+      </p:sp>
+      <p:sp>
+        <p:nvSpPr>
+          <p:cNvPr id="5" name="PlaceHolder 2"/>
           <p:cNvSpPr>
             <a:spLocks noGrp="1"/>
           </p:cNvSpPr>
@@ -699,18 +2059,18 @@
         <p:spPr>
           <a:xfrm>
             <a:off x="702000" y="2692800"/>
-            <a:ext cx="6155640" cy="5783040"/>
-          </a:xfrm>
-          <a:prstGeom prst="rect">
-            <a:avLst/>
-          </a:prstGeom>
-        </p:spPr>
-        <p:txBody>
-          <a:bodyPr lIns="0" rIns="0" tIns="0" bIns="0">
-            <a:normAutofit/>
-          </a:bodyPr>
-          <a:p>
-            <a:endParaRPr b="0" lang="de-DE" sz="5620" spc="-1" strike="noStrike">
+            <a:ext cx="6155280" cy="5782680"/>
+          </a:xfrm>
+          <a:prstGeom prst="rect">
+            <a:avLst/>
+          </a:prstGeom>
+        </p:spPr>
+        <p:txBody>
+          <a:bodyPr lIns="0" rIns="0" tIns="0" bIns="0">
+            <a:normAutofit/>
+          </a:bodyPr>
+          <a:p>
+            <a:endParaRPr b="0" lang="de-DE" sz="3200" spc="-1" strike="noStrike">
               <a:latin typeface="Arial"/>
             </a:endParaRPr>
           </a:p>
@@ -740,7 +2100,7 @@
       </p:grpSpPr>
       <p:sp>
         <p:nvSpPr>
-          <p:cNvPr id="9" name="PlaceHolder 1"/>
+          <p:cNvPr id="6" name="PlaceHolder 1"/>
           <p:cNvSpPr>
             <a:spLocks noGrp="1"/>
           </p:cNvSpPr>
@@ -750,8 +2110,8 @@
         </p:nvSpPr>
         <p:spPr>
           <a:xfrm>
-            <a:off x="702000" y="-58680"/>
-            <a:ext cx="6155640" cy="3296520"/>
+            <a:off x="702000" y="696600"/>
+            <a:ext cx="6155280" cy="1785240"/>
           </a:xfrm>
           <a:prstGeom prst="rect">
             <a:avLst/>
@@ -763,15 +2123,15 @@
           </a:bodyPr>
           <a:p>
             <a:pPr algn="ctr"/>
-            <a:endParaRPr b="0" lang="de-DE" sz="7740" spc="-1" strike="noStrike">
-              <a:latin typeface="Arial"/>
-            </a:endParaRPr>
-          </a:p>
-        </p:txBody>
-      </p:sp>
-      <p:sp>
-        <p:nvSpPr>
-          <p:cNvPr id="10" name="PlaceHolder 2"/>
+            <a:endParaRPr b="0" lang="de-DE" sz="4400" spc="-1" strike="noStrike">
+              <a:latin typeface="Arial"/>
+            </a:endParaRPr>
+          </a:p>
+        </p:txBody>
+      </p:sp>
+      <p:sp>
+        <p:nvSpPr>
+          <p:cNvPr id="7" name="PlaceHolder 2"/>
           <p:cNvSpPr>
             <a:spLocks noGrp="1"/>
           </p:cNvSpPr>
@@ -782,48 +2142,48 @@
         <p:spPr>
           <a:xfrm>
             <a:off x="702000" y="2692800"/>
-            <a:ext cx="3003840" cy="5783040"/>
-          </a:xfrm>
-          <a:prstGeom prst="rect">
-            <a:avLst/>
-          </a:prstGeom>
-        </p:spPr>
-        <p:txBody>
-          <a:bodyPr lIns="0" rIns="0" tIns="0" bIns="0">
-            <a:normAutofit/>
-          </a:bodyPr>
-          <a:p>
-            <a:endParaRPr b="0" lang="de-DE" sz="5620" spc="-1" strike="noStrike">
-              <a:latin typeface="Arial"/>
-            </a:endParaRPr>
-          </a:p>
-        </p:txBody>
-      </p:sp>
-      <p:sp>
-        <p:nvSpPr>
-          <p:cNvPr id="11" name="PlaceHolder 3"/>
-          <p:cNvSpPr>
-            <a:spLocks noGrp="1"/>
-          </p:cNvSpPr>
-          <p:nvPr>
-            <p:ph type="body"/>
-          </p:nvPr>
-        </p:nvSpPr>
-        <p:spPr>
-          <a:xfrm>
-            <a:off x="3856320" y="2692800"/>
-            <a:ext cx="3003840" cy="5783040"/>
-          </a:xfrm>
-          <a:prstGeom prst="rect">
-            <a:avLst/>
-          </a:prstGeom>
-        </p:spPr>
-        <p:txBody>
-          <a:bodyPr lIns="0" rIns="0" tIns="0" bIns="0">
-            <a:normAutofit/>
-          </a:bodyPr>
-          <a:p>
-            <a:endParaRPr b="0" lang="de-DE" sz="5620" spc="-1" strike="noStrike">
+            <a:ext cx="3003480" cy="5782680"/>
+          </a:xfrm>
+          <a:prstGeom prst="rect">
+            <a:avLst/>
+          </a:prstGeom>
+        </p:spPr>
+        <p:txBody>
+          <a:bodyPr lIns="0" rIns="0" tIns="0" bIns="0">
+            <a:normAutofit/>
+          </a:bodyPr>
+          <a:p>
+            <a:endParaRPr b="0" lang="de-DE" sz="3200" spc="-1" strike="noStrike">
+              <a:latin typeface="Arial"/>
+            </a:endParaRPr>
+          </a:p>
+        </p:txBody>
+      </p:sp>
+      <p:sp>
+        <p:nvSpPr>
+          <p:cNvPr id="8" name="PlaceHolder 3"/>
+          <p:cNvSpPr>
+            <a:spLocks noGrp="1"/>
+          </p:cNvSpPr>
+          <p:nvPr>
+            <p:ph type="body"/>
+          </p:nvPr>
+        </p:nvSpPr>
+        <p:spPr>
+          <a:xfrm>
+            <a:off x="3855960" y="2692800"/>
+            <a:ext cx="3003480" cy="5782680"/>
+          </a:xfrm>
+          <a:prstGeom prst="rect">
+            <a:avLst/>
+          </a:prstGeom>
+        </p:spPr>
+        <p:txBody>
+          <a:bodyPr lIns="0" rIns="0" tIns="0" bIns="0">
+            <a:normAutofit/>
+          </a:bodyPr>
+          <a:p>
+            <a:endParaRPr b="0" lang="de-DE" sz="3200" spc="-1" strike="noStrike">
               <a:latin typeface="Arial"/>
             </a:endParaRPr>
           </a:p>
@@ -853,7 +2213,7 @@
       </p:grpSpPr>
       <p:sp>
         <p:nvSpPr>
-          <p:cNvPr id="12" name="PlaceHolder 1"/>
+          <p:cNvPr id="9" name="PlaceHolder 1"/>
           <p:cNvSpPr>
             <a:spLocks noGrp="1"/>
           </p:cNvSpPr>
@@ -863,8 +2223,8 @@
         </p:nvSpPr>
         <p:spPr>
           <a:xfrm>
-            <a:off x="702000" y="-58680"/>
-            <a:ext cx="6155640" cy="3296520"/>
+            <a:off x="702000" y="696600"/>
+            <a:ext cx="6155280" cy="1785240"/>
           </a:xfrm>
           <a:prstGeom prst="rect">
             <a:avLst/>
@@ -876,7 +2236,7 @@
           </a:bodyPr>
           <a:p>
             <a:pPr algn="ctr"/>
-            <a:endParaRPr b="0" lang="de-DE" sz="7740" spc="-1" strike="noStrike">
+            <a:endParaRPr b="0" lang="de-DE" sz="4400" spc="-1" strike="noStrike">
               <a:latin typeface="Arial"/>
             </a:endParaRPr>
           </a:p>
@@ -906,7 +2266,7 @@
       </p:grpSpPr>
       <p:sp>
         <p:nvSpPr>
-          <p:cNvPr id="13" name="PlaceHolder 1"/>
+          <p:cNvPr id="10" name="PlaceHolder 1"/>
           <p:cNvSpPr>
             <a:spLocks noGrp="1"/>
           </p:cNvSpPr>
@@ -916,8 +2276,8 @@
         </p:nvSpPr>
         <p:spPr>
           <a:xfrm>
-            <a:off x="702000" y="757440"/>
-            <a:ext cx="6155640" cy="7715880"/>
+            <a:off x="702000" y="696600"/>
+            <a:ext cx="6155280" cy="8276760"/>
           </a:xfrm>
           <a:prstGeom prst="rect">
             <a:avLst/>
@@ -959,7 +2319,7 @@
       </p:grpSpPr>
       <p:sp>
         <p:nvSpPr>
-          <p:cNvPr id="14" name="PlaceHolder 1"/>
+          <p:cNvPr id="11" name="PlaceHolder 1"/>
           <p:cNvSpPr>
             <a:spLocks noGrp="1"/>
           </p:cNvSpPr>
@@ -969,8 +2329,8 @@
         </p:nvSpPr>
         <p:spPr>
           <a:xfrm>
-            <a:off x="702000" y="-58680"/>
-            <a:ext cx="6155640" cy="3296520"/>
+            <a:off x="702000" y="696600"/>
+            <a:ext cx="6155280" cy="1785240"/>
           </a:xfrm>
           <a:prstGeom prst="rect">
             <a:avLst/>
@@ -982,15 +2342,15 @@
           </a:bodyPr>
           <a:p>
             <a:pPr algn="ctr"/>
-            <a:endParaRPr b="0" lang="de-DE" sz="7740" spc="-1" strike="noStrike">
-              <a:latin typeface="Arial"/>
-            </a:endParaRPr>
-          </a:p>
-        </p:txBody>
-      </p:sp>
-      <p:sp>
-        <p:nvSpPr>
-          <p:cNvPr id="15" name="PlaceHolder 2"/>
+            <a:endParaRPr b="0" lang="de-DE" sz="4400" spc="-1" strike="noStrike">
+              <a:latin typeface="Arial"/>
+            </a:endParaRPr>
+          </a:p>
+        </p:txBody>
+      </p:sp>
+      <p:sp>
+        <p:nvSpPr>
+          <p:cNvPr id="12" name="PlaceHolder 2"/>
           <p:cNvSpPr>
             <a:spLocks noGrp="1"/>
           </p:cNvSpPr>
@@ -1001,56 +2361,56 @@
         <p:spPr>
           <a:xfrm>
             <a:off x="702000" y="2692800"/>
-            <a:ext cx="3003840" cy="2758320"/>
-          </a:xfrm>
-          <a:prstGeom prst="rect">
-            <a:avLst/>
-          </a:prstGeom>
-        </p:spPr>
-        <p:txBody>
-          <a:bodyPr lIns="0" rIns="0" tIns="0" bIns="0">
-            <a:normAutofit fontScale="56000"/>
-          </a:bodyPr>
-          <a:p>
-            <a:endParaRPr b="0" lang="de-DE" sz="5620" spc="-1" strike="noStrike">
-              <a:latin typeface="Arial"/>
-            </a:endParaRPr>
-          </a:p>
-        </p:txBody>
-      </p:sp>
-      <p:sp>
-        <p:nvSpPr>
-          <p:cNvPr id="16" name="PlaceHolder 3"/>
-          <p:cNvSpPr>
-            <a:spLocks noGrp="1"/>
-          </p:cNvSpPr>
-          <p:nvPr>
-            <p:ph type="body"/>
-          </p:nvPr>
-        </p:nvSpPr>
-        <p:spPr>
-          <a:xfrm>
-            <a:off x="3856320" y="2692800"/>
-            <a:ext cx="3003840" cy="5783040"/>
-          </a:xfrm>
-          <a:prstGeom prst="rect">
-            <a:avLst/>
-          </a:prstGeom>
-        </p:spPr>
-        <p:txBody>
-          <a:bodyPr lIns="0" rIns="0" tIns="0" bIns="0">
-            <a:normAutofit/>
-          </a:bodyPr>
-          <a:p>
-            <a:endParaRPr b="0" lang="de-DE" sz="5620" spc="-1" strike="noStrike">
-              <a:latin typeface="Arial"/>
-            </a:endParaRPr>
-          </a:p>
-        </p:txBody>
-      </p:sp>
-      <p:sp>
-        <p:nvSpPr>
-          <p:cNvPr id="17" name="PlaceHolder 4"/>
+            <a:ext cx="3003480" cy="2758320"/>
+          </a:xfrm>
+          <a:prstGeom prst="rect">
+            <a:avLst/>
+          </a:prstGeom>
+        </p:spPr>
+        <p:txBody>
+          <a:bodyPr lIns="0" rIns="0" tIns="0" bIns="0">
+            <a:normAutofit/>
+          </a:bodyPr>
+          <a:p>
+            <a:endParaRPr b="0" lang="de-DE" sz="3200" spc="-1" strike="noStrike">
+              <a:latin typeface="Arial"/>
+            </a:endParaRPr>
+          </a:p>
+        </p:txBody>
+      </p:sp>
+      <p:sp>
+        <p:nvSpPr>
+          <p:cNvPr id="13" name="PlaceHolder 3"/>
+          <p:cNvSpPr>
+            <a:spLocks noGrp="1"/>
+          </p:cNvSpPr>
+          <p:nvPr>
+            <p:ph type="body"/>
+          </p:nvPr>
+        </p:nvSpPr>
+        <p:spPr>
+          <a:xfrm>
+            <a:off x="3855960" y="2692800"/>
+            <a:ext cx="3003480" cy="5782680"/>
+          </a:xfrm>
+          <a:prstGeom prst="rect">
+            <a:avLst/>
+          </a:prstGeom>
+        </p:spPr>
+        <p:txBody>
+          <a:bodyPr lIns="0" rIns="0" tIns="0" bIns="0">
+            <a:normAutofit/>
+          </a:bodyPr>
+          <a:p>
+            <a:endParaRPr b="0" lang="de-DE" sz="3200" spc="-1" strike="noStrike">
+              <a:latin typeface="Arial"/>
+            </a:endParaRPr>
+          </a:p>
+        </p:txBody>
+      </p:sp>
+      <p:sp>
+        <p:nvSpPr>
+          <p:cNvPr id="14" name="PlaceHolder 4"/>
           <p:cNvSpPr>
             <a:spLocks noGrp="1"/>
           </p:cNvSpPr>
@@ -1061,18 +2421,18 @@
         <p:spPr>
           <a:xfrm>
             <a:off x="702000" y="5713560"/>
-            <a:ext cx="3003840" cy="2758320"/>
-          </a:xfrm>
-          <a:prstGeom prst="rect">
-            <a:avLst/>
-          </a:prstGeom>
-        </p:spPr>
-        <p:txBody>
-          <a:bodyPr lIns="0" rIns="0" tIns="0" bIns="0">
-            <a:normAutofit fontScale="56000"/>
-          </a:bodyPr>
-          <a:p>
-            <a:endParaRPr b="0" lang="de-DE" sz="5620" spc="-1" strike="noStrike">
+            <a:ext cx="3003480" cy="2758320"/>
+          </a:xfrm>
+          <a:prstGeom prst="rect">
+            <a:avLst/>
+          </a:prstGeom>
+        </p:spPr>
+        <p:txBody>
+          <a:bodyPr lIns="0" rIns="0" tIns="0" bIns="0">
+            <a:normAutofit/>
+          </a:bodyPr>
+          <a:p>
+            <a:endParaRPr b="0" lang="de-DE" sz="3200" spc="-1" strike="noStrike">
               <a:latin typeface="Arial"/>
             </a:endParaRPr>
           </a:p>
@@ -1102,7 +2462,7 @@
       </p:grpSpPr>
       <p:sp>
         <p:nvSpPr>
-          <p:cNvPr id="18" name="PlaceHolder 1"/>
+          <p:cNvPr id="15" name="PlaceHolder 1"/>
           <p:cNvSpPr>
             <a:spLocks noGrp="1"/>
           </p:cNvSpPr>
@@ -1112,8 +2472,8 @@
         </p:nvSpPr>
         <p:spPr>
           <a:xfrm>
-            <a:off x="702000" y="-58680"/>
-            <a:ext cx="6155640" cy="3296520"/>
+            <a:off x="702000" y="696600"/>
+            <a:ext cx="6155280" cy="1785240"/>
           </a:xfrm>
           <a:prstGeom prst="rect">
             <a:avLst/>
@@ -1125,15 +2485,15 @@
           </a:bodyPr>
           <a:p>
             <a:pPr algn="ctr"/>
-            <a:endParaRPr b="0" lang="de-DE" sz="7740" spc="-1" strike="noStrike">
-              <a:latin typeface="Arial"/>
-            </a:endParaRPr>
-          </a:p>
-        </p:txBody>
-      </p:sp>
-      <p:sp>
-        <p:nvSpPr>
-          <p:cNvPr id="19" name="PlaceHolder 2"/>
+            <a:endParaRPr b="0" lang="de-DE" sz="4400" spc="-1" strike="noStrike">
+              <a:latin typeface="Arial"/>
+            </a:endParaRPr>
+          </a:p>
+        </p:txBody>
+      </p:sp>
+      <p:sp>
+        <p:nvSpPr>
+          <p:cNvPr id="16" name="PlaceHolder 2"/>
           <p:cNvSpPr>
             <a:spLocks noGrp="1"/>
           </p:cNvSpPr>
@@ -1144,78 +2504,78 @@
         <p:spPr>
           <a:xfrm>
             <a:off x="702000" y="2692800"/>
-            <a:ext cx="3003840" cy="5783040"/>
-          </a:xfrm>
-          <a:prstGeom prst="rect">
-            <a:avLst/>
-          </a:prstGeom>
-        </p:spPr>
-        <p:txBody>
-          <a:bodyPr lIns="0" rIns="0" tIns="0" bIns="0">
-            <a:normAutofit/>
-          </a:bodyPr>
-          <a:p>
-            <a:endParaRPr b="0" lang="de-DE" sz="5620" spc="-1" strike="noStrike">
-              <a:latin typeface="Arial"/>
-            </a:endParaRPr>
-          </a:p>
-        </p:txBody>
-      </p:sp>
-      <p:sp>
-        <p:nvSpPr>
-          <p:cNvPr id="20" name="PlaceHolder 3"/>
-          <p:cNvSpPr>
-            <a:spLocks noGrp="1"/>
-          </p:cNvSpPr>
-          <p:nvPr>
-            <p:ph type="body"/>
-          </p:nvPr>
-        </p:nvSpPr>
-        <p:spPr>
-          <a:xfrm>
-            <a:off x="3856320" y="2692800"/>
-            <a:ext cx="3003840" cy="2758320"/>
-          </a:xfrm>
-          <a:prstGeom prst="rect">
-            <a:avLst/>
-          </a:prstGeom>
-        </p:spPr>
-        <p:txBody>
-          <a:bodyPr lIns="0" rIns="0" tIns="0" bIns="0">
-            <a:normAutofit fontScale="56000"/>
-          </a:bodyPr>
-          <a:p>
-            <a:endParaRPr b="0" lang="de-DE" sz="5620" spc="-1" strike="noStrike">
-              <a:latin typeface="Arial"/>
-            </a:endParaRPr>
-          </a:p>
-        </p:txBody>
-      </p:sp>
-      <p:sp>
-        <p:nvSpPr>
-          <p:cNvPr id="21" name="PlaceHolder 4"/>
-          <p:cNvSpPr>
-            <a:spLocks noGrp="1"/>
-          </p:cNvSpPr>
-          <p:nvPr>
-            <p:ph type="body"/>
-          </p:nvPr>
-        </p:nvSpPr>
-        <p:spPr>
-          <a:xfrm>
-            <a:off x="3856320" y="5713560"/>
-            <a:ext cx="3003840" cy="2758320"/>
-          </a:xfrm>
-          <a:prstGeom prst="rect">
-            <a:avLst/>
-          </a:prstGeom>
-        </p:spPr>
-        <p:txBody>
-          <a:bodyPr lIns="0" rIns="0" tIns="0" bIns="0">
-            <a:normAutofit fontScale="56000"/>
-          </a:bodyPr>
-          <a:p>
-            <a:endParaRPr b="0" lang="de-DE" sz="5620" spc="-1" strike="noStrike">
+            <a:ext cx="3003480" cy="5782680"/>
+          </a:xfrm>
+          <a:prstGeom prst="rect">
+            <a:avLst/>
+          </a:prstGeom>
+        </p:spPr>
+        <p:txBody>
+          <a:bodyPr lIns="0" rIns="0" tIns="0" bIns="0">
+            <a:normAutofit/>
+          </a:bodyPr>
+          <a:p>
+            <a:endParaRPr b="0" lang="de-DE" sz="3200" spc="-1" strike="noStrike">
+              <a:latin typeface="Arial"/>
+            </a:endParaRPr>
+          </a:p>
+        </p:txBody>
+      </p:sp>
+      <p:sp>
+        <p:nvSpPr>
+          <p:cNvPr id="17" name="PlaceHolder 3"/>
+          <p:cNvSpPr>
+            <a:spLocks noGrp="1"/>
+          </p:cNvSpPr>
+          <p:nvPr>
+            <p:ph type="body"/>
+          </p:nvPr>
+        </p:nvSpPr>
+        <p:spPr>
+          <a:xfrm>
+            <a:off x="3855960" y="2692800"/>
+            <a:ext cx="3003480" cy="2758320"/>
+          </a:xfrm>
+          <a:prstGeom prst="rect">
+            <a:avLst/>
+          </a:prstGeom>
+        </p:spPr>
+        <p:txBody>
+          <a:bodyPr lIns="0" rIns="0" tIns="0" bIns="0">
+            <a:normAutofit/>
+          </a:bodyPr>
+          <a:p>
+            <a:endParaRPr b="0" lang="de-DE" sz="3200" spc="-1" strike="noStrike">
+              <a:latin typeface="Arial"/>
+            </a:endParaRPr>
+          </a:p>
+        </p:txBody>
+      </p:sp>
+      <p:sp>
+        <p:nvSpPr>
+          <p:cNvPr id="18" name="PlaceHolder 4"/>
+          <p:cNvSpPr>
+            <a:spLocks noGrp="1"/>
+          </p:cNvSpPr>
+          <p:nvPr>
+            <p:ph type="body"/>
+          </p:nvPr>
+        </p:nvSpPr>
+        <p:spPr>
+          <a:xfrm>
+            <a:off x="3855960" y="5713560"/>
+            <a:ext cx="3003480" cy="2758320"/>
+          </a:xfrm>
+          <a:prstGeom prst="rect">
+            <a:avLst/>
+          </a:prstGeom>
+        </p:spPr>
+        <p:txBody>
+          <a:bodyPr lIns="0" rIns="0" tIns="0" bIns="0">
+            <a:normAutofit/>
+          </a:bodyPr>
+          <a:p>
+            <a:endParaRPr b="0" lang="de-DE" sz="3200" spc="-1" strike="noStrike">
               <a:latin typeface="Arial"/>
             </a:endParaRPr>
           </a:p>
@@ -1245,7 +2605,7 @@
       </p:grpSpPr>
       <p:sp>
         <p:nvSpPr>
-          <p:cNvPr id="22" name="PlaceHolder 1"/>
+          <p:cNvPr id="19" name="PlaceHolder 1"/>
           <p:cNvSpPr>
             <a:spLocks noGrp="1"/>
           </p:cNvSpPr>
@@ -1255,8 +2615,8 @@
         </p:nvSpPr>
         <p:spPr>
           <a:xfrm>
-            <a:off x="702000" y="-58680"/>
-            <a:ext cx="6155640" cy="3296520"/>
+            <a:off x="702000" y="696600"/>
+            <a:ext cx="6155280" cy="1785240"/>
           </a:xfrm>
           <a:prstGeom prst="rect">
             <a:avLst/>
@@ -1268,15 +2628,15 @@
           </a:bodyPr>
           <a:p>
             <a:pPr algn="ctr"/>
-            <a:endParaRPr b="0" lang="de-DE" sz="7740" spc="-1" strike="noStrike">
-              <a:latin typeface="Arial"/>
-            </a:endParaRPr>
-          </a:p>
-        </p:txBody>
-      </p:sp>
-      <p:sp>
-        <p:nvSpPr>
-          <p:cNvPr id="23" name="PlaceHolder 2"/>
+            <a:endParaRPr b="0" lang="de-DE" sz="4400" spc="-1" strike="noStrike">
+              <a:latin typeface="Arial"/>
+            </a:endParaRPr>
+          </a:p>
+        </p:txBody>
+      </p:sp>
+      <p:sp>
+        <p:nvSpPr>
+          <p:cNvPr id="20" name="PlaceHolder 2"/>
           <p:cNvSpPr>
             <a:spLocks noGrp="1"/>
           </p:cNvSpPr>
@@ -1287,56 +2647,56 @@
         <p:spPr>
           <a:xfrm>
             <a:off x="702000" y="2692800"/>
-            <a:ext cx="3003840" cy="2758320"/>
-          </a:xfrm>
-          <a:prstGeom prst="rect">
-            <a:avLst/>
-          </a:prstGeom>
-        </p:spPr>
-        <p:txBody>
-          <a:bodyPr lIns="0" rIns="0" tIns="0" bIns="0">
-            <a:normAutofit fontScale="56000"/>
-          </a:bodyPr>
-          <a:p>
-            <a:endParaRPr b="0" lang="de-DE" sz="5620" spc="-1" strike="noStrike">
-              <a:latin typeface="Arial"/>
-            </a:endParaRPr>
-          </a:p>
-        </p:txBody>
-      </p:sp>
-      <p:sp>
-        <p:nvSpPr>
-          <p:cNvPr id="24" name="PlaceHolder 3"/>
-          <p:cNvSpPr>
-            <a:spLocks noGrp="1"/>
-          </p:cNvSpPr>
-          <p:nvPr>
-            <p:ph type="body"/>
-          </p:nvPr>
-        </p:nvSpPr>
-        <p:spPr>
-          <a:xfrm>
-            <a:off x="3856320" y="2692800"/>
-            <a:ext cx="3003840" cy="2758320"/>
-          </a:xfrm>
-          <a:prstGeom prst="rect">
-            <a:avLst/>
-          </a:prstGeom>
-        </p:spPr>
-        <p:txBody>
-          <a:bodyPr lIns="0" rIns="0" tIns="0" bIns="0">
-            <a:normAutofit fontScale="56000"/>
-          </a:bodyPr>
-          <a:p>
-            <a:endParaRPr b="0" lang="de-DE" sz="5620" spc="-1" strike="noStrike">
-              <a:latin typeface="Arial"/>
-            </a:endParaRPr>
-          </a:p>
-        </p:txBody>
-      </p:sp>
-      <p:sp>
-        <p:nvSpPr>
-          <p:cNvPr id="25" name="PlaceHolder 4"/>
+            <a:ext cx="3003480" cy="2758320"/>
+          </a:xfrm>
+          <a:prstGeom prst="rect">
+            <a:avLst/>
+          </a:prstGeom>
+        </p:spPr>
+        <p:txBody>
+          <a:bodyPr lIns="0" rIns="0" tIns="0" bIns="0">
+            <a:normAutofit/>
+          </a:bodyPr>
+          <a:p>
+            <a:endParaRPr b="0" lang="de-DE" sz="3200" spc="-1" strike="noStrike">
+              <a:latin typeface="Arial"/>
+            </a:endParaRPr>
+          </a:p>
+        </p:txBody>
+      </p:sp>
+      <p:sp>
+        <p:nvSpPr>
+          <p:cNvPr id="21" name="PlaceHolder 3"/>
+          <p:cNvSpPr>
+            <a:spLocks noGrp="1"/>
+          </p:cNvSpPr>
+          <p:nvPr>
+            <p:ph type="body"/>
+          </p:nvPr>
+        </p:nvSpPr>
+        <p:spPr>
+          <a:xfrm>
+            <a:off x="3855960" y="2692800"/>
+            <a:ext cx="3003480" cy="2758320"/>
+          </a:xfrm>
+          <a:prstGeom prst="rect">
+            <a:avLst/>
+          </a:prstGeom>
+        </p:spPr>
+        <p:txBody>
+          <a:bodyPr lIns="0" rIns="0" tIns="0" bIns="0">
+            <a:normAutofit/>
+          </a:bodyPr>
+          <a:p>
+            <a:endParaRPr b="0" lang="de-DE" sz="3200" spc="-1" strike="noStrike">
+              <a:latin typeface="Arial"/>
+            </a:endParaRPr>
+          </a:p>
+        </p:txBody>
+      </p:sp>
+      <p:sp>
+        <p:nvSpPr>
+          <p:cNvPr id="22" name="PlaceHolder 4"/>
           <p:cNvSpPr>
             <a:spLocks noGrp="1"/>
           </p:cNvSpPr>
@@ -1347,18 +2707,18 @@
         <p:spPr>
           <a:xfrm>
             <a:off x="702000" y="5713560"/>
-            <a:ext cx="6155640" cy="2758320"/>
-          </a:xfrm>
-          <a:prstGeom prst="rect">
-            <a:avLst/>
-          </a:prstGeom>
-        </p:spPr>
-        <p:txBody>
-          <a:bodyPr lIns="0" rIns="0" tIns="0" bIns="0">
-            <a:normAutofit/>
-          </a:bodyPr>
-          <a:p>
-            <a:endParaRPr b="0" lang="de-DE" sz="5620" spc="-1" strike="noStrike">
+            <a:ext cx="6155280" cy="2758320"/>
+          </a:xfrm>
+          <a:prstGeom prst="rect">
+            <a:avLst/>
+          </a:prstGeom>
+        </p:spPr>
+        <p:txBody>
+          <a:bodyPr lIns="0" rIns="0" tIns="0" bIns="0">
+            <a:normAutofit/>
+          </a:bodyPr>
+          <a:p>
+            <a:endParaRPr b="0" lang="de-DE" sz="3200" spc="-1" strike="noStrike">
               <a:latin typeface="Arial"/>
             </a:endParaRPr>
           </a:p>
@@ -1398,8 +2758,8 @@
         </p:nvSpPr>
         <p:spPr>
           <a:xfrm>
-            <a:off x="702000" y="757440"/>
-            <a:ext cx="6155640" cy="1664280"/>
+            <a:off x="702000" y="696600"/>
+            <a:ext cx="6155280" cy="1785240"/>
           </a:xfrm>
           <a:prstGeom prst="rect">
             <a:avLst/>
@@ -1407,17 +2767,16 @@
         </p:spPr>
         <p:txBody>
           <a:bodyPr lIns="0" rIns="0" tIns="0" bIns="0" anchor="ctr">
-            <a:noAutofit/>
-          </a:bodyPr>
-          <a:p>
-            <a:pPr algn="ctr"/>
-            <a:r>
-              <a:rPr b="0" lang="de-DE" sz="7740" spc="-1" strike="noStrike">
+            <a:spAutoFit/>
+          </a:bodyPr>
+          <a:p>
+            <a:r>
+              <a:rPr b="0" lang="de-DE" sz="1800" spc="-1" strike="noStrike">
                 <a:latin typeface="Arial"/>
               </a:rPr>
               <a:t>Format des Titeltextes durch Klicken bearbeiten</a:t>
             </a:r>
-            <a:endParaRPr b="0" lang="de-DE" sz="7740" spc="-1" strike="noStrike">
+            <a:endParaRPr b="0" lang="de-DE" sz="1800" spc="-1" strike="noStrike">
               <a:latin typeface="Arial"/>
             </a:endParaRPr>
           </a:p>
@@ -1435,21 +2794,21 @@
         </p:nvSpPr>
         <p:spPr>
           <a:xfrm>
-            <a:off x="702000" y="2692800"/>
-            <a:ext cx="6155640" cy="5783040"/>
-          </a:xfrm>
-          <a:prstGeom prst="rect">
-            <a:avLst/>
-          </a:prstGeom>
-        </p:spPr>
-        <p:txBody>
-          <a:bodyPr lIns="0" rIns="0" tIns="0" bIns="0">
-            <a:normAutofit fontScale="34000"/>
+            <a:off x="377640" y="2501640"/>
+            <a:ext cx="6803280" cy="6200640"/>
+          </a:xfrm>
+          <a:prstGeom prst="rect">
+            <a:avLst/>
+          </a:prstGeom>
+        </p:spPr>
+        <p:txBody>
+          <a:bodyPr lIns="0" rIns="0" tIns="0" bIns="0">
+            <a:normAutofit/>
           </a:bodyPr>
           <a:p>
             <a:pPr marL="432000" indent="-324000">
               <a:spcBef>
-                <a:spcPts val="2489"/>
+                <a:spcPts val="1417"/>
               </a:spcBef>
               <a:buClr>
                 <a:srgbClr val="000000"/>
@@ -1459,37 +2818,19 @@
               <a:buChar char=""/>
             </a:pPr>
             <a:r>
-              <a:rPr b="0" lang="de-DE" sz="5620" spc="-1" strike="noStrike">
-                <a:latin typeface="Arial"/>
-              </a:rPr>
-              <a:t>Format des </a:t>
-            </a:r>
-            <a:r>
-              <a:rPr b="0" lang="de-DE" sz="5620" spc="-1" strike="noStrike">
-                <a:latin typeface="Arial"/>
-              </a:rPr>
-              <a:t>Gliederungstexte</a:t>
-            </a:r>
-            <a:r>
-              <a:rPr b="0" lang="de-DE" sz="5620" spc="-1" strike="noStrike">
-                <a:latin typeface="Arial"/>
-              </a:rPr>
-              <a:t>s durch Klicken </a:t>
-            </a:r>
-            <a:r>
-              <a:rPr b="0" lang="de-DE" sz="5620" spc="-1" strike="noStrike">
-                <a:latin typeface="Arial"/>
-              </a:rPr>
-              <a:t>bearbeiten</a:t>
-            </a:r>
-            <a:endParaRPr b="0" lang="de-DE" sz="5620" spc="-1" strike="noStrike">
+              <a:rPr b="0" lang="de-DE" sz="3200" spc="-1" strike="noStrike">
+                <a:latin typeface="Arial"/>
+              </a:rPr>
+              <a:t>Format des Gliederungstextes durch Klicken bearbeiten</a:t>
+            </a:r>
+            <a:endParaRPr b="0" lang="de-DE" sz="3200" spc="-1" strike="noStrike">
               <a:latin typeface="Arial"/>
             </a:endParaRPr>
           </a:p>
           <a:p>
             <a:pPr lvl="1" marL="864000" indent="-324000">
               <a:spcBef>
-                <a:spcPts val="1993"/>
+                <a:spcPts val="1134"/>
               </a:spcBef>
               <a:buClr>
                 <a:srgbClr val="000000"/>
@@ -1499,25 +2840,19 @@
               <a:buChar char=""/>
             </a:pPr>
             <a:r>
-              <a:rPr b="0" lang="de-DE" sz="4920" spc="-1" strike="noStrike">
-                <a:latin typeface="Arial"/>
-              </a:rPr>
-              <a:t>Zweite </a:t>
-            </a:r>
-            <a:r>
-              <a:rPr b="0" lang="de-DE" sz="4920" spc="-1" strike="noStrike">
-                <a:latin typeface="Arial"/>
-              </a:rPr>
-              <a:t>Gliederungsebene</a:t>
-            </a:r>
-            <a:endParaRPr b="0" lang="de-DE" sz="4920" spc="-1" strike="noStrike">
+              <a:rPr b="0" lang="de-DE" sz="2800" spc="-1" strike="noStrike">
+                <a:latin typeface="Arial"/>
+              </a:rPr>
+              <a:t>Zweite Gliederungsebene</a:t>
+            </a:r>
+            <a:endParaRPr b="0" lang="de-DE" sz="2800" spc="-1" strike="noStrike">
               <a:latin typeface="Arial"/>
             </a:endParaRPr>
           </a:p>
           <a:p>
             <a:pPr lvl="2" marL="1296000" indent="-288000">
               <a:spcBef>
-                <a:spcPts val="1494"/>
+                <a:spcPts val="850"/>
               </a:spcBef>
               <a:buClr>
                 <a:srgbClr val="000000"/>
@@ -1527,25 +2862,19 @@
               <a:buChar char=""/>
             </a:pPr>
             <a:r>
-              <a:rPr b="0" lang="de-DE" sz="4220" spc="-1" strike="noStrike">
-                <a:latin typeface="Arial"/>
-              </a:rPr>
-              <a:t>Dritte </a:t>
-            </a:r>
-            <a:r>
-              <a:rPr b="0" lang="de-DE" sz="4220" spc="-1" strike="noStrike">
-                <a:latin typeface="Arial"/>
-              </a:rPr>
-              <a:t>Gliederungsebene</a:t>
-            </a:r>
-            <a:endParaRPr b="0" lang="de-DE" sz="4220" spc="-1" strike="noStrike">
+              <a:rPr b="0" lang="de-DE" sz="2400" spc="-1" strike="noStrike">
+                <a:latin typeface="Arial"/>
+              </a:rPr>
+              <a:t>Dritte Gliederungsebene</a:t>
+            </a:r>
+            <a:endParaRPr b="0" lang="de-DE" sz="2400" spc="-1" strike="noStrike">
               <a:latin typeface="Arial"/>
             </a:endParaRPr>
           </a:p>
           <a:p>
             <a:pPr lvl="3" marL="1728000" indent="-216000">
               <a:spcBef>
-                <a:spcPts val="995"/>
+                <a:spcPts val="567"/>
               </a:spcBef>
               <a:buClr>
                 <a:srgbClr val="000000"/>
@@ -1555,25 +2884,19 @@
               <a:buChar char=""/>
             </a:pPr>
             <a:r>
-              <a:rPr b="0" lang="de-DE" sz="3509" spc="-1" strike="noStrike">
-                <a:latin typeface="Arial"/>
-              </a:rPr>
-              <a:t>Vierte </a:t>
-            </a:r>
-            <a:r>
-              <a:rPr b="0" lang="de-DE" sz="3509" spc="-1" strike="noStrike">
-                <a:latin typeface="Arial"/>
-              </a:rPr>
-              <a:t>Gliederungsebene</a:t>
-            </a:r>
-            <a:endParaRPr b="0" lang="de-DE" sz="3509" spc="-1" strike="noStrike">
+              <a:rPr b="0" lang="de-DE" sz="2000" spc="-1" strike="noStrike">
+                <a:latin typeface="Arial"/>
+              </a:rPr>
+              <a:t>Vierte Gliederungsebene</a:t>
+            </a:r>
+            <a:endParaRPr b="0" lang="de-DE" sz="2000" spc="-1" strike="noStrike">
               <a:latin typeface="Arial"/>
             </a:endParaRPr>
           </a:p>
           <a:p>
             <a:pPr lvl="4" marL="2160000" indent="-216000">
               <a:spcBef>
-                <a:spcPts val="496"/>
+                <a:spcPts val="283"/>
               </a:spcBef>
               <a:buClr>
                 <a:srgbClr val="000000"/>
@@ -1583,25 +2906,19 @@
               <a:buChar char=""/>
             </a:pPr>
             <a:r>
-              <a:rPr b="0" lang="de-DE" sz="3509" spc="-1" strike="noStrike">
-                <a:latin typeface="Arial"/>
-              </a:rPr>
-              <a:t>Fünfte </a:t>
-            </a:r>
-            <a:r>
-              <a:rPr b="0" lang="de-DE" sz="3509" spc="-1" strike="noStrike">
-                <a:latin typeface="Arial"/>
-              </a:rPr>
-              <a:t>Gliederungsebene</a:t>
-            </a:r>
-            <a:endParaRPr b="0" lang="de-DE" sz="3509" spc="-1" strike="noStrike">
+              <a:rPr b="0" lang="de-DE" sz="2000" spc="-1" strike="noStrike">
+                <a:latin typeface="Arial"/>
+              </a:rPr>
+              <a:t>Fünfte Gliederungsebene</a:t>
+            </a:r>
+            <a:endParaRPr b="0" lang="de-DE" sz="2000" spc="-1" strike="noStrike">
               <a:latin typeface="Arial"/>
             </a:endParaRPr>
           </a:p>
           <a:p>
             <a:pPr lvl="5" marL="2592000" indent="-216000">
               <a:spcBef>
-                <a:spcPts val="496"/>
+                <a:spcPts val="283"/>
               </a:spcBef>
               <a:buClr>
                 <a:srgbClr val="000000"/>
@@ -1611,31 +2928,19 @@
               <a:buChar char=""/>
             </a:pPr>
             <a:r>
-              <a:rPr b="0" lang="de-DE" sz="3509" spc="-1" strike="noStrike">
-                <a:latin typeface="Arial"/>
-              </a:rPr>
-              <a:t>Sechste </a:t>
-            </a:r>
-            <a:r>
-              <a:rPr b="0" lang="de-DE" sz="3509" spc="-1" strike="noStrike">
-                <a:latin typeface="Arial"/>
-              </a:rPr>
-              <a:t>Gliederungseben</a:t>
-            </a:r>
-            <a:r>
-              <a:rPr b="0" lang="de-DE" sz="3509" spc="-1" strike="noStrike">
-                <a:latin typeface="Arial"/>
-              </a:rPr>
-              <a:t>e</a:t>
-            </a:r>
-            <a:endParaRPr b="0" lang="de-DE" sz="3509" spc="-1" strike="noStrike">
+              <a:rPr b="0" lang="de-DE" sz="2000" spc="-1" strike="noStrike">
+                <a:latin typeface="Arial"/>
+              </a:rPr>
+              <a:t>Sechste Gliederungsebene</a:t>
+            </a:r>
+            <a:endParaRPr b="0" lang="de-DE" sz="2000" spc="-1" strike="noStrike">
               <a:latin typeface="Arial"/>
             </a:endParaRPr>
           </a:p>
           <a:p>
             <a:pPr lvl="6" marL="3024000" indent="-216000">
               <a:spcBef>
-                <a:spcPts val="496"/>
+                <a:spcPts val="283"/>
               </a:spcBef>
               <a:buClr>
                 <a:srgbClr val="000000"/>
@@ -1645,135 +2950,13 @@
               <a:buChar char=""/>
             </a:pPr>
             <a:r>
-              <a:rPr b="0" lang="de-DE" sz="3509" spc="-1" strike="noStrike">
-                <a:latin typeface="Arial"/>
-              </a:rPr>
-              <a:t>Siebte </a:t>
-            </a:r>
-            <a:r>
-              <a:rPr b="0" lang="de-DE" sz="3509" spc="-1" strike="noStrike">
-                <a:latin typeface="Arial"/>
-              </a:rPr>
-              <a:t>Gliederungseb</a:t>
-            </a:r>
-            <a:r>
-              <a:rPr b="0" lang="de-DE" sz="3509" spc="-1" strike="noStrike">
-                <a:latin typeface="Arial"/>
-              </a:rPr>
-              <a:t>ene</a:t>
-            </a:r>
-            <a:endParaRPr b="0" lang="de-DE" sz="3509" spc="-1" strike="noStrike">
-              <a:latin typeface="Arial"/>
-            </a:endParaRPr>
-          </a:p>
-        </p:txBody>
-      </p:sp>
-      <p:sp>
-        <p:nvSpPr>
-          <p:cNvPr id="2" name="PlaceHolder 3"/>
-          <p:cNvSpPr>
-            <a:spLocks noGrp="1"/>
-          </p:cNvSpPr>
-          <p:nvPr>
-            <p:ph type="dt"/>
-          </p:nvPr>
-        </p:nvSpPr>
-        <p:spPr>
-          <a:xfrm>
-            <a:off x="702000" y="9444240"/>
-            <a:ext cx="1593360" cy="686880"/>
-          </a:xfrm>
-          <a:prstGeom prst="rect">
-            <a:avLst/>
-          </a:prstGeom>
-        </p:spPr>
-        <p:txBody>
-          <a:bodyPr lIns="0" rIns="0" tIns="0" bIns="0">
-            <a:noAutofit/>
-          </a:bodyPr>
-          <a:p>
-            <a:r>
-              <a:rPr b="0" lang="de-DE" sz="1400" spc="-1" strike="noStrike">
-                <a:latin typeface="Times New Roman"/>
-              </a:rPr>
-              <a:t>&lt;Datum/Uhrzeit&gt;</a:t>
-            </a:r>
-            <a:endParaRPr b="0" lang="de-DE" sz="1400" spc="-1" strike="noStrike">
-              <a:latin typeface="Times New Roman"/>
-            </a:endParaRPr>
-          </a:p>
-        </p:txBody>
-      </p:sp>
-      <p:sp>
-        <p:nvSpPr>
-          <p:cNvPr id="3" name="PlaceHolder 4"/>
-          <p:cNvSpPr>
-            <a:spLocks noGrp="1"/>
-          </p:cNvSpPr>
-          <p:nvPr>
-            <p:ph type="ftr"/>
-          </p:nvPr>
-        </p:nvSpPr>
-        <p:spPr>
-          <a:xfrm>
-            <a:off x="2699280" y="9444240"/>
-            <a:ext cx="2167920" cy="686880"/>
-          </a:xfrm>
-          <a:prstGeom prst="rect">
-            <a:avLst/>
-          </a:prstGeom>
-        </p:spPr>
-        <p:txBody>
-          <a:bodyPr lIns="0" rIns="0" tIns="0" bIns="0">
-            <a:noAutofit/>
-          </a:bodyPr>
-          <a:p>
-            <a:pPr algn="ctr"/>
-            <a:r>
-              <a:rPr b="0" lang="de-DE" sz="1400" spc="-1" strike="noStrike">
-                <a:latin typeface="Times New Roman"/>
-              </a:rPr>
-              <a:t>&lt;Fußzeile&gt;</a:t>
-            </a:r>
-            <a:endParaRPr b="0" lang="de-DE" sz="1400" spc="-1" strike="noStrike">
-              <a:latin typeface="Times New Roman"/>
-            </a:endParaRPr>
-          </a:p>
-        </p:txBody>
-      </p:sp>
-      <p:sp>
-        <p:nvSpPr>
-          <p:cNvPr id="4" name="PlaceHolder 5"/>
-          <p:cNvSpPr>
-            <a:spLocks noGrp="1"/>
-          </p:cNvSpPr>
-          <p:nvPr>
-            <p:ph type="sldNum"/>
-          </p:nvPr>
-        </p:nvSpPr>
-        <p:spPr>
-          <a:xfrm>
-            <a:off x="5264280" y="9444240"/>
-            <a:ext cx="1593360" cy="686880"/>
-          </a:xfrm>
-          <a:prstGeom prst="rect">
-            <a:avLst/>
-          </a:prstGeom>
-        </p:spPr>
-        <p:txBody>
-          <a:bodyPr lIns="0" rIns="0" tIns="0" bIns="0">
-            <a:noAutofit/>
-          </a:bodyPr>
-          <a:p>
-            <a:pPr algn="r"/>
-            <a:fld id="{2530B414-8B88-4F10-9E65-2893306176E7}" type="slidenum">
-              <a:rPr b="0" lang="de-DE" sz="1400" spc="-1" strike="noStrike">
-                <a:latin typeface="Times New Roman"/>
-              </a:rPr>
-              <a:t>&lt;Foliennummer&gt;</a:t>
-            </a:fld>
-            <a:endParaRPr b="0" lang="de-DE" sz="1400" spc="-1" strike="noStrike">
-              <a:latin typeface="Times New Roman"/>
+              <a:rPr b="0" lang="de-DE" sz="2000" spc="-1" strike="noStrike">
+                <a:latin typeface="Arial"/>
+              </a:rPr>
+              <a:t>Siebte Gliederungsebene</a:t>
+            </a:r>
+            <a:endParaRPr b="0" lang="de-DE" sz="2000" spc="-1" strike="noStrike">
+              <a:latin typeface="Arial"/>
             </a:endParaRPr>
           </a:p>
         </p:txBody>
@@ -1794,6 +2977,258 @@
     <p:sldLayoutId id="2147483658" r:id="rId11"/>
     <p:sldLayoutId id="2147483659" r:id="rId12"/>
     <p:sldLayoutId id="2147483660" r:id="rId13"/>
+  </p:sldLayoutIdLst>
+</p:sldMaster>
+</file>
+
+<file path=ppt/slideMasters/slideMaster2.xml><?xml version="1.0" encoding="utf-8"?>
+<p:sldMaster xmlns:a="http://schemas.openxmlformats.org/drawingml/2006/main" xmlns:p="http://schemas.openxmlformats.org/presentationml/2006/main" xmlns:r="http://schemas.openxmlformats.org/officeDocument/2006/relationships" xmlns:p14="http://schemas.microsoft.com/office/powerpoint/2010/main" xmlns:p15="http://schemas.microsoft.com/office/powerpoint/2012/main" xmlns:mc="http://schemas.openxmlformats.org/markup-compatibility/2006">
+  <p:cSld>
+    <p:spTree>
+      <p:nvGrpSpPr>
+        <p:cNvPr id="1" name=""/>
+        <p:cNvGrpSpPr/>
+        <p:nvPr/>
+      </p:nvGrpSpPr>
+      <p:grpSpPr>
+        <a:xfrm>
+          <a:off x="0" y="0"/>
+          <a:ext cx="0" cy="0"/>
+          <a:chOff x="0" y="0"/>
+          <a:chExt cx="0" cy="0"/>
+        </a:xfrm>
+      </p:grpSpPr>
+      <p:sp>
+        <p:nvSpPr>
+          <p:cNvPr id="38" name="PlaceHolder 1"/>
+          <p:cNvSpPr>
+            <a:spLocks noGrp="1"/>
+          </p:cNvSpPr>
+          <p:nvPr>
+            <p:ph type="title"/>
+          </p:nvPr>
+        </p:nvSpPr>
+        <p:spPr>
+          <a:xfrm>
+            <a:off x="702000" y="696600"/>
+            <a:ext cx="6155280" cy="1785240"/>
+          </a:xfrm>
+          <a:prstGeom prst="rect">
+            <a:avLst/>
+          </a:prstGeom>
+        </p:spPr>
+        <p:txBody>
+          <a:bodyPr lIns="0" rIns="0" tIns="0" bIns="0" anchor="ctr">
+            <a:spAutoFit/>
+          </a:bodyPr>
+          <a:p>
+            <a:r>
+              <a:rPr b="0" lang="de-DE" sz="1800" spc="-1" strike="noStrike">
+                <a:latin typeface="Arial"/>
+              </a:rPr>
+              <a:t>Format des Titeltextes durch Klicken bearbeiten</a:t>
+            </a:r>
+            <a:endParaRPr b="0" lang="de-DE" sz="1800" spc="-1" strike="noStrike">
+              <a:latin typeface="Arial"/>
+            </a:endParaRPr>
+          </a:p>
+        </p:txBody>
+      </p:sp>
+      <p:sp>
+        <p:nvSpPr>
+          <p:cNvPr id="39" name="PlaceHolder 2"/>
+          <p:cNvSpPr>
+            <a:spLocks noGrp="1"/>
+          </p:cNvSpPr>
+          <p:nvPr>
+            <p:ph type="body"/>
+          </p:nvPr>
+        </p:nvSpPr>
+        <p:spPr>
+          <a:xfrm>
+            <a:off x="702000" y="2692800"/>
+            <a:ext cx="6155280" cy="5782680"/>
+          </a:xfrm>
+          <a:prstGeom prst="rect">
+            <a:avLst/>
+          </a:prstGeom>
+        </p:spPr>
+        <p:txBody>
+          <a:bodyPr lIns="0" rIns="0" tIns="0" bIns="0">
+            <a:normAutofit/>
+          </a:bodyPr>
+          <a:p>
+            <a:pPr marL="432000" indent="-324000">
+              <a:spcBef>
+                <a:spcPts val="1417"/>
+              </a:spcBef>
+              <a:buClr>
+                <a:srgbClr val="000000"/>
+              </a:buClr>
+              <a:buSzPct val="45000"/>
+              <a:buFont typeface="Wingdings" charset="2"/>
+              <a:buChar char=""/>
+            </a:pPr>
+            <a:r>
+              <a:rPr b="0" lang="de-DE" sz="1800" spc="-1" strike="noStrike">
+                <a:latin typeface="Arial"/>
+              </a:rPr>
+              <a:t>Format des Gliederungstextes durch Klicken bearbeiten</a:t>
+            </a:r>
+            <a:endParaRPr b="0" lang="de-DE" sz="1800" spc="-1" strike="noStrike">
+              <a:latin typeface="Arial"/>
+            </a:endParaRPr>
+          </a:p>
+          <a:p>
+            <a:pPr lvl="1" marL="864000" indent="-324000">
+              <a:spcBef>
+                <a:spcPts val="1134"/>
+              </a:spcBef>
+              <a:buClr>
+                <a:srgbClr val="000000"/>
+              </a:buClr>
+              <a:buSzPct val="75000"/>
+              <a:buFont typeface="Symbol" charset="2"/>
+              <a:buChar char=""/>
+            </a:pPr>
+            <a:r>
+              <a:rPr b="0" lang="de-DE" sz="1800" spc="-1" strike="noStrike">
+                <a:latin typeface="Arial"/>
+              </a:rPr>
+              <a:t>Zweite Gliederungsebene</a:t>
+            </a:r>
+            <a:endParaRPr b="0" lang="de-DE" sz="1800" spc="-1" strike="noStrike">
+              <a:latin typeface="Arial"/>
+            </a:endParaRPr>
+          </a:p>
+          <a:p>
+            <a:pPr lvl="2" marL="1296000" indent="-288000">
+              <a:spcBef>
+                <a:spcPts val="850"/>
+              </a:spcBef>
+              <a:buClr>
+                <a:srgbClr val="000000"/>
+              </a:buClr>
+              <a:buSzPct val="45000"/>
+              <a:buFont typeface="Wingdings" charset="2"/>
+              <a:buChar char=""/>
+            </a:pPr>
+            <a:r>
+              <a:rPr b="0" lang="de-DE" sz="1800" spc="-1" strike="noStrike">
+                <a:latin typeface="Arial"/>
+              </a:rPr>
+              <a:t>Dritte Gliederungsebene</a:t>
+            </a:r>
+            <a:endParaRPr b="0" lang="de-DE" sz="1800" spc="-1" strike="noStrike">
+              <a:latin typeface="Arial"/>
+            </a:endParaRPr>
+          </a:p>
+          <a:p>
+            <a:pPr lvl="3" marL="1728000" indent="-216000">
+              <a:spcBef>
+                <a:spcPts val="567"/>
+              </a:spcBef>
+              <a:buClr>
+                <a:srgbClr val="000000"/>
+              </a:buClr>
+              <a:buSzPct val="75000"/>
+              <a:buFont typeface="Symbol" charset="2"/>
+              <a:buChar char=""/>
+            </a:pPr>
+            <a:r>
+              <a:rPr b="0" lang="de-DE" sz="1800" spc="-1" strike="noStrike">
+                <a:latin typeface="Arial"/>
+              </a:rPr>
+              <a:t>Vierte Gliederungsebene</a:t>
+            </a:r>
+            <a:endParaRPr b="0" lang="de-DE" sz="1800" spc="-1" strike="noStrike">
+              <a:latin typeface="Arial"/>
+            </a:endParaRPr>
+          </a:p>
+          <a:p>
+            <a:pPr lvl="4" marL="2160000" indent="-216000">
+              <a:spcBef>
+                <a:spcPts val="283"/>
+              </a:spcBef>
+              <a:buClr>
+                <a:srgbClr val="000000"/>
+              </a:buClr>
+              <a:buSzPct val="45000"/>
+              <a:buFont typeface="Wingdings" charset="2"/>
+              <a:buChar char=""/>
+            </a:pPr>
+            <a:r>
+              <a:rPr b="0" lang="de-DE" sz="1800" spc="-1" strike="noStrike">
+                <a:latin typeface="Arial"/>
+              </a:rPr>
+              <a:t>Fünfte Gliederungsebene</a:t>
+            </a:r>
+            <a:endParaRPr b="0" lang="de-DE" sz="1800" spc="-1" strike="noStrike">
+              <a:latin typeface="Arial"/>
+            </a:endParaRPr>
+          </a:p>
+          <a:p>
+            <a:pPr lvl="5" marL="2592000" indent="-216000">
+              <a:spcBef>
+                <a:spcPts val="283"/>
+              </a:spcBef>
+              <a:buClr>
+                <a:srgbClr val="000000"/>
+              </a:buClr>
+              <a:buSzPct val="45000"/>
+              <a:buFont typeface="Wingdings" charset="2"/>
+              <a:buChar char=""/>
+            </a:pPr>
+            <a:r>
+              <a:rPr b="0" lang="de-DE" sz="1800" spc="-1" strike="noStrike">
+                <a:latin typeface="Arial"/>
+              </a:rPr>
+              <a:t>Sechste Gliederungsebene</a:t>
+            </a:r>
+            <a:endParaRPr b="0" lang="de-DE" sz="1800" spc="-1" strike="noStrike">
+              <a:latin typeface="Arial"/>
+            </a:endParaRPr>
+          </a:p>
+          <a:p>
+            <a:pPr lvl="6" marL="3024000" indent="-216000">
+              <a:spcBef>
+                <a:spcPts val="283"/>
+              </a:spcBef>
+              <a:buClr>
+                <a:srgbClr val="000000"/>
+              </a:buClr>
+              <a:buSzPct val="45000"/>
+              <a:buFont typeface="Wingdings" charset="2"/>
+              <a:buChar char=""/>
+            </a:pPr>
+            <a:r>
+              <a:rPr b="0" lang="de-DE" sz="1800" spc="-1" strike="noStrike">
+                <a:latin typeface="Arial"/>
+              </a:rPr>
+              <a:t>Siebte Gliederungsebene</a:t>
+            </a:r>
+            <a:endParaRPr b="0" lang="de-DE" sz="1800" spc="-1" strike="noStrike">
+              <a:latin typeface="Arial"/>
+            </a:endParaRPr>
+          </a:p>
+        </p:txBody>
+      </p:sp>
+    </p:spTree>
+  </p:cSld>
+  <p:clrMap bg1="lt1" bg2="lt2" tx1="dk1" tx2="dk2" accent1="accent1" accent2="accent2" accent3="accent3" accent4="accent4" accent5="accent5" accent6="accent6" hlink="hlink" folHlink="folHlink"/>
+  <p:sldLayoutIdLst>
+    <p:sldLayoutId id="2147483662" r:id="rId2"/>
+    <p:sldLayoutId id="2147483663" r:id="rId3"/>
+    <p:sldLayoutId id="2147483664" r:id="rId4"/>
+    <p:sldLayoutId id="2147483665" r:id="rId5"/>
+    <p:sldLayoutId id="2147483666" r:id="rId6"/>
+    <p:sldLayoutId id="2147483667" r:id="rId7"/>
+    <p:sldLayoutId id="2147483668" r:id="rId8"/>
+    <p:sldLayoutId id="2147483669" r:id="rId9"/>
+    <p:sldLayoutId id="2147483670" r:id="rId10"/>
+    <p:sldLayoutId id="2147483671" r:id="rId11"/>
+    <p:sldLayoutId id="2147483672" r:id="rId12"/>
+    <p:sldLayoutId id="2147483673" r:id="rId13"/>
   </p:sldLayoutIdLst>
 </p:sldMaster>
 </file>
@@ -1817,14 +3252,14 @@
       </p:grpSpPr>
       <p:sp>
         <p:nvSpPr>
-          <p:cNvPr id="41" name="TextShape 1"/>
-          <p:cNvSpPr txBox="1"/>
+          <p:cNvPr id="76" name="CustomShape 1"/>
+          <p:cNvSpPr/>
           <p:nvPr/>
         </p:nvSpPr>
         <p:spPr>
           <a:xfrm>
-            <a:off x="504000" y="400680"/>
-            <a:ext cx="6624000" cy="1615320"/>
+            <a:off x="504000" y="760680"/>
+            <a:ext cx="6623640" cy="1250280"/>
           </a:xfrm>
           <a:prstGeom prst="rect">
             <a:avLst/>
@@ -1834,6 +3269,12 @@
             <a:noFill/>
           </a:ln>
         </p:spPr>
+        <p:style>
+          <a:lnRef idx="0"/>
+          <a:fillRef idx="0"/>
+          <a:effectRef idx="0"/>
+          <a:fontRef idx="minor"/>
+        </p:style>
         <p:txBody>
           <a:bodyPr lIns="0" rIns="0" tIns="0" bIns="0">
             <a:spAutoFit/>
@@ -1841,11 +3282,11 @@
           <a:p>
             <a:pPr>
               <a:lnSpc>
-                <a:spcPct val="115000"/>
+                <a:spcPct val="100000"/>
               </a:lnSpc>
             </a:pPr>
             <a:r>
-              <a:rPr b="0" lang="de-DE" sz="2400" spc="-1" strike="noStrike">
+              <a:rPr b="1" lang="de-DE" sz="2400" spc="-1" strike="noStrike">
                 <a:latin typeface="Arial"/>
               </a:rPr>
               <a:t>Results of Jörg (Questions 4 and 9)</a:t>
@@ -1856,7 +3297,7 @@
               <a:rPr b="0" lang="de-DE" sz="2000" spc="-1" strike="noStrike">
                 <a:latin typeface="Arial"/>
               </a:rPr>
-              <a:t>Q4: How did the unit water footprint (uWF) change within the last 15 years?</a:t>
+              <a:t>Q4: How did the unit water footprint (uWF) change within the last 15 years of data (2001-2016)?</a:t>
             </a:r>
             <a:endParaRPr b="0" lang="de-DE" sz="2000" spc="-1" strike="noStrike">
               <a:latin typeface="Arial"/>
@@ -1866,7 +3307,7 @@
       </p:sp>
       <p:pic>
         <p:nvPicPr>
-          <p:cNvPr id="42" name="" descr=""/>
+          <p:cNvPr id="77" name="" descr=""/>
           <p:cNvPicPr/>
           <p:nvPr/>
         </p:nvPicPr>
@@ -1876,8 +3317,8 @@
         </p:blipFill>
         <p:spPr>
           <a:xfrm>
-            <a:off x="389880" y="3649320"/>
-            <a:ext cx="6839640" cy="4647960"/>
+            <a:off x="389880" y="4189320"/>
+            <a:ext cx="6839280" cy="4647600"/>
           </a:xfrm>
           <a:prstGeom prst="rect">
             <a:avLst/>
@@ -1889,14 +3330,14 @@
       </p:pic>
       <p:sp>
         <p:nvSpPr>
-          <p:cNvPr id="43" name="TextShape 2"/>
-          <p:cNvSpPr txBox="1"/>
+          <p:cNvPr id="78" name="CustomShape 2"/>
+          <p:cNvSpPr/>
           <p:nvPr/>
         </p:nvSpPr>
         <p:spPr>
           <a:xfrm>
-            <a:off x="720000" y="1949040"/>
-            <a:ext cx="6403320" cy="1783440"/>
+            <a:off x="720000" y="2093040"/>
+            <a:ext cx="6402960" cy="1921320"/>
           </a:xfrm>
           <a:prstGeom prst="rect">
             <a:avLst/>
@@ -1906,6 +3347,12 @@
             <a:noFill/>
           </a:ln>
         </p:spPr>
+        <p:style>
+          <a:lnRef idx="0"/>
+          <a:fillRef idx="0"/>
+          <a:effectRef idx="0"/>
+          <a:fontRef idx="minor"/>
+        </p:style>
         <p:txBody>
           <a:bodyPr lIns="0" rIns="0" tIns="0" bIns="0">
             <a:spAutoFit/>
@@ -1962,42 +3409,42 @@
             <a:r>
               <a:rPr b="1" lang="de-DE" sz="1600" spc="-1" strike="noStrike">
                 <a:latin typeface="Arial"/>
+                <a:ea typeface="Noto Sans CJK SC Regular"/>
               </a:rPr>
               <a:t>decrease</a:t>
             </a:r>
             <a:r>
               <a:rPr b="0" lang="de-DE" sz="1600" spc="-1" strike="noStrike">
                 <a:latin typeface="Arial"/>
+                <a:ea typeface="Noto Sans CJK SC Regular"/>
               </a:rPr>
               <a:t> </a:t>
             </a:r>
             <a:r>
               <a:rPr b="1" lang="de-DE" sz="1600" spc="-1" strike="noStrike">
                 <a:latin typeface="Arial"/>
+                <a:ea typeface="Noto Sans CJK SC Regular"/>
               </a:rPr>
               <a:t>most consistently </a:t>
             </a:r>
             <a:r>
               <a:rPr b="0" lang="de-DE" sz="1600" spc="-1" strike="noStrike">
                 <a:latin typeface="Arial"/>
-              </a:rPr>
-              <a:t>in</a:t>
+                <a:ea typeface="Noto Sans CJK SC Regular"/>
+              </a:rPr>
+              <a:t>in almost all countries while pumpkins, mushrooms and lettuce </a:t>
+            </a:r>
+            <a:r>
+              <a:rPr b="1" lang="de-DE" sz="1600" spc="-1" strike="noStrike">
+                <a:latin typeface="Arial"/>
+                <a:ea typeface="Noto Sans CJK SC Regular"/>
+              </a:rPr>
+              <a:t>increase</a:t>
             </a:r>
             <a:r>
               <a:rPr b="0" lang="de-DE" sz="1600" spc="-1" strike="noStrike">
                 <a:latin typeface="Arial"/>
-              </a:rPr>
-              <a:t> almost all countries while pumpkins, mushrooms and lettuce </a:t>
-            </a:r>
-            <a:r>
-              <a:rPr b="1" lang="de-DE" sz="1600" spc="-1" strike="noStrike">
-                <a:latin typeface="Arial"/>
-              </a:rPr>
-              <a:t>increase</a:t>
-            </a:r>
-            <a:r>
-              <a:rPr b="0" lang="de-DE" sz="1600" spc="-1" strike="noStrike">
-                <a:latin typeface="Arial"/>
+                <a:ea typeface="Noto Sans CJK SC Regular"/>
               </a:rPr>
               <a:t> in at least half of the countries considered.</a:t>
             </a:r>
@@ -2065,9 +3512,227 @@
           <a:chExt cx="0" cy="0"/>
         </a:xfrm>
       </p:grpSpPr>
+      <p:sp>
+        <p:nvSpPr>
+          <p:cNvPr id="79" name="CustomShape 1"/>
+          <p:cNvSpPr/>
+          <p:nvPr/>
+        </p:nvSpPr>
+        <p:spPr>
+          <a:xfrm>
+            <a:off x="497520" y="833040"/>
+            <a:ext cx="6616080" cy="3356280"/>
+          </a:xfrm>
+          <a:prstGeom prst="rect">
+            <a:avLst/>
+          </a:prstGeom>
+          <a:noFill/>
+          <a:ln>
+            <a:noFill/>
+          </a:ln>
+        </p:spPr>
+        <p:style>
+          <a:lnRef idx="0"/>
+          <a:fillRef idx="0"/>
+          <a:effectRef idx="0"/>
+          <a:fontRef idx="minor"/>
+        </p:style>
+        <p:txBody>
+          <a:bodyPr lIns="0" rIns="0" tIns="0" bIns="0">
+            <a:spAutoFit/>
+          </a:bodyPr>
+          <a:p>
+            <a:pPr>
+              <a:lnSpc>
+                <a:spcPct val="115000"/>
+              </a:lnSpc>
+            </a:pPr>
+            <a:r>
+              <a:rPr b="0" lang="de-DE" sz="1600" spc="-1" strike="noStrike">
+                <a:latin typeface="Arial"/>
+                <a:ea typeface="Noto Sans CJK SC Regular"/>
+              </a:rPr>
+              <a:t>+ From 1960-2016, uWF changes vary dramatically among countries and products. Nevertheless, a few typical patterns can be observed:</a:t>
+            </a:r>
+            <a:br/>
+            <a:r>
+              <a:rPr b="0" lang="de-DE" sz="1600" spc="-1" strike="noStrike">
+                <a:latin typeface="Arial"/>
+                <a:ea typeface="Noto Sans CJK SC Regular"/>
+              </a:rPr>
+              <a:t>	</a:t>
+            </a:r>
+            <a:r>
+              <a:rPr b="0" lang="de-DE" sz="1600" spc="-1" strike="noStrike">
+                <a:latin typeface="Arial"/>
+                <a:ea typeface="Noto Sans CJK SC Regular"/>
+              </a:rPr>
+              <a:t>(1) </a:t>
+            </a:r>
+            <a:r>
+              <a:rPr b="1" lang="de-DE" sz="1600" spc="-1" strike="noStrike">
+                <a:latin typeface="Arial"/>
+                <a:ea typeface="Noto Sans CJK SC Regular"/>
+              </a:rPr>
+              <a:t>exponential decay</a:t>
+            </a:r>
+            <a:r>
+              <a:rPr b="0" lang="de-DE" sz="1600" spc="-1" strike="noStrike">
+                <a:latin typeface="Arial"/>
+                <a:ea typeface="Noto Sans CJK SC Regular"/>
+              </a:rPr>
+              <a:t> over time, converging toward constant uWF; </a:t>
+            </a:r>
+            <a:br/>
+            <a:r>
+              <a:rPr b="0" lang="de-DE" sz="1600" spc="-1" strike="noStrike">
+                <a:latin typeface="Arial"/>
+                <a:ea typeface="Noto Sans CJK SC Regular"/>
+              </a:rPr>
+              <a:t>	</a:t>
+            </a:r>
+            <a:r>
+              <a:rPr b="0" lang="de-DE" sz="1600" spc="-1" strike="noStrike">
+                <a:latin typeface="Arial"/>
+                <a:ea typeface="Noto Sans CJK SC Regular"/>
+              </a:rPr>
+              <a:t>(2) strongly </a:t>
+            </a:r>
+            <a:r>
+              <a:rPr b="1" lang="de-DE" sz="1600" spc="-1" strike="noStrike">
+                <a:latin typeface="Arial"/>
+                <a:ea typeface="Noto Sans CJK SC Regular"/>
+              </a:rPr>
+              <a:t>fluctuating</a:t>
+            </a:r>
+            <a:r>
+              <a:rPr b="0" lang="de-DE" sz="1600" spc="-1" strike="noStrike">
+                <a:latin typeface="Arial"/>
+                <a:ea typeface="Noto Sans CJK SC Regular"/>
+              </a:rPr>
+              <a:t> uWF (unknown reasons); </a:t>
+            </a:r>
+            <a:br/>
+            <a:r>
+              <a:rPr b="0" lang="de-DE" sz="1600" spc="-1" strike="noStrike">
+                <a:latin typeface="Arial"/>
+                <a:ea typeface="Noto Sans CJK SC Regular"/>
+              </a:rPr>
+              <a:t>	</a:t>
+            </a:r>
+            <a:r>
+              <a:rPr b="0" lang="de-DE" sz="1600" spc="-1" strike="noStrike">
+                <a:latin typeface="Arial"/>
+                <a:ea typeface="Noto Sans CJK SC Regular"/>
+              </a:rPr>
+              <a:t>(3) </a:t>
+            </a:r>
+            <a:r>
+              <a:rPr b="1" lang="de-DE" sz="1600" spc="-1" strike="noStrike">
+                <a:latin typeface="Arial"/>
+                <a:ea typeface="Noto Sans CJK SC Regular"/>
+              </a:rPr>
+              <a:t>constant</a:t>
+            </a:r>
+            <a:r>
+              <a:rPr b="0" lang="de-DE" sz="1600" spc="-1" strike="noStrike">
+                <a:latin typeface="Arial"/>
+                <a:ea typeface="Noto Sans CJK SC Regular"/>
+              </a:rPr>
+              <a:t> uWF over many years, some </a:t>
+            </a:r>
+            <a:r>
+              <a:rPr b="1" lang="de-DE" sz="1600" spc="-1" strike="noStrike">
+                <a:latin typeface="Arial"/>
+                <a:ea typeface="Noto Sans CJK SC Regular"/>
+              </a:rPr>
+              <a:t>decline suddenly</a:t>
+            </a:r>
+            <a:r>
+              <a:rPr b="0" lang="de-DE" sz="1600" spc="-1" strike="noStrike">
+                <a:latin typeface="Arial"/>
+                <a:ea typeface="Noto Sans CJK SC Regular"/>
+              </a:rPr>
+              <a:t>; </a:t>
+            </a:r>
+            <a:br/>
+            <a:r>
+              <a:rPr b="0" lang="de-DE" sz="1600" spc="-1" strike="noStrike">
+                <a:latin typeface="Arial"/>
+                <a:ea typeface="Noto Sans CJK SC Regular"/>
+              </a:rPr>
+              <a:t>	</a:t>
+            </a:r>
+            <a:r>
+              <a:rPr b="0" lang="de-DE" sz="1600" spc="-1" strike="noStrike">
+                <a:latin typeface="Arial"/>
+                <a:ea typeface="Noto Sans CJK SC Regular"/>
+              </a:rPr>
+              <a:t>(4) a seemingly </a:t>
+            </a:r>
+            <a:r>
+              <a:rPr b="1" lang="de-DE" sz="1600" spc="-1" strike="noStrike">
+                <a:latin typeface="Arial"/>
+                <a:ea typeface="Noto Sans CJK SC Regular"/>
+              </a:rPr>
+              <a:t>random</a:t>
+            </a:r>
+            <a:r>
+              <a:rPr b="0" lang="de-DE" sz="1600" spc="-1" strike="noStrike">
+                <a:latin typeface="Arial"/>
+                <a:ea typeface="Noto Sans CJK SC Regular"/>
+              </a:rPr>
+              <a:t> behavior.</a:t>
+            </a:r>
+            <a:br/>
+            <a:r>
+              <a:rPr b="0" lang="de-DE" sz="1600" spc="-1" strike="noStrike">
+                <a:latin typeface="Arial"/>
+                <a:ea typeface="Noto Sans CJK SC Regular"/>
+              </a:rPr>
+              <a:t>+ Few </a:t>
+            </a:r>
+            <a:r>
+              <a:rPr b="1" lang="de-DE" sz="1600" spc="-1" strike="noStrike">
+                <a:latin typeface="Arial"/>
+                <a:ea typeface="Noto Sans CJK SC Regular"/>
+              </a:rPr>
+              <a:t>extremely high uWFs</a:t>
+            </a:r>
+            <a:r>
+              <a:rPr b="0" lang="de-DE" sz="1600" spc="-1" strike="noStrike">
+                <a:latin typeface="Arial"/>
+                <a:ea typeface="Noto Sans CJK SC Regular"/>
+              </a:rPr>
+              <a:t> (&gt; 10,000 l/kg) occur for few products/countries (e.g., grapes in Netherlands, maize in Marocco) that could be considered outliers/erroneous data; but: lack of knowledge!</a:t>
+            </a:r>
+            <a:endParaRPr b="0" lang="de-DE" sz="1600" spc="-1" strike="noStrike">
+              <a:latin typeface="Arial"/>
+            </a:endParaRPr>
+          </a:p>
+          <a:p>
+            <a:pPr>
+              <a:lnSpc>
+                <a:spcPct val="115000"/>
+              </a:lnSpc>
+            </a:pPr>
+            <a:r>
+              <a:rPr b="0" lang="de-DE" sz="1600" spc="-1" strike="noStrike">
+                <a:latin typeface="Arial"/>
+                <a:ea typeface="Noto Sans CJK SC Regular"/>
+              </a:rPr>
+              <a:t>+ Except for cherries, we find at least an average trend of a decreasing uWF over time for most countries.</a:t>
+            </a:r>
+            <a:br/>
+            <a:endParaRPr b="0" lang="de-DE" sz="1600" spc="-1" strike="noStrike">
+              <a:latin typeface="Arial"/>
+            </a:endParaRPr>
+          </a:p>
+        </p:txBody>
+      </p:sp>
       <p:pic>
         <p:nvPicPr>
-          <p:cNvPr id="44" name="" descr=""/>
+          <p:cNvPr id="80" name="" descr=""/>
           <p:cNvPicPr/>
           <p:nvPr/>
         </p:nvPicPr>
@@ -2077,8 +3742,8 @@
         </p:blipFill>
         <p:spPr>
           <a:xfrm>
-            <a:off x="360360" y="3204000"/>
-            <a:ext cx="6839640" cy="3796200"/>
+            <a:off x="30240" y="4312440"/>
+            <a:ext cx="7559280" cy="4195800"/>
           </a:xfrm>
           <a:prstGeom prst="rect">
             <a:avLst/>
@@ -2088,201 +3753,6 @@
           </a:ln>
         </p:spPr>
       </p:pic>
-      <p:sp>
-        <p:nvSpPr>
-          <p:cNvPr id="45" name="TextShape 1"/>
-          <p:cNvSpPr txBox="1"/>
-          <p:nvPr/>
-        </p:nvSpPr>
-        <p:spPr>
-          <a:xfrm>
-            <a:off x="504000" y="509040"/>
-            <a:ext cx="6616440" cy="2658960"/>
-          </a:xfrm>
-          <a:prstGeom prst="rect">
-            <a:avLst/>
-          </a:prstGeom>
-          <a:noFill/>
-          <a:ln>
-            <a:noFill/>
-          </a:ln>
-        </p:spPr>
-        <p:txBody>
-          <a:bodyPr lIns="0" rIns="0" tIns="0" bIns="0">
-            <a:spAutoFit/>
-          </a:bodyPr>
-          <a:p>
-            <a:pPr>
-              <a:lnSpc>
-                <a:spcPct val="115000"/>
-              </a:lnSpc>
-            </a:pPr>
-            <a:r>
-              <a:rPr b="0" lang="de-DE" sz="1600" spc="-1" strike="noStrike">
-                <a:latin typeface="Arial"/>
-                <a:ea typeface="Noto Sans CJK SC Regular"/>
-              </a:rPr>
-              <a:t>+ From 1960-2016, uWF changes vary dramatically among countries and products. Nevertheless, a few typical patterns can be observed:</a:t>
-            </a:r>
-            <a:br/>
-            <a:r>
-              <a:rPr b="0" lang="de-DE" sz="1600" spc="-1" strike="noStrike">
-                <a:latin typeface="Arial"/>
-                <a:ea typeface="Noto Sans CJK SC Regular"/>
-              </a:rPr>
-              <a:t>	</a:t>
-            </a:r>
-            <a:r>
-              <a:rPr b="0" lang="de-DE" sz="1600" spc="-1" strike="noStrike">
-                <a:latin typeface="Arial"/>
-                <a:ea typeface="Noto Sans CJK SC Regular"/>
-              </a:rPr>
-              <a:t>(1) </a:t>
-            </a:r>
-            <a:r>
-              <a:rPr b="1" lang="de-DE" sz="1600" spc="-1" strike="noStrike">
-                <a:latin typeface="Arial"/>
-                <a:ea typeface="Noto Sans CJK SC Regular"/>
-              </a:rPr>
-              <a:t>exponential decay</a:t>
-            </a:r>
-            <a:r>
-              <a:rPr b="0" lang="de-DE" sz="1600" spc="-1" strike="noStrike">
-                <a:latin typeface="Arial"/>
-                <a:ea typeface="Noto Sans CJK SC Regular"/>
-              </a:rPr>
-              <a:t> over time, converging toward constant uWF; </a:t>
-            </a:r>
-            <a:br/>
-            <a:r>
-              <a:rPr b="0" lang="de-DE" sz="1600" spc="-1" strike="noStrike">
-                <a:latin typeface="Arial"/>
-                <a:ea typeface="Noto Sans CJK SC Regular"/>
-              </a:rPr>
-              <a:t>	</a:t>
-            </a:r>
-            <a:r>
-              <a:rPr b="0" lang="de-DE" sz="1600" spc="-1" strike="noStrike">
-                <a:latin typeface="Arial"/>
-                <a:ea typeface="Noto Sans CJK SC Regular"/>
-              </a:rPr>
-              <a:t>(2) strongly </a:t>
-            </a:r>
-            <a:r>
-              <a:rPr b="1" lang="de-DE" sz="1600" spc="-1" strike="noStrike">
-                <a:latin typeface="Arial"/>
-                <a:ea typeface="Noto Sans CJK SC Regular"/>
-              </a:rPr>
-              <a:t>fluctuating</a:t>
-            </a:r>
-            <a:r>
-              <a:rPr b="0" lang="de-DE" sz="1600" spc="-1" strike="noStrike">
-                <a:latin typeface="Arial"/>
-                <a:ea typeface="Noto Sans CJK SC Regular"/>
-              </a:rPr>
-              <a:t> uWF (unknown reasons); </a:t>
-            </a:r>
-            <a:br/>
-            <a:r>
-              <a:rPr b="0" lang="de-DE" sz="1600" spc="-1" strike="noStrike">
-                <a:latin typeface="Arial"/>
-                <a:ea typeface="Noto Sans CJK SC Regular"/>
-              </a:rPr>
-              <a:t>	</a:t>
-            </a:r>
-            <a:r>
-              <a:rPr b="0" lang="de-DE" sz="1600" spc="-1" strike="noStrike">
-                <a:latin typeface="Arial"/>
-                <a:ea typeface="Noto Sans CJK SC Regular"/>
-              </a:rPr>
-              <a:t>(3) </a:t>
-            </a:r>
-            <a:r>
-              <a:rPr b="1" lang="de-DE" sz="1600" spc="-1" strike="noStrike">
-                <a:latin typeface="Arial"/>
-                <a:ea typeface="Noto Sans CJK SC Regular"/>
-              </a:rPr>
-              <a:t>constant</a:t>
-            </a:r>
-            <a:r>
-              <a:rPr b="0" lang="de-DE" sz="1600" spc="-1" strike="noStrike">
-                <a:latin typeface="Arial"/>
-                <a:ea typeface="Noto Sans CJK SC Regular"/>
-              </a:rPr>
-              <a:t> uWF over many years, some until </a:t>
-            </a:r>
-            <a:r>
-              <a:rPr b="1" lang="de-DE" sz="1600" spc="-1" strike="noStrike">
-                <a:latin typeface="Arial"/>
-                <a:ea typeface="Noto Sans CJK SC Regular"/>
-              </a:rPr>
-              <a:t>sudden decline</a:t>
-            </a:r>
-            <a:r>
-              <a:rPr b="0" lang="de-DE" sz="1600" spc="-1" strike="noStrike">
-                <a:latin typeface="Arial"/>
-                <a:ea typeface="Noto Sans CJK SC Regular"/>
-              </a:rPr>
-              <a:t>; </a:t>
-            </a:r>
-            <a:br/>
-            <a:r>
-              <a:rPr b="0" lang="de-DE" sz="1600" spc="-1" strike="noStrike">
-                <a:latin typeface="Arial"/>
-                <a:ea typeface="Noto Sans CJK SC Regular"/>
-              </a:rPr>
-              <a:t>	</a:t>
-            </a:r>
-            <a:r>
-              <a:rPr b="0" lang="de-DE" sz="1600" spc="-1" strike="noStrike">
-                <a:latin typeface="Arial"/>
-                <a:ea typeface="Noto Sans CJK SC Regular"/>
-              </a:rPr>
-              <a:t>(4) a seemingly </a:t>
-            </a:r>
-            <a:r>
-              <a:rPr b="1" lang="de-DE" sz="1600" spc="-1" strike="noStrike">
-                <a:latin typeface="Arial"/>
-                <a:ea typeface="Noto Sans CJK SC Regular"/>
-              </a:rPr>
-              <a:t>random</a:t>
-            </a:r>
-            <a:r>
-              <a:rPr b="0" lang="de-DE" sz="1600" spc="-1" strike="noStrike">
-                <a:latin typeface="Arial"/>
-                <a:ea typeface="Noto Sans CJK SC Regular"/>
-              </a:rPr>
-              <a:t> behavior.</a:t>
-            </a:r>
-            <a:br/>
-            <a:r>
-              <a:rPr b="0" lang="de-DE" sz="1600" spc="-1" strike="noStrike">
-                <a:latin typeface="Arial"/>
-                <a:ea typeface="Noto Sans CJK SC Regular"/>
-              </a:rPr>
-              <a:t>+ Few </a:t>
-            </a:r>
-            <a:r>
-              <a:rPr b="1" lang="de-DE" sz="1600" spc="-1" strike="noStrike">
-                <a:latin typeface="Arial"/>
-                <a:ea typeface="Noto Sans CJK SC Regular"/>
-              </a:rPr>
-              <a:t>extremely high uWFs</a:t>
-            </a:r>
-            <a:r>
-              <a:rPr b="0" lang="de-DE" sz="1600" spc="-1" strike="noStrike">
-                <a:latin typeface="Arial"/>
-                <a:ea typeface="Noto Sans CJK SC Regular"/>
-              </a:rPr>
-              <a:t> (&gt; 10,000 l/kg) occur for few products/countries (e.g., grapes in Netherlands, maize in Marocco) that could be considered outliers/erroneous data; but lack of knowledge!</a:t>
-            </a:r>
-            <a:br/>
-            <a:endParaRPr b="0" lang="de-DE" sz="1600" spc="-1" strike="noStrike">
-              <a:latin typeface="Arial"/>
-            </a:endParaRPr>
-          </a:p>
-        </p:txBody>
-      </p:sp>
     </p:spTree>
   </p:cSld>
   <mc:AlternateContent>
@@ -2300,6 +3770,413 @@
           <p:childTnLst>
             <p:seq>
               <p:cTn id="4" dur="indefinite" nodeType="mainSeq"/>
+              <p:prevCondLst>
+                <p:cond delay="0" evt="onPrev">
+                  <p:tgtEl>
+                    <p:sldTgt/>
+                  </p:tgtEl>
+                </p:cond>
+              </p:prevCondLst>
+              <p:nextCondLst>
+                <p:cond delay="0" evt="onNext">
+                  <p:tgtEl>
+                    <p:sldTgt/>
+                  </p:tgtEl>
+                </p:cond>
+              </p:nextCondLst>
+            </p:seq>
+          </p:childTnLst>
+        </p:cTn>
+      </p:par>
+    </p:tnLst>
+  </p:timing>
+</p:sld>
+</file>
+
+<file path=ppt/slides/slide3.xml><?xml version="1.0" encoding="utf-8"?>
+<p:sld xmlns:a="http://schemas.openxmlformats.org/drawingml/2006/main" xmlns:p="http://schemas.openxmlformats.org/presentationml/2006/main" xmlns:r="http://schemas.openxmlformats.org/officeDocument/2006/relationships" xmlns:p14="http://schemas.microsoft.com/office/powerpoint/2010/main" xmlns:p15="http://schemas.microsoft.com/office/powerpoint/2012/main" xmlns:mc="http://schemas.openxmlformats.org/markup-compatibility/2006">
+  <p:cSld>
+    <p:spTree>
+      <p:nvGrpSpPr>
+        <p:cNvPr id="1" name=""/>
+        <p:cNvGrpSpPr/>
+        <p:nvPr/>
+      </p:nvGrpSpPr>
+      <p:grpSpPr>
+        <a:xfrm>
+          <a:off x="0" y="0"/>
+          <a:ext cx="0" cy="0"/>
+          <a:chOff x="0" y="0"/>
+          <a:chExt cx="0" cy="0"/>
+        </a:xfrm>
+      </p:grpSpPr>
+      <p:sp>
+        <p:nvSpPr>
+          <p:cNvPr id="81" name="CustomShape 1"/>
+          <p:cNvSpPr/>
+          <p:nvPr/>
+        </p:nvSpPr>
+        <p:spPr>
+          <a:xfrm>
+            <a:off x="499320" y="293760"/>
+            <a:ext cx="6623640" cy="610200"/>
+          </a:xfrm>
+          <a:prstGeom prst="rect">
+            <a:avLst/>
+          </a:prstGeom>
+          <a:noFill/>
+          <a:ln>
+            <a:noFill/>
+          </a:ln>
+        </p:spPr>
+        <p:style>
+          <a:lnRef idx="0"/>
+          <a:fillRef idx="0"/>
+          <a:effectRef idx="0"/>
+          <a:fontRef idx="minor"/>
+        </p:style>
+        <p:txBody>
+          <a:bodyPr lIns="0" rIns="0" tIns="0" bIns="0">
+            <a:spAutoFit/>
+          </a:bodyPr>
+          <a:p>
+            <a:pPr>
+              <a:lnSpc>
+                <a:spcPct val="100000"/>
+              </a:lnSpc>
+            </a:pPr>
+            <a:r>
+              <a:rPr b="0" lang="de-DE" sz="2000" spc="-1" strike="noStrike">
+                <a:latin typeface="Arial"/>
+              </a:rPr>
+              <a:t>Q9: How is the unit water footprint (uWF) distributed among the different products/countries over time?</a:t>
+            </a:r>
+            <a:endParaRPr b="0" lang="de-DE" sz="2000" spc="-1" strike="noStrike">
+              <a:latin typeface="Arial"/>
+            </a:endParaRPr>
+          </a:p>
+        </p:txBody>
+      </p:sp>
+      <p:sp>
+        <p:nvSpPr>
+          <p:cNvPr id="82" name="CustomShape 2"/>
+          <p:cNvSpPr/>
+          <p:nvPr/>
+        </p:nvSpPr>
+        <p:spPr>
+          <a:xfrm>
+            <a:off x="720000" y="977400"/>
+            <a:ext cx="6393600" cy="1677960"/>
+          </a:xfrm>
+          <a:prstGeom prst="rect">
+            <a:avLst/>
+          </a:prstGeom>
+          <a:noFill/>
+          <a:ln>
+            <a:noFill/>
+          </a:ln>
+        </p:spPr>
+        <p:style>
+          <a:lnRef idx="0"/>
+          <a:fillRef idx="0"/>
+          <a:effectRef idx="0"/>
+          <a:fontRef idx="minor"/>
+        </p:style>
+        <p:txBody>
+          <a:bodyPr lIns="0" rIns="0" tIns="0" bIns="0">
+            <a:spAutoFit/>
+          </a:bodyPr>
+          <a:p>
+            <a:pPr>
+              <a:lnSpc>
+                <a:spcPct val="115000"/>
+              </a:lnSpc>
+            </a:pPr>
+            <a:r>
+              <a:rPr b="0" lang="de-DE" sz="1600" spc="-1" strike="noStrike">
+                <a:latin typeface="Arial"/>
+                <a:ea typeface="Noto Sans CJK SC Regular"/>
+              </a:rPr>
+              <a:t>+ Indepent of some extreme values, uWF varies more among products than among countries.</a:t>
+            </a:r>
+            <a:endParaRPr b="0" lang="de-DE" sz="1600" spc="-1" strike="noStrike">
+              <a:latin typeface="Arial"/>
+            </a:endParaRPr>
+          </a:p>
+          <a:p>
+            <a:pPr>
+              <a:lnSpc>
+                <a:spcPct val="115000"/>
+              </a:lnSpc>
+            </a:pPr>
+            <a:r>
+              <a:rPr b="0" lang="de-DE" sz="1600" spc="-1" strike="noStrike">
+                <a:latin typeface="Arial"/>
+                <a:ea typeface="Noto Sans CJK SC Regular"/>
+              </a:rPr>
+              <a:t>+ uWF varies strongly (sdev &gt; 500 l/kg) for some products, such as cherries, asparagus, maize while other products hardly vary in their uWF (sdev &lt; 100 l/kg) </a:t>
+            </a:r>
+            <a:r>
+              <a:rPr b="0" lang="de-DE" sz="1600" spc="-1" strike="noStrike">
+                <a:latin typeface="Arial"/>
+                <a:ea typeface="Noto Sans CJK SC Regular"/>
+              </a:rPr>
+              <a:t>such as potatoes, lettuce, chilies (see below).</a:t>
+            </a:r>
+            <a:endParaRPr b="0" lang="de-DE" sz="1600" spc="-1" strike="noStrike">
+              <a:latin typeface="Arial"/>
+            </a:endParaRPr>
+          </a:p>
+          <a:p>
+            <a:pPr>
+              <a:lnSpc>
+                <a:spcPct val="115000"/>
+              </a:lnSpc>
+            </a:pPr>
+            <a:r>
+              <a:rPr b="0" lang="de-DE" sz="1600" spc="-1" strike="noStrike">
+                <a:latin typeface="Arial"/>
+                <a:ea typeface="Noto Sans CJK SC Regular"/>
+              </a:rPr>
+              <a:t>+ </a:t>
+            </a:r>
+            <a:endParaRPr b="0" lang="de-DE" sz="1600" spc="-1" strike="noStrike">
+              <a:latin typeface="Arial"/>
+            </a:endParaRPr>
+          </a:p>
+        </p:txBody>
+      </p:sp>
+      <p:pic>
+        <p:nvPicPr>
+          <p:cNvPr id="83" name="" descr=""/>
+          <p:cNvPicPr/>
+          <p:nvPr/>
+        </p:nvPicPr>
+        <p:blipFill>
+          <a:blip r:embed="rId1"/>
+          <a:stretch/>
+        </p:blipFill>
+        <p:spPr>
+          <a:xfrm>
+            <a:off x="36000" y="3880080"/>
+            <a:ext cx="7481520" cy="6341400"/>
+          </a:xfrm>
+          <a:prstGeom prst="rect">
+            <a:avLst/>
+          </a:prstGeom>
+          <a:ln>
+            <a:noFill/>
+          </a:ln>
+        </p:spPr>
+      </p:pic>
+    </p:spTree>
+  </p:cSld>
+  <mc:AlternateContent>
+    <mc:Choice Requires="p14">
+      <p:transition spd="slow" p14:dur="2000"/>
+    </mc:Choice>
+    <mc:Fallback>
+      <p:transition spd="slow"/>
+    </mc:Fallback>
+  </mc:AlternateContent>
+  <p:timing>
+    <p:tnLst>
+      <p:par>
+        <p:cTn id="5" dur="indefinite" restart="never" nodeType="tmRoot">
+          <p:childTnLst>
+            <p:seq>
+              <p:cTn id="6" dur="indefinite" nodeType="mainSeq"/>
+              <p:prevCondLst>
+                <p:cond delay="0" evt="onPrev">
+                  <p:tgtEl>
+                    <p:sldTgt/>
+                  </p:tgtEl>
+                </p:cond>
+              </p:prevCondLst>
+              <p:nextCondLst>
+                <p:cond delay="0" evt="onNext">
+                  <p:tgtEl>
+                    <p:sldTgt/>
+                  </p:tgtEl>
+                </p:cond>
+              </p:nextCondLst>
+            </p:seq>
+          </p:childTnLst>
+        </p:cTn>
+      </p:par>
+    </p:tnLst>
+  </p:timing>
+</p:sld>
+</file>
+
+<file path=ppt/slides/slide4.xml><?xml version="1.0" encoding="utf-8"?>
+<p:sld xmlns:a="http://schemas.openxmlformats.org/drawingml/2006/main" xmlns:p="http://schemas.openxmlformats.org/presentationml/2006/main" xmlns:r="http://schemas.openxmlformats.org/officeDocument/2006/relationships" xmlns:p14="http://schemas.microsoft.com/office/powerpoint/2010/main" xmlns:p15="http://schemas.microsoft.com/office/powerpoint/2012/main" xmlns:mc="http://schemas.openxmlformats.org/markup-compatibility/2006">
+  <p:cSld>
+    <p:spTree>
+      <p:nvGrpSpPr>
+        <p:cNvPr id="1" name=""/>
+        <p:cNvGrpSpPr/>
+        <p:nvPr/>
+      </p:nvGrpSpPr>
+      <p:grpSpPr>
+        <a:xfrm>
+          <a:off x="0" y="0"/>
+          <a:ext cx="0" cy="0"/>
+          <a:chOff x="0" y="0"/>
+          <a:chExt cx="0" cy="0"/>
+        </a:xfrm>
+      </p:grpSpPr>
+      <p:pic>
+        <p:nvPicPr>
+          <p:cNvPr id="84" name="" descr=""/>
+          <p:cNvPicPr/>
+          <p:nvPr/>
+        </p:nvPicPr>
+        <p:blipFill>
+          <a:blip r:embed="rId1"/>
+          <a:stretch/>
+        </p:blipFill>
+        <p:spPr>
+          <a:xfrm>
+            <a:off x="396000" y="52560"/>
+            <a:ext cx="6727680" cy="10639440"/>
+          </a:xfrm>
+          <a:prstGeom prst="rect">
+            <a:avLst/>
+          </a:prstGeom>
+          <a:ln>
+            <a:noFill/>
+          </a:ln>
+        </p:spPr>
+      </p:pic>
+    </p:spTree>
+  </p:cSld>
+  <mc:AlternateContent>
+    <mc:Choice Requires="p14">
+      <p:transition spd="slow" p14:dur="2000"/>
+    </mc:Choice>
+    <mc:Fallback>
+      <p:transition spd="slow"/>
+    </mc:Fallback>
+  </mc:AlternateContent>
+  <p:timing>
+    <p:tnLst>
+      <p:par>
+        <p:cTn id="7" dur="indefinite" restart="never" nodeType="tmRoot">
+          <p:childTnLst>
+            <p:seq>
+              <p:cTn id="8" dur="indefinite" nodeType="mainSeq"/>
+              <p:prevCondLst>
+                <p:cond delay="0" evt="onPrev">
+                  <p:tgtEl>
+                    <p:sldTgt/>
+                  </p:tgtEl>
+                </p:cond>
+              </p:prevCondLst>
+              <p:nextCondLst>
+                <p:cond delay="0" evt="onNext">
+                  <p:tgtEl>
+                    <p:sldTgt/>
+                  </p:tgtEl>
+                </p:cond>
+              </p:nextCondLst>
+            </p:seq>
+          </p:childTnLst>
+        </p:cTn>
+      </p:par>
+    </p:tnLst>
+  </p:timing>
+</p:sld>
+</file>
+
+<file path=ppt/slides/slide5.xml><?xml version="1.0" encoding="utf-8"?>
+<p:sld xmlns:a="http://schemas.openxmlformats.org/drawingml/2006/main" xmlns:p="http://schemas.openxmlformats.org/presentationml/2006/main" xmlns:r="http://schemas.openxmlformats.org/officeDocument/2006/relationships" xmlns:p14="http://schemas.microsoft.com/office/powerpoint/2010/main" xmlns:p15="http://schemas.microsoft.com/office/powerpoint/2012/main" xmlns:mc="http://schemas.openxmlformats.org/markup-compatibility/2006">
+  <p:cSld>
+    <p:spTree>
+      <p:nvGrpSpPr>
+        <p:cNvPr id="1" name=""/>
+        <p:cNvGrpSpPr/>
+        <p:nvPr/>
+      </p:nvGrpSpPr>
+      <p:grpSpPr>
+        <a:xfrm>
+          <a:off x="0" y="0"/>
+          <a:ext cx="0" cy="0"/>
+          <a:chOff x="0" y="0"/>
+          <a:chExt cx="0" cy="0"/>
+        </a:xfrm>
+      </p:grpSpPr>
+      <p:sp>
+        <p:nvSpPr>
+          <p:cNvPr id="85" name="TextShape 1"/>
+          <p:cNvSpPr txBox="1"/>
+          <p:nvPr/>
+        </p:nvSpPr>
+        <p:spPr>
+          <a:xfrm>
+            <a:off x="702000" y="696600"/>
+            <a:ext cx="6155280" cy="1785240"/>
+          </a:xfrm>
+          <a:prstGeom prst="rect">
+            <a:avLst/>
+          </a:prstGeom>
+          <a:noFill/>
+          <a:ln>
+            <a:noFill/>
+          </a:ln>
+        </p:spPr>
+        <p:txBody>
+          <a:bodyPr lIns="0" rIns="0" tIns="0" bIns="0" anchor="ctr">
+            <a:spAutoFit/>
+          </a:bodyPr>
+          <a:p>
+            <a:pPr algn="ctr"/>
+            <a:endParaRPr b="0" lang="de-DE" sz="4400" spc="-1" strike="noStrike">
+              <a:latin typeface="Arial"/>
+            </a:endParaRPr>
+          </a:p>
+        </p:txBody>
+      </p:sp>
+      <p:pic>
+        <p:nvPicPr>
+          <p:cNvPr id="86" name="" descr=""/>
+          <p:cNvPicPr/>
+          <p:nvPr/>
+        </p:nvPicPr>
+        <p:blipFill>
+          <a:blip r:embed="rId1"/>
+          <a:stretch/>
+        </p:blipFill>
+        <p:spPr>
+          <a:xfrm>
+            <a:off x="540000" y="81720"/>
+            <a:ext cx="6660360" cy="10553760"/>
+          </a:xfrm>
+          <a:prstGeom prst="rect">
+            <a:avLst/>
+          </a:prstGeom>
+          <a:ln>
+            <a:noFill/>
+          </a:ln>
+        </p:spPr>
+      </p:pic>
+    </p:spTree>
+  </p:cSld>
+  <mc:AlternateContent>
+    <mc:Choice Requires="p14">
+      <p:transition spd="slow" p14:dur="2000"/>
+    </mc:Choice>
+    <mc:Fallback>
+      <p:transition spd="slow"/>
+    </mc:Fallback>
+  </mc:AlternateContent>
+  <p:timing>
+    <p:tnLst>
+      <p:par>
+        <p:cTn id="9" dur="indefinite" restart="never" nodeType="tmRoot">
+          <p:childTnLst>
+            <p:seq>
+              <p:cTn id="10" dur="indefinite" nodeType="mainSeq"/>
               <p:prevCondLst>
                 <p:cond delay="0" evt="onPrev">
                   <p:tgtEl>
@@ -2544,4 +4421,227 @@
     </a:fmtScheme>
   </a:themeElements>
 </a:theme>
+</file>
+
+<file path=ppt/theme/theme2.xml><?xml version="1.0" encoding="utf-8"?>
+<a:theme xmlns:a="http://schemas.openxmlformats.org/drawingml/2006/main" name="Office Theme">
+  <a:themeElements>
+    <a:clrScheme name="Office">
+      <a:dk1>
+        <a:sysClr val="windowText" lastClr="000000"/>
+      </a:dk1>
+      <a:lt1>
+        <a:sysClr val="window" lastClr="FFFFFF"/>
+      </a:lt1>
+      <a:dk2>
+        <a:srgbClr val="1f497d"/>
+      </a:dk2>
+      <a:lt2>
+        <a:srgbClr val="eeece1"/>
+      </a:lt2>
+      <a:accent1>
+        <a:srgbClr val="4f81bd"/>
+      </a:accent1>
+      <a:accent2>
+        <a:srgbClr val="c0504d"/>
+      </a:accent2>
+      <a:accent3>
+        <a:srgbClr val="9bbb59"/>
+      </a:accent3>
+      <a:accent4>
+        <a:srgbClr val="8064a2"/>
+      </a:accent4>
+      <a:accent5>
+        <a:srgbClr val="4bacc6"/>
+      </a:accent5>
+      <a:accent6>
+        <a:srgbClr val="f79646"/>
+      </a:accent6>
+      <a:hlink>
+        <a:srgbClr val="0000ff"/>
+      </a:hlink>
+      <a:folHlink>
+        <a:srgbClr val="800080"/>
+      </a:folHlink>
+    </a:clrScheme>
+    <a:fontScheme name="Office">
+      <a:majorFont>
+        <a:latin typeface="Arial"/>
+        <a:ea typeface="DejaVu Sans"/>
+        <a:cs typeface="DejaVu Sans"/>
+      </a:majorFont>
+      <a:minorFont>
+        <a:latin typeface="Arial"/>
+        <a:ea typeface="DejaVu Sans"/>
+        <a:cs typeface="DejaVu Sans"/>
+      </a:minorFont>
+    </a:fontScheme>
+    <a:fmtScheme name="Office">
+      <a:fillStyleLst>
+        <a:solidFill>
+          <a:schemeClr val="phClr"/>
+        </a:solidFill>
+        <a:gradFill rotWithShape="1">
+          <a:gsLst>
+            <a:gs pos="0">
+              <a:schemeClr val="phClr">
+                <a:tint val="50000"/>
+                <a:satMod val="300000"/>
+              </a:schemeClr>
+            </a:gs>
+            <a:gs pos="35000">
+              <a:schemeClr val="phClr">
+                <a:tint val="37000"/>
+                <a:satMod val="300000"/>
+              </a:schemeClr>
+            </a:gs>
+            <a:gs pos="100000">
+              <a:schemeClr val="phClr">
+                <a:tint val="15000"/>
+                <a:satMod val="350000"/>
+              </a:schemeClr>
+            </a:gs>
+          </a:gsLst>
+          <a:lin ang="16200000" scaled="1"/>
+        </a:gradFill>
+        <a:gradFill rotWithShape="1">
+          <a:gsLst>
+            <a:gs pos="0">
+              <a:schemeClr val="phClr">
+                <a:shade val="51000"/>
+                <a:satMod val="130000"/>
+              </a:schemeClr>
+            </a:gs>
+            <a:gs pos="80000">
+              <a:schemeClr val="phClr">
+                <a:shade val="93000"/>
+                <a:satMod val="130000"/>
+              </a:schemeClr>
+            </a:gs>
+            <a:gs pos="100000">
+              <a:schemeClr val="phClr">
+                <a:shade val="94000"/>
+                <a:satMod val="135000"/>
+              </a:schemeClr>
+            </a:gs>
+          </a:gsLst>
+          <a:lin ang="16200000" scaled="0"/>
+        </a:gradFill>
+      </a:fillStyleLst>
+      <a:lnStyleLst>
+        <a:ln w="9525" cap="flat" cmpd="sng" algn="ctr">
+          <a:solidFill>
+            <a:schemeClr val="phClr">
+              <a:shade val="95000"/>
+              <a:satMod val="105000"/>
+            </a:schemeClr>
+          </a:solidFill>
+          <a:prstDash val="solid"/>
+        </a:ln>
+        <a:ln w="25400" cap="flat" cmpd="sng" algn="ctr">
+          <a:solidFill>
+            <a:schemeClr val="phClr"/>
+          </a:solidFill>
+          <a:prstDash val="solid"/>
+        </a:ln>
+        <a:ln w="38100" cap="flat" cmpd="sng" algn="ctr">
+          <a:solidFill>
+            <a:schemeClr val="phClr"/>
+          </a:solidFill>
+          <a:prstDash val="solid"/>
+        </a:ln>
+      </a:lnStyleLst>
+      <a:effectStyleLst>
+        <a:effectStyle>
+          <a:effectLst>
+            <a:outerShdw blurRad="40000" dist="20000" dir="5400000" rotWithShape="0">
+              <a:srgbClr val="000000">
+                <a:alpha val="38000"/>
+              </a:srgbClr>
+            </a:outerShdw>
+          </a:effectLst>
+        </a:effectStyle>
+        <a:effectStyle>
+          <a:effectLst>
+            <a:outerShdw blurRad="40000" dist="23000" dir="5400000" rotWithShape="0">
+              <a:srgbClr val="000000">
+                <a:alpha val="35000"/>
+              </a:srgbClr>
+            </a:outerShdw>
+          </a:effectLst>
+        </a:effectStyle>
+        <a:effectStyle>
+          <a:effectLst>
+            <a:outerShdw blurRad="40000" dist="23000" dir="5400000" rotWithShape="0">
+              <a:srgbClr val="000000">
+                <a:alpha val="35000"/>
+              </a:srgbClr>
+            </a:outerShdw>
+          </a:effectLst>
+          <a:scene3d>
+            <a:camera prst="orthographicFront">
+              <a:rot lat="0" lon="0" rev="0"/>
+            </a:camera>
+            <a:lightRig rig="threePt" dir="t">
+              <a:rot lat="0" lon="0" rev="1200000"/>
+            </a:lightRig>
+          </a:scene3d>
+          <a:sp3d>
+            <a:bevelT w="63500" h="25400"/>
+          </a:sp3d>
+        </a:effectStyle>
+      </a:effectStyleLst>
+      <a:bgFillStyleLst>
+        <a:solidFill>
+          <a:schemeClr val="phClr"/>
+        </a:solidFill>
+        <a:gradFill rotWithShape="1">
+          <a:gsLst>
+            <a:gs pos="0">
+              <a:schemeClr val="phClr">
+                <a:tint val="40000"/>
+                <a:satMod val="350000"/>
+              </a:schemeClr>
+            </a:gs>
+            <a:gs pos="40000">
+              <a:schemeClr val="phClr">
+                <a:tint val="45000"/>
+                <a:shade val="99000"/>
+                <a:satMod val="350000"/>
+              </a:schemeClr>
+            </a:gs>
+            <a:gs pos="100000">
+              <a:schemeClr val="phClr">
+                <a:shade val="20000"/>
+                <a:satMod val="255000"/>
+              </a:schemeClr>
+            </a:gs>
+          </a:gsLst>
+          <a:path path="circle">
+            <a:fillToRect l="50000" t="-80000" r="50000" b="180000"/>
+          </a:path>
+        </a:gradFill>
+        <a:gradFill rotWithShape="1">
+          <a:gsLst>
+            <a:gs pos="0">
+              <a:schemeClr val="phClr">
+                <a:tint val="80000"/>
+                <a:satMod val="300000"/>
+              </a:schemeClr>
+            </a:gs>
+            <a:gs pos="100000">
+              <a:schemeClr val="phClr">
+                <a:shade val="30000"/>
+                <a:satMod val="200000"/>
+              </a:schemeClr>
+            </a:gs>
+          </a:gsLst>
+          <a:path path="circle">
+            <a:fillToRect l="50000" t="50000" r="50000" b="50000"/>
+          </a:path>
+        </a:gradFill>
+      </a:bgFillStyleLst>
+    </a:fmtScheme>
+  </a:themeElements>
+</a:theme>
 </file>
--- a/results_task4and9.pptx
+++ b/results_task4and9.pptx
@@ -68,8 +68,8 @@
         </p:nvSpPr>
         <p:spPr>
           <a:xfrm>
-            <a:off x="702000" y="696600"/>
-            <a:ext cx="6155280" cy="1785240"/>
+            <a:off x="377640" y="426240"/>
+            <a:ext cx="6803280" cy="1784880"/>
           </a:xfrm>
           <a:prstGeom prst="rect">
             <a:avLst/>
@@ -99,8 +99,8 @@
         </p:nvSpPr>
         <p:spPr>
           <a:xfrm>
-            <a:off x="702000" y="2692800"/>
-            <a:ext cx="6155280" cy="2758320"/>
+            <a:off x="377640" y="2501640"/>
+            <a:ext cx="6803280" cy="2957400"/>
           </a:xfrm>
           <a:prstGeom prst="rect">
             <a:avLst/>
@@ -129,8 +129,8 @@
         </p:nvSpPr>
         <p:spPr>
           <a:xfrm>
-            <a:off x="702000" y="5713560"/>
-            <a:ext cx="6155280" cy="2758320"/>
+            <a:off x="377640" y="5740560"/>
+            <a:ext cx="6803280" cy="2957400"/>
           </a:xfrm>
           <a:prstGeom prst="rect">
             <a:avLst/>
@@ -181,8 +181,8 @@
         </p:nvSpPr>
         <p:spPr>
           <a:xfrm>
-            <a:off x="702000" y="696600"/>
-            <a:ext cx="6155280" cy="1785240"/>
+            <a:off x="377640" y="426240"/>
+            <a:ext cx="6803280" cy="1784880"/>
           </a:xfrm>
           <a:prstGeom prst="rect">
             <a:avLst/>
@@ -212,8 +212,8 @@
         </p:nvSpPr>
         <p:spPr>
           <a:xfrm>
-            <a:off x="702000" y="2692800"/>
-            <a:ext cx="3003480" cy="2758320"/>
+            <a:off x="377640" y="2501640"/>
+            <a:ext cx="3319920" cy="2957400"/>
           </a:xfrm>
           <a:prstGeom prst="rect">
             <a:avLst/>
@@ -242,8 +242,8 @@
         </p:nvSpPr>
         <p:spPr>
           <a:xfrm>
-            <a:off x="3855960" y="2692800"/>
-            <a:ext cx="3003480" cy="2758320"/>
+            <a:off x="3863880" y="2501640"/>
+            <a:ext cx="3319920" cy="2957400"/>
           </a:xfrm>
           <a:prstGeom prst="rect">
             <a:avLst/>
@@ -272,8 +272,8 @@
         </p:nvSpPr>
         <p:spPr>
           <a:xfrm>
-            <a:off x="702000" y="5713560"/>
-            <a:ext cx="3003480" cy="2758320"/>
+            <a:off x="377640" y="5740560"/>
+            <a:ext cx="3319920" cy="2957400"/>
           </a:xfrm>
           <a:prstGeom prst="rect">
             <a:avLst/>
@@ -302,8 +302,8 @@
         </p:nvSpPr>
         <p:spPr>
           <a:xfrm>
-            <a:off x="3855960" y="5713560"/>
-            <a:ext cx="3003480" cy="2758320"/>
+            <a:off x="3863880" y="5740560"/>
+            <a:ext cx="3319920" cy="2957400"/>
           </a:xfrm>
           <a:prstGeom prst="rect">
             <a:avLst/>
@@ -354,8 +354,8 @@
         </p:nvSpPr>
         <p:spPr>
           <a:xfrm>
-            <a:off x="702000" y="696600"/>
-            <a:ext cx="6155280" cy="1785240"/>
+            <a:off x="377640" y="426240"/>
+            <a:ext cx="6803280" cy="1784880"/>
           </a:xfrm>
           <a:prstGeom prst="rect">
             <a:avLst/>
@@ -385,8 +385,8 @@
         </p:nvSpPr>
         <p:spPr>
           <a:xfrm>
-            <a:off x="702000" y="2692800"/>
-            <a:ext cx="1981800" cy="2758320"/>
+            <a:off x="377640" y="2501640"/>
+            <a:ext cx="2190240" cy="2957400"/>
           </a:xfrm>
           <a:prstGeom prst="rect">
             <a:avLst/>
@@ -415,8 +415,8 @@
         </p:nvSpPr>
         <p:spPr>
           <a:xfrm>
-            <a:off x="2783160" y="2692800"/>
-            <a:ext cx="1981800" cy="2758320"/>
+            <a:off x="2677680" y="2501640"/>
+            <a:ext cx="2190240" cy="2957400"/>
           </a:xfrm>
           <a:prstGeom prst="rect">
             <a:avLst/>
@@ -445,8 +445,8 @@
         </p:nvSpPr>
         <p:spPr>
           <a:xfrm>
-            <a:off x="4864680" y="2692800"/>
-            <a:ext cx="1981800" cy="2758320"/>
+            <a:off x="4978080" y="2501640"/>
+            <a:ext cx="2190240" cy="2957400"/>
           </a:xfrm>
           <a:prstGeom prst="rect">
             <a:avLst/>
@@ -475,8 +475,8 @@
         </p:nvSpPr>
         <p:spPr>
           <a:xfrm>
-            <a:off x="702000" y="5713560"/>
-            <a:ext cx="1981800" cy="2758320"/>
+            <a:off x="377640" y="5740560"/>
+            <a:ext cx="2190240" cy="2957400"/>
           </a:xfrm>
           <a:prstGeom prst="rect">
             <a:avLst/>
@@ -505,8 +505,8 @@
         </p:nvSpPr>
         <p:spPr>
           <a:xfrm>
-            <a:off x="2783160" y="5713560"/>
-            <a:ext cx="1981800" cy="2758320"/>
+            <a:off x="2677680" y="5740560"/>
+            <a:ext cx="2190240" cy="2957400"/>
           </a:xfrm>
           <a:prstGeom prst="rect">
             <a:avLst/>
@@ -535,8 +535,8 @@
         </p:nvSpPr>
         <p:spPr>
           <a:xfrm>
-            <a:off x="4864680" y="5713560"/>
-            <a:ext cx="1981800" cy="2758320"/>
+            <a:off x="4978080" y="5740560"/>
+            <a:ext cx="2190240" cy="2957400"/>
           </a:xfrm>
           <a:prstGeom prst="rect">
             <a:avLst/>
@@ -609,8 +609,8 @@
         </p:nvSpPr>
         <p:spPr>
           <a:xfrm>
-            <a:off x="702000" y="696600"/>
-            <a:ext cx="6155280" cy="1785240"/>
+            <a:off x="377640" y="426240"/>
+            <a:ext cx="6803280" cy="1784880"/>
           </a:xfrm>
           <a:prstGeom prst="rect">
             <a:avLst/>
@@ -640,8 +640,8 @@
         </p:nvSpPr>
         <p:spPr>
           <a:xfrm>
-            <a:off x="702000" y="2692800"/>
-            <a:ext cx="6155280" cy="5782680"/>
+            <a:off x="377640" y="2501640"/>
+            <a:ext cx="6803280" cy="6200640"/>
           </a:xfrm>
           <a:prstGeom prst="rect">
             <a:avLst/>
@@ -693,8 +693,8 @@
         </p:nvSpPr>
         <p:spPr>
           <a:xfrm>
-            <a:off x="702000" y="696600"/>
-            <a:ext cx="6155280" cy="1785240"/>
+            <a:off x="377640" y="426240"/>
+            <a:ext cx="6803280" cy="1784880"/>
           </a:xfrm>
           <a:prstGeom prst="rect">
             <a:avLst/>
@@ -724,8 +724,8 @@
         </p:nvSpPr>
         <p:spPr>
           <a:xfrm>
-            <a:off x="702000" y="2692800"/>
-            <a:ext cx="6155280" cy="5782680"/>
+            <a:off x="377640" y="2501640"/>
+            <a:ext cx="6803280" cy="6200640"/>
           </a:xfrm>
           <a:prstGeom prst="rect">
             <a:avLst/>
@@ -776,8 +776,8 @@
         </p:nvSpPr>
         <p:spPr>
           <a:xfrm>
-            <a:off x="702000" y="696600"/>
-            <a:ext cx="6155280" cy="1785240"/>
+            <a:off x="377640" y="426240"/>
+            <a:ext cx="6803280" cy="1784880"/>
           </a:xfrm>
           <a:prstGeom prst="rect">
             <a:avLst/>
@@ -807,8 +807,8 @@
         </p:nvSpPr>
         <p:spPr>
           <a:xfrm>
-            <a:off x="702000" y="2692800"/>
-            <a:ext cx="3003480" cy="5782680"/>
+            <a:off x="377640" y="2501640"/>
+            <a:ext cx="3319920" cy="6200640"/>
           </a:xfrm>
           <a:prstGeom prst="rect">
             <a:avLst/>
@@ -837,8 +837,8 @@
         </p:nvSpPr>
         <p:spPr>
           <a:xfrm>
-            <a:off x="3855960" y="2692800"/>
-            <a:ext cx="3003480" cy="5782680"/>
+            <a:off x="3863880" y="2501640"/>
+            <a:ext cx="3319920" cy="6200640"/>
           </a:xfrm>
           <a:prstGeom prst="rect">
             <a:avLst/>
@@ -889,8 +889,8 @@
         </p:nvSpPr>
         <p:spPr>
           <a:xfrm>
-            <a:off x="702000" y="696600"/>
-            <a:ext cx="6155280" cy="1785240"/>
+            <a:off x="377640" y="426240"/>
+            <a:ext cx="6803280" cy="1784880"/>
           </a:xfrm>
           <a:prstGeom prst="rect">
             <a:avLst/>
@@ -942,8 +942,8 @@
         </p:nvSpPr>
         <p:spPr>
           <a:xfrm>
-            <a:off x="702000" y="696600"/>
-            <a:ext cx="6155280" cy="8276760"/>
+            <a:off x="377640" y="426240"/>
+            <a:ext cx="6803280" cy="8274960"/>
           </a:xfrm>
           <a:prstGeom prst="rect">
             <a:avLst/>
@@ -995,8 +995,8 @@
         </p:nvSpPr>
         <p:spPr>
           <a:xfrm>
-            <a:off x="702000" y="696600"/>
-            <a:ext cx="6155280" cy="1785240"/>
+            <a:off x="377640" y="426240"/>
+            <a:ext cx="6803280" cy="1784880"/>
           </a:xfrm>
           <a:prstGeom prst="rect">
             <a:avLst/>
@@ -1026,8 +1026,8 @@
         </p:nvSpPr>
         <p:spPr>
           <a:xfrm>
-            <a:off x="702000" y="2692800"/>
-            <a:ext cx="3003480" cy="2758320"/>
+            <a:off x="377640" y="2501640"/>
+            <a:ext cx="3319920" cy="2957400"/>
           </a:xfrm>
           <a:prstGeom prst="rect">
             <a:avLst/>
@@ -1056,8 +1056,8 @@
         </p:nvSpPr>
         <p:spPr>
           <a:xfrm>
-            <a:off x="3855960" y="2692800"/>
-            <a:ext cx="3003480" cy="5782680"/>
+            <a:off x="3863880" y="2501640"/>
+            <a:ext cx="3319920" cy="6200640"/>
           </a:xfrm>
           <a:prstGeom prst="rect">
             <a:avLst/>
@@ -1086,8 +1086,8 @@
         </p:nvSpPr>
         <p:spPr>
           <a:xfrm>
-            <a:off x="702000" y="5713560"/>
-            <a:ext cx="3003480" cy="2758320"/>
+            <a:off x="377640" y="5740560"/>
+            <a:ext cx="3319920" cy="2957400"/>
           </a:xfrm>
           <a:prstGeom prst="rect">
             <a:avLst/>
@@ -1138,8 +1138,8 @@
         </p:nvSpPr>
         <p:spPr>
           <a:xfrm>
-            <a:off x="702000" y="696600"/>
-            <a:ext cx="6155280" cy="1785240"/>
+            <a:off x="377640" y="426240"/>
+            <a:ext cx="6803280" cy="1784880"/>
           </a:xfrm>
           <a:prstGeom prst="rect">
             <a:avLst/>
@@ -1169,8 +1169,8 @@
         </p:nvSpPr>
         <p:spPr>
           <a:xfrm>
-            <a:off x="702000" y="2692800"/>
-            <a:ext cx="6155280" cy="5782680"/>
+            <a:off x="377640" y="2501640"/>
+            <a:ext cx="6803280" cy="6200640"/>
           </a:xfrm>
           <a:prstGeom prst="rect">
             <a:avLst/>
@@ -1222,8 +1222,8 @@
         </p:nvSpPr>
         <p:spPr>
           <a:xfrm>
-            <a:off x="702000" y="696600"/>
-            <a:ext cx="6155280" cy="1785240"/>
+            <a:off x="377640" y="426240"/>
+            <a:ext cx="6803280" cy="1784880"/>
           </a:xfrm>
           <a:prstGeom prst="rect">
             <a:avLst/>
@@ -1253,8 +1253,8 @@
         </p:nvSpPr>
         <p:spPr>
           <a:xfrm>
-            <a:off x="702000" y="2692800"/>
-            <a:ext cx="3003480" cy="5782680"/>
+            <a:off x="377640" y="2501640"/>
+            <a:ext cx="3319920" cy="6200640"/>
           </a:xfrm>
           <a:prstGeom prst="rect">
             <a:avLst/>
@@ -1283,8 +1283,8 @@
         </p:nvSpPr>
         <p:spPr>
           <a:xfrm>
-            <a:off x="3855960" y="2692800"/>
-            <a:ext cx="3003480" cy="2758320"/>
+            <a:off x="3863880" y="2501640"/>
+            <a:ext cx="3319920" cy="2957400"/>
           </a:xfrm>
           <a:prstGeom prst="rect">
             <a:avLst/>
@@ -1313,8 +1313,8 @@
         </p:nvSpPr>
         <p:spPr>
           <a:xfrm>
-            <a:off x="3855960" y="5713560"/>
-            <a:ext cx="3003480" cy="2758320"/>
+            <a:off x="3863880" y="5740560"/>
+            <a:ext cx="3319920" cy="2957400"/>
           </a:xfrm>
           <a:prstGeom prst="rect">
             <a:avLst/>
@@ -1365,8 +1365,8 @@
         </p:nvSpPr>
         <p:spPr>
           <a:xfrm>
-            <a:off x="702000" y="696600"/>
-            <a:ext cx="6155280" cy="1785240"/>
+            <a:off x="377640" y="426240"/>
+            <a:ext cx="6803280" cy="1784880"/>
           </a:xfrm>
           <a:prstGeom prst="rect">
             <a:avLst/>
@@ -1396,8 +1396,8 @@
         </p:nvSpPr>
         <p:spPr>
           <a:xfrm>
-            <a:off x="702000" y="2692800"/>
-            <a:ext cx="3003480" cy="2758320"/>
+            <a:off x="377640" y="2501640"/>
+            <a:ext cx="3319920" cy="2957400"/>
           </a:xfrm>
           <a:prstGeom prst="rect">
             <a:avLst/>
@@ -1426,8 +1426,8 @@
         </p:nvSpPr>
         <p:spPr>
           <a:xfrm>
-            <a:off x="3855960" y="2692800"/>
-            <a:ext cx="3003480" cy="2758320"/>
+            <a:off x="3863880" y="2501640"/>
+            <a:ext cx="3319920" cy="2957400"/>
           </a:xfrm>
           <a:prstGeom prst="rect">
             <a:avLst/>
@@ -1456,8 +1456,8 @@
         </p:nvSpPr>
         <p:spPr>
           <a:xfrm>
-            <a:off x="702000" y="5713560"/>
-            <a:ext cx="6155280" cy="2758320"/>
+            <a:off x="377640" y="5740560"/>
+            <a:ext cx="6803280" cy="2957400"/>
           </a:xfrm>
           <a:prstGeom prst="rect">
             <a:avLst/>
@@ -1508,8 +1508,8 @@
         </p:nvSpPr>
         <p:spPr>
           <a:xfrm>
-            <a:off x="702000" y="696600"/>
-            <a:ext cx="6155280" cy="1785240"/>
+            <a:off x="377640" y="426240"/>
+            <a:ext cx="6803280" cy="1784880"/>
           </a:xfrm>
           <a:prstGeom prst="rect">
             <a:avLst/>
@@ -1539,8 +1539,8 @@
         </p:nvSpPr>
         <p:spPr>
           <a:xfrm>
-            <a:off x="702000" y="2692800"/>
-            <a:ext cx="6155280" cy="2758320"/>
+            <a:off x="377640" y="2501640"/>
+            <a:ext cx="6803280" cy="2957400"/>
           </a:xfrm>
           <a:prstGeom prst="rect">
             <a:avLst/>
@@ -1569,8 +1569,8 @@
         </p:nvSpPr>
         <p:spPr>
           <a:xfrm>
-            <a:off x="702000" y="5713560"/>
-            <a:ext cx="6155280" cy="2758320"/>
+            <a:off x="377640" y="5740560"/>
+            <a:ext cx="6803280" cy="2957400"/>
           </a:xfrm>
           <a:prstGeom prst="rect">
             <a:avLst/>
@@ -1621,8 +1621,8 @@
         </p:nvSpPr>
         <p:spPr>
           <a:xfrm>
-            <a:off x="702000" y="696600"/>
-            <a:ext cx="6155280" cy="1785240"/>
+            <a:off x="377640" y="426240"/>
+            <a:ext cx="6803280" cy="1784880"/>
           </a:xfrm>
           <a:prstGeom prst="rect">
             <a:avLst/>
@@ -1652,8 +1652,8 @@
         </p:nvSpPr>
         <p:spPr>
           <a:xfrm>
-            <a:off x="702000" y="2692800"/>
-            <a:ext cx="3003480" cy="2758320"/>
+            <a:off x="377640" y="2501640"/>
+            <a:ext cx="3319920" cy="2957400"/>
           </a:xfrm>
           <a:prstGeom prst="rect">
             <a:avLst/>
@@ -1682,8 +1682,8 @@
         </p:nvSpPr>
         <p:spPr>
           <a:xfrm>
-            <a:off x="3855960" y="2692800"/>
-            <a:ext cx="3003480" cy="2758320"/>
+            <a:off x="3863880" y="2501640"/>
+            <a:ext cx="3319920" cy="2957400"/>
           </a:xfrm>
           <a:prstGeom prst="rect">
             <a:avLst/>
@@ -1712,8 +1712,8 @@
         </p:nvSpPr>
         <p:spPr>
           <a:xfrm>
-            <a:off x="702000" y="5713560"/>
-            <a:ext cx="3003480" cy="2758320"/>
+            <a:off x="377640" y="5740560"/>
+            <a:ext cx="3319920" cy="2957400"/>
           </a:xfrm>
           <a:prstGeom prst="rect">
             <a:avLst/>
@@ -1742,8 +1742,8 @@
         </p:nvSpPr>
         <p:spPr>
           <a:xfrm>
-            <a:off x="3855960" y="5713560"/>
-            <a:ext cx="3003480" cy="2758320"/>
+            <a:off x="3863880" y="5740560"/>
+            <a:ext cx="3319920" cy="2957400"/>
           </a:xfrm>
           <a:prstGeom prst="rect">
             <a:avLst/>
@@ -1794,8 +1794,8 @@
         </p:nvSpPr>
         <p:spPr>
           <a:xfrm>
-            <a:off x="702000" y="696600"/>
-            <a:ext cx="6155280" cy="1785240"/>
+            <a:off x="377640" y="426240"/>
+            <a:ext cx="6803280" cy="1784880"/>
           </a:xfrm>
           <a:prstGeom prst="rect">
             <a:avLst/>
@@ -1825,8 +1825,8 @@
         </p:nvSpPr>
         <p:spPr>
           <a:xfrm>
-            <a:off x="702000" y="2692800"/>
-            <a:ext cx="1981800" cy="2758320"/>
+            <a:off x="377640" y="2501640"/>
+            <a:ext cx="2190240" cy="2957400"/>
           </a:xfrm>
           <a:prstGeom prst="rect">
             <a:avLst/>
@@ -1855,8 +1855,8 @@
         </p:nvSpPr>
         <p:spPr>
           <a:xfrm>
-            <a:off x="2783160" y="2692800"/>
-            <a:ext cx="1981800" cy="2758320"/>
+            <a:off x="2677680" y="2501640"/>
+            <a:ext cx="2190240" cy="2957400"/>
           </a:xfrm>
           <a:prstGeom prst="rect">
             <a:avLst/>
@@ -1885,8 +1885,8 @@
         </p:nvSpPr>
         <p:spPr>
           <a:xfrm>
-            <a:off x="4864680" y="2692800"/>
-            <a:ext cx="1981800" cy="2758320"/>
+            <a:off x="4978080" y="2501640"/>
+            <a:ext cx="2190240" cy="2957400"/>
           </a:xfrm>
           <a:prstGeom prst="rect">
             <a:avLst/>
@@ -1915,8 +1915,8 @@
         </p:nvSpPr>
         <p:spPr>
           <a:xfrm>
-            <a:off x="702000" y="5713560"/>
-            <a:ext cx="1981800" cy="2758320"/>
+            <a:off x="377640" y="5740560"/>
+            <a:ext cx="2190240" cy="2957400"/>
           </a:xfrm>
           <a:prstGeom prst="rect">
             <a:avLst/>
@@ -1945,8 +1945,8 @@
         </p:nvSpPr>
         <p:spPr>
           <a:xfrm>
-            <a:off x="2783160" y="5713560"/>
-            <a:ext cx="1981800" cy="2758320"/>
+            <a:off x="2677680" y="5740560"/>
+            <a:ext cx="2190240" cy="2957400"/>
           </a:xfrm>
           <a:prstGeom prst="rect">
             <a:avLst/>
@@ -1975,8 +1975,8 @@
         </p:nvSpPr>
         <p:spPr>
           <a:xfrm>
-            <a:off x="4864680" y="5713560"/>
-            <a:ext cx="1981800" cy="2758320"/>
+            <a:off x="4978080" y="5740560"/>
+            <a:ext cx="2190240" cy="2957400"/>
           </a:xfrm>
           <a:prstGeom prst="rect">
             <a:avLst/>
@@ -2027,8 +2027,8 @@
         </p:nvSpPr>
         <p:spPr>
           <a:xfrm>
-            <a:off x="702000" y="696600"/>
-            <a:ext cx="6155280" cy="1785240"/>
+            <a:off x="377640" y="426240"/>
+            <a:ext cx="6803280" cy="1784880"/>
           </a:xfrm>
           <a:prstGeom prst="rect">
             <a:avLst/>
@@ -2058,8 +2058,8 @@
         </p:nvSpPr>
         <p:spPr>
           <a:xfrm>
-            <a:off x="702000" y="2692800"/>
-            <a:ext cx="6155280" cy="5782680"/>
+            <a:off x="377640" y="2501640"/>
+            <a:ext cx="6803280" cy="6200640"/>
           </a:xfrm>
           <a:prstGeom prst="rect">
             <a:avLst/>
@@ -2110,8 +2110,8 @@
         </p:nvSpPr>
         <p:spPr>
           <a:xfrm>
-            <a:off x="702000" y="696600"/>
-            <a:ext cx="6155280" cy="1785240"/>
+            <a:off x="377640" y="426240"/>
+            <a:ext cx="6803280" cy="1784880"/>
           </a:xfrm>
           <a:prstGeom prst="rect">
             <a:avLst/>
@@ -2141,8 +2141,8 @@
         </p:nvSpPr>
         <p:spPr>
           <a:xfrm>
-            <a:off x="702000" y="2692800"/>
-            <a:ext cx="3003480" cy="5782680"/>
+            <a:off x="377640" y="2501640"/>
+            <a:ext cx="3319920" cy="6200640"/>
           </a:xfrm>
           <a:prstGeom prst="rect">
             <a:avLst/>
@@ -2171,8 +2171,8 @@
         </p:nvSpPr>
         <p:spPr>
           <a:xfrm>
-            <a:off x="3855960" y="2692800"/>
-            <a:ext cx="3003480" cy="5782680"/>
+            <a:off x="3863880" y="2501640"/>
+            <a:ext cx="3319920" cy="6200640"/>
           </a:xfrm>
           <a:prstGeom prst="rect">
             <a:avLst/>
@@ -2223,8 +2223,8 @@
         </p:nvSpPr>
         <p:spPr>
           <a:xfrm>
-            <a:off x="702000" y="696600"/>
-            <a:ext cx="6155280" cy="1785240"/>
+            <a:off x="377640" y="426240"/>
+            <a:ext cx="6803280" cy="1784880"/>
           </a:xfrm>
           <a:prstGeom prst="rect">
             <a:avLst/>
@@ -2276,8 +2276,8 @@
         </p:nvSpPr>
         <p:spPr>
           <a:xfrm>
-            <a:off x="702000" y="696600"/>
-            <a:ext cx="6155280" cy="8276760"/>
+            <a:off x="377640" y="426240"/>
+            <a:ext cx="6803280" cy="8274960"/>
           </a:xfrm>
           <a:prstGeom prst="rect">
             <a:avLst/>
@@ -2329,8 +2329,8 @@
         </p:nvSpPr>
         <p:spPr>
           <a:xfrm>
-            <a:off x="702000" y="696600"/>
-            <a:ext cx="6155280" cy="1785240"/>
+            <a:off x="377640" y="426240"/>
+            <a:ext cx="6803280" cy="1784880"/>
           </a:xfrm>
           <a:prstGeom prst="rect">
             <a:avLst/>
@@ -2360,8 +2360,8 @@
         </p:nvSpPr>
         <p:spPr>
           <a:xfrm>
-            <a:off x="702000" y="2692800"/>
-            <a:ext cx="3003480" cy="2758320"/>
+            <a:off x="377640" y="2501640"/>
+            <a:ext cx="3319920" cy="2957400"/>
           </a:xfrm>
           <a:prstGeom prst="rect">
             <a:avLst/>
@@ -2390,8 +2390,8 @@
         </p:nvSpPr>
         <p:spPr>
           <a:xfrm>
-            <a:off x="3855960" y="2692800"/>
-            <a:ext cx="3003480" cy="5782680"/>
+            <a:off x="3863880" y="2501640"/>
+            <a:ext cx="3319920" cy="6200640"/>
           </a:xfrm>
           <a:prstGeom prst="rect">
             <a:avLst/>
@@ -2420,8 +2420,8 @@
         </p:nvSpPr>
         <p:spPr>
           <a:xfrm>
-            <a:off x="702000" y="5713560"/>
-            <a:ext cx="3003480" cy="2758320"/>
+            <a:off x="377640" y="5740560"/>
+            <a:ext cx="3319920" cy="2957400"/>
           </a:xfrm>
           <a:prstGeom prst="rect">
             <a:avLst/>
@@ -2472,8 +2472,8 @@
         </p:nvSpPr>
         <p:spPr>
           <a:xfrm>
-            <a:off x="702000" y="696600"/>
-            <a:ext cx="6155280" cy="1785240"/>
+            <a:off x="377640" y="426240"/>
+            <a:ext cx="6803280" cy="1784880"/>
           </a:xfrm>
           <a:prstGeom prst="rect">
             <a:avLst/>
@@ -2503,8 +2503,8 @@
         </p:nvSpPr>
         <p:spPr>
           <a:xfrm>
-            <a:off x="702000" y="2692800"/>
-            <a:ext cx="3003480" cy="5782680"/>
+            <a:off x="377640" y="2501640"/>
+            <a:ext cx="3319920" cy="6200640"/>
           </a:xfrm>
           <a:prstGeom prst="rect">
             <a:avLst/>
@@ -2533,8 +2533,8 @@
         </p:nvSpPr>
         <p:spPr>
           <a:xfrm>
-            <a:off x="3855960" y="2692800"/>
-            <a:ext cx="3003480" cy="2758320"/>
+            <a:off x="3863880" y="2501640"/>
+            <a:ext cx="3319920" cy="2957400"/>
           </a:xfrm>
           <a:prstGeom prst="rect">
             <a:avLst/>
@@ -2563,8 +2563,8 @@
         </p:nvSpPr>
         <p:spPr>
           <a:xfrm>
-            <a:off x="3855960" y="5713560"/>
-            <a:ext cx="3003480" cy="2758320"/>
+            <a:off x="3863880" y="5740560"/>
+            <a:ext cx="3319920" cy="2957400"/>
           </a:xfrm>
           <a:prstGeom prst="rect">
             <a:avLst/>
@@ -2615,8 +2615,8 @@
         </p:nvSpPr>
         <p:spPr>
           <a:xfrm>
-            <a:off x="702000" y="696600"/>
-            <a:ext cx="6155280" cy="1785240"/>
+            <a:off x="377640" y="426240"/>
+            <a:ext cx="6803280" cy="1784880"/>
           </a:xfrm>
           <a:prstGeom prst="rect">
             <a:avLst/>
@@ -2646,8 +2646,8 @@
         </p:nvSpPr>
         <p:spPr>
           <a:xfrm>
-            <a:off x="702000" y="2692800"/>
-            <a:ext cx="3003480" cy="2758320"/>
+            <a:off x="377640" y="2501640"/>
+            <a:ext cx="3319920" cy="2957400"/>
           </a:xfrm>
           <a:prstGeom prst="rect">
             <a:avLst/>
@@ -2676,8 +2676,8 @@
         </p:nvSpPr>
         <p:spPr>
           <a:xfrm>
-            <a:off x="3855960" y="2692800"/>
-            <a:ext cx="3003480" cy="2758320"/>
+            <a:off x="3863880" y="2501640"/>
+            <a:ext cx="3319920" cy="2957400"/>
           </a:xfrm>
           <a:prstGeom prst="rect">
             <a:avLst/>
@@ -2706,8 +2706,8 @@
         </p:nvSpPr>
         <p:spPr>
           <a:xfrm>
-            <a:off x="702000" y="5713560"/>
-            <a:ext cx="6155280" cy="2758320"/>
+            <a:off x="377640" y="5740560"/>
+            <a:ext cx="6803280" cy="2957400"/>
           </a:xfrm>
           <a:prstGeom prst="rect">
             <a:avLst/>
@@ -2759,7 +2759,7 @@
         <p:spPr>
           <a:xfrm>
             <a:off x="702000" y="696600"/>
-            <a:ext cx="6155280" cy="1785240"/>
+            <a:ext cx="6154920" cy="1785240"/>
           </a:xfrm>
           <a:prstGeom prst="rect">
             <a:avLst/>
@@ -2774,7 +2774,283 @@
               <a:rPr b="0" lang="de-DE" sz="1800" spc="-1" strike="noStrike">
                 <a:latin typeface="Arial"/>
               </a:rPr>
-              <a:t>Format des Titeltextes durch Klicken bearbeiten</a:t>
+              <a:t>F</a:t>
+            </a:r>
+            <a:r>
+              <a:rPr b="0" lang="de-DE" sz="1800" spc="-1" strike="noStrike">
+                <a:latin typeface="Arial"/>
+              </a:rPr>
+              <a:t>o</a:t>
+            </a:r>
+            <a:r>
+              <a:rPr b="0" lang="de-DE" sz="1800" spc="-1" strike="noStrike">
+                <a:latin typeface="Arial"/>
+              </a:rPr>
+              <a:t>r</a:t>
+            </a:r>
+            <a:r>
+              <a:rPr b="0" lang="de-DE" sz="1800" spc="-1" strike="noStrike">
+                <a:latin typeface="Arial"/>
+              </a:rPr>
+              <a:t>m</a:t>
+            </a:r>
+            <a:r>
+              <a:rPr b="0" lang="de-DE" sz="1800" spc="-1" strike="noStrike">
+                <a:latin typeface="Arial"/>
+              </a:rPr>
+              <a:t>a</a:t>
+            </a:r>
+            <a:r>
+              <a:rPr b="0" lang="de-DE" sz="1800" spc="-1" strike="noStrike">
+                <a:latin typeface="Arial"/>
+              </a:rPr>
+              <a:t>t</a:t>
+            </a:r>
+            <a:r>
+              <a:rPr b="0" lang="de-DE" sz="1800" spc="-1" strike="noStrike">
+                <a:latin typeface="Arial"/>
+              </a:rPr>
+              <a:t> </a:t>
+            </a:r>
+            <a:r>
+              <a:rPr b="0" lang="de-DE" sz="1800" spc="-1" strike="noStrike">
+                <a:latin typeface="Arial"/>
+              </a:rPr>
+              <a:t>d</a:t>
+            </a:r>
+            <a:r>
+              <a:rPr b="0" lang="de-DE" sz="1800" spc="-1" strike="noStrike">
+                <a:latin typeface="Arial"/>
+              </a:rPr>
+              <a:t>e</a:t>
+            </a:r>
+            <a:r>
+              <a:rPr b="0" lang="de-DE" sz="1800" spc="-1" strike="noStrike">
+                <a:latin typeface="Arial"/>
+              </a:rPr>
+              <a:t>s</a:t>
+            </a:r>
+            <a:r>
+              <a:rPr b="0" lang="de-DE" sz="1800" spc="-1" strike="noStrike">
+                <a:latin typeface="Arial"/>
+              </a:rPr>
+              <a:t> </a:t>
+            </a:r>
+            <a:r>
+              <a:rPr b="0" lang="de-DE" sz="1800" spc="-1" strike="noStrike">
+                <a:latin typeface="Arial"/>
+              </a:rPr>
+              <a:t>T</a:t>
+            </a:r>
+            <a:r>
+              <a:rPr b="0" lang="de-DE" sz="1800" spc="-1" strike="noStrike">
+                <a:latin typeface="Arial"/>
+              </a:rPr>
+              <a:t>i</a:t>
+            </a:r>
+            <a:r>
+              <a:rPr b="0" lang="de-DE" sz="1800" spc="-1" strike="noStrike">
+                <a:latin typeface="Arial"/>
+              </a:rPr>
+              <a:t>t</a:t>
+            </a:r>
+            <a:r>
+              <a:rPr b="0" lang="de-DE" sz="1800" spc="-1" strike="noStrike">
+                <a:latin typeface="Arial"/>
+              </a:rPr>
+              <a:t>e</a:t>
+            </a:r>
+            <a:r>
+              <a:rPr b="0" lang="de-DE" sz="1800" spc="-1" strike="noStrike">
+                <a:latin typeface="Arial"/>
+              </a:rPr>
+              <a:t>l</a:t>
+            </a:r>
+            <a:r>
+              <a:rPr b="0" lang="de-DE" sz="1800" spc="-1" strike="noStrike">
+                <a:latin typeface="Arial"/>
+              </a:rPr>
+              <a:t>t</a:t>
+            </a:r>
+            <a:r>
+              <a:rPr b="0" lang="de-DE" sz="1800" spc="-1" strike="noStrike">
+                <a:latin typeface="Arial"/>
+              </a:rPr>
+              <a:t>e</a:t>
+            </a:r>
+            <a:r>
+              <a:rPr b="0" lang="de-DE" sz="1800" spc="-1" strike="noStrike">
+                <a:latin typeface="Arial"/>
+              </a:rPr>
+              <a:t>x</a:t>
+            </a:r>
+            <a:r>
+              <a:rPr b="0" lang="de-DE" sz="1800" spc="-1" strike="noStrike">
+                <a:latin typeface="Arial"/>
+              </a:rPr>
+              <a:t>t</a:t>
+            </a:r>
+            <a:r>
+              <a:rPr b="0" lang="de-DE" sz="1800" spc="-1" strike="noStrike">
+                <a:latin typeface="Arial"/>
+              </a:rPr>
+              <a:t>e</a:t>
+            </a:r>
+            <a:r>
+              <a:rPr b="0" lang="de-DE" sz="1800" spc="-1" strike="noStrike">
+                <a:latin typeface="Arial"/>
+              </a:rPr>
+              <a:t>s</a:t>
+            </a:r>
+            <a:r>
+              <a:rPr b="0" lang="de-DE" sz="1800" spc="-1" strike="noStrike">
+                <a:latin typeface="Arial"/>
+              </a:rPr>
+              <a:t> </a:t>
+            </a:r>
+            <a:r>
+              <a:rPr b="0" lang="de-DE" sz="1800" spc="-1" strike="noStrike">
+                <a:latin typeface="Arial"/>
+              </a:rPr>
+              <a:t>d</a:t>
+            </a:r>
+            <a:r>
+              <a:rPr b="0" lang="de-DE" sz="1800" spc="-1" strike="noStrike">
+                <a:latin typeface="Arial"/>
+              </a:rPr>
+              <a:t>u</a:t>
+            </a:r>
+            <a:r>
+              <a:rPr b="0" lang="de-DE" sz="1800" spc="-1" strike="noStrike">
+                <a:latin typeface="Arial"/>
+              </a:rPr>
+              <a:t>r</a:t>
+            </a:r>
+            <a:r>
+              <a:rPr b="0" lang="de-DE" sz="1800" spc="-1" strike="noStrike">
+                <a:latin typeface="Arial"/>
+              </a:rPr>
+              <a:t>c</a:t>
+            </a:r>
+            <a:r>
+              <a:rPr b="0" lang="de-DE" sz="1800" spc="-1" strike="noStrike">
+                <a:latin typeface="Arial"/>
+              </a:rPr>
+              <a:t>h</a:t>
+            </a:r>
+            <a:r>
+              <a:rPr b="0" lang="de-DE" sz="1800" spc="-1" strike="noStrike">
+                <a:latin typeface="Arial"/>
+              </a:rPr>
+              <a:t> </a:t>
+            </a:r>
+            <a:r>
+              <a:rPr b="0" lang="de-DE" sz="1800" spc="-1" strike="noStrike">
+                <a:latin typeface="Arial"/>
+              </a:rPr>
+              <a:t>K</a:t>
+            </a:r>
+            <a:r>
+              <a:rPr b="0" lang="de-DE" sz="1800" spc="-1" strike="noStrike">
+                <a:latin typeface="Arial"/>
+              </a:rPr>
+              <a:t>l</a:t>
+            </a:r>
+            <a:r>
+              <a:rPr b="0" lang="de-DE" sz="1800" spc="-1" strike="noStrike">
+                <a:latin typeface="Arial"/>
+              </a:rPr>
+              <a:t>i</a:t>
+            </a:r>
+            <a:r>
+              <a:rPr b="0" lang="de-DE" sz="1800" spc="-1" strike="noStrike">
+                <a:latin typeface="Arial"/>
+              </a:rPr>
+              <a:t>c</a:t>
+            </a:r>
+            <a:r>
+              <a:rPr b="0" lang="de-DE" sz="1800" spc="-1" strike="noStrike">
+                <a:latin typeface="Arial"/>
+              </a:rPr>
+              <a:t>k</a:t>
+            </a:r>
+            <a:r>
+              <a:rPr b="0" lang="de-DE" sz="1800" spc="-1" strike="noStrike">
+                <a:latin typeface="Arial"/>
+              </a:rPr>
+              <a:t>e</a:t>
+            </a:r>
+            <a:r>
+              <a:rPr b="0" lang="de-DE" sz="1800" spc="-1" strike="noStrike">
+                <a:latin typeface="Arial"/>
+              </a:rPr>
+              <a:t>n</a:t>
+            </a:r>
+            <a:r>
+              <a:rPr b="0" lang="de-DE" sz="1800" spc="-1" strike="noStrike">
+                <a:latin typeface="Arial"/>
+              </a:rPr>
+              <a:t> </a:t>
+            </a:r>
+            <a:r>
+              <a:rPr b="0" lang="de-DE" sz="1800" spc="-1" strike="noStrike">
+                <a:latin typeface="Arial"/>
+              </a:rPr>
+              <a:t>b</a:t>
+            </a:r>
+            <a:r>
+              <a:rPr b="0" lang="de-DE" sz="1800" spc="-1" strike="noStrike">
+                <a:latin typeface="Arial"/>
+              </a:rPr>
+              <a:t>e</a:t>
+            </a:r>
+            <a:r>
+              <a:rPr b="0" lang="de-DE" sz="1800" spc="-1" strike="noStrike">
+                <a:latin typeface="Arial"/>
+              </a:rPr>
+              <a:t>a</a:t>
+            </a:r>
+            <a:r>
+              <a:rPr b="0" lang="de-DE" sz="1800" spc="-1" strike="noStrike">
+                <a:latin typeface="Arial"/>
+              </a:rPr>
+              <a:t>r</a:t>
+            </a:r>
+            <a:r>
+              <a:rPr b="0" lang="de-DE" sz="1800" spc="-1" strike="noStrike">
+                <a:latin typeface="Arial"/>
+              </a:rPr>
+              <a:t>b</a:t>
+            </a:r>
+            <a:r>
+              <a:rPr b="0" lang="de-DE" sz="1800" spc="-1" strike="noStrike">
+                <a:latin typeface="Arial"/>
+              </a:rPr>
+              <a:t>e</a:t>
+            </a:r>
+            <a:r>
+              <a:rPr b="0" lang="de-DE" sz="1800" spc="-1" strike="noStrike">
+                <a:latin typeface="Arial"/>
+              </a:rPr>
+              <a:t>i</a:t>
+            </a:r>
+            <a:r>
+              <a:rPr b="0" lang="de-DE" sz="1800" spc="-1" strike="noStrike">
+                <a:latin typeface="Arial"/>
+              </a:rPr>
+              <a:t>t</a:t>
+            </a:r>
+            <a:r>
+              <a:rPr b="0" lang="de-DE" sz="1800" spc="-1" strike="noStrike">
+                <a:latin typeface="Arial"/>
+              </a:rPr>
+              <a:t>e</a:t>
+            </a:r>
+            <a:r>
+              <a:rPr b="0" lang="de-DE" sz="1800" spc="-1" strike="noStrike">
+                <a:latin typeface="Arial"/>
+              </a:rPr>
+              <a:t>n</a:t>
             </a:r>
             <a:endParaRPr b="0" lang="de-DE" sz="1800" spc="-1" strike="noStrike">
               <a:latin typeface="Arial"/>
@@ -2794,8 +3070,8 @@
         </p:nvSpPr>
         <p:spPr>
           <a:xfrm>
-            <a:off x="377640" y="2501640"/>
-            <a:ext cx="6803280" cy="6200640"/>
+            <a:off x="702000" y="2692800"/>
+            <a:ext cx="6154920" cy="5782320"/>
           </a:xfrm>
           <a:prstGeom prst="rect">
             <a:avLst/>
@@ -2818,12 +3094,12 @@
               <a:buChar char=""/>
             </a:pPr>
             <a:r>
-              <a:rPr b="0" lang="de-DE" sz="3200" spc="-1" strike="noStrike">
+              <a:rPr b="0" lang="de-DE" sz="1800" spc="-1" strike="noStrike">
                 <a:latin typeface="Arial"/>
               </a:rPr>
               <a:t>Format des Gliederungstextes durch Klicken bearbeiten</a:t>
             </a:r>
-            <a:endParaRPr b="0" lang="de-DE" sz="3200" spc="-1" strike="noStrike">
+            <a:endParaRPr b="0" lang="de-DE" sz="1800" spc="-1" strike="noStrike">
               <a:latin typeface="Arial"/>
             </a:endParaRPr>
           </a:p>
@@ -2840,12 +3116,12 @@
               <a:buChar char=""/>
             </a:pPr>
             <a:r>
-              <a:rPr b="0" lang="de-DE" sz="2800" spc="-1" strike="noStrike">
+              <a:rPr b="0" lang="de-DE" sz="1800" spc="-1" strike="noStrike">
                 <a:latin typeface="Arial"/>
               </a:rPr>
               <a:t>Zweite Gliederungsebene</a:t>
             </a:r>
-            <a:endParaRPr b="0" lang="de-DE" sz="2800" spc="-1" strike="noStrike">
+            <a:endParaRPr b="0" lang="de-DE" sz="1800" spc="-1" strike="noStrike">
               <a:latin typeface="Arial"/>
             </a:endParaRPr>
           </a:p>
@@ -2862,12 +3138,12 @@
               <a:buChar char=""/>
             </a:pPr>
             <a:r>
-              <a:rPr b="0" lang="de-DE" sz="2400" spc="-1" strike="noStrike">
+              <a:rPr b="0" lang="de-DE" sz="1800" spc="-1" strike="noStrike">
                 <a:latin typeface="Arial"/>
               </a:rPr>
               <a:t>Dritte Gliederungsebene</a:t>
             </a:r>
-            <a:endParaRPr b="0" lang="de-DE" sz="2400" spc="-1" strike="noStrike">
+            <a:endParaRPr b="0" lang="de-DE" sz="1800" spc="-1" strike="noStrike">
               <a:latin typeface="Arial"/>
             </a:endParaRPr>
           </a:p>
@@ -2884,12 +3160,12 @@
               <a:buChar char=""/>
             </a:pPr>
             <a:r>
-              <a:rPr b="0" lang="de-DE" sz="2000" spc="-1" strike="noStrike">
+              <a:rPr b="0" lang="de-DE" sz="1800" spc="-1" strike="noStrike">
                 <a:latin typeface="Arial"/>
               </a:rPr>
               <a:t>Vierte Gliederungsebene</a:t>
             </a:r>
-            <a:endParaRPr b="0" lang="de-DE" sz="2000" spc="-1" strike="noStrike">
+            <a:endParaRPr b="0" lang="de-DE" sz="1800" spc="-1" strike="noStrike">
               <a:latin typeface="Arial"/>
             </a:endParaRPr>
           </a:p>
@@ -2906,12 +3182,12 @@
               <a:buChar char=""/>
             </a:pPr>
             <a:r>
-              <a:rPr b="0" lang="de-DE" sz="2000" spc="-1" strike="noStrike">
+              <a:rPr b="0" lang="de-DE" sz="1800" spc="-1" strike="noStrike">
                 <a:latin typeface="Arial"/>
               </a:rPr>
               <a:t>Fünfte Gliederungsebene</a:t>
             </a:r>
-            <a:endParaRPr b="0" lang="de-DE" sz="2000" spc="-1" strike="noStrike">
+            <a:endParaRPr b="0" lang="de-DE" sz="1800" spc="-1" strike="noStrike">
               <a:latin typeface="Arial"/>
             </a:endParaRPr>
           </a:p>
@@ -2928,12 +3204,12 @@
               <a:buChar char=""/>
             </a:pPr>
             <a:r>
-              <a:rPr b="0" lang="de-DE" sz="2000" spc="-1" strike="noStrike">
+              <a:rPr b="0" lang="de-DE" sz="1800" spc="-1" strike="noStrike">
                 <a:latin typeface="Arial"/>
               </a:rPr>
               <a:t>Sechste Gliederungsebene</a:t>
             </a:r>
-            <a:endParaRPr b="0" lang="de-DE" sz="2000" spc="-1" strike="noStrike">
+            <a:endParaRPr b="0" lang="de-DE" sz="1800" spc="-1" strike="noStrike">
               <a:latin typeface="Arial"/>
             </a:endParaRPr>
           </a:p>
@@ -2950,12 +3226,12 @@
               <a:buChar char=""/>
             </a:pPr>
             <a:r>
-              <a:rPr b="0" lang="de-DE" sz="2000" spc="-1" strike="noStrike">
+              <a:rPr b="0" lang="de-DE" sz="1800" spc="-1" strike="noStrike">
                 <a:latin typeface="Arial"/>
               </a:rPr>
               <a:t>Siebte Gliederungsebene</a:t>
             </a:r>
-            <a:endParaRPr b="0" lang="de-DE" sz="2000" spc="-1" strike="noStrike">
+            <a:endParaRPr b="0" lang="de-DE" sz="1800" spc="-1" strike="noStrike">
               <a:latin typeface="Arial"/>
             </a:endParaRPr>
           </a:p>
@@ -3010,8 +3286,8 @@
         </p:nvSpPr>
         <p:spPr>
           <a:xfrm>
-            <a:off x="702000" y="696600"/>
-            <a:ext cx="6155280" cy="1785240"/>
+            <a:off x="377640" y="426240"/>
+            <a:ext cx="6803280" cy="1784880"/>
           </a:xfrm>
           <a:prstGeom prst="rect">
             <a:avLst/>
@@ -3019,16 +3295,17 @@
         </p:spPr>
         <p:txBody>
           <a:bodyPr lIns="0" rIns="0" tIns="0" bIns="0" anchor="ctr">
-            <a:spAutoFit/>
-          </a:bodyPr>
-          <a:p>
-            <a:r>
-              <a:rPr b="0" lang="de-DE" sz="1800" spc="-1" strike="noStrike">
+            <a:noAutofit/>
+          </a:bodyPr>
+          <a:p>
+            <a:pPr algn="ctr"/>
+            <a:r>
+              <a:rPr b="0" lang="de-DE" sz="4400" spc="-1" strike="noStrike">
                 <a:latin typeface="Arial"/>
               </a:rPr>
               <a:t>Format des Titeltextes durch Klicken bearbeiten</a:t>
             </a:r>
-            <a:endParaRPr b="0" lang="de-DE" sz="1800" spc="-1" strike="noStrike">
+            <a:endParaRPr b="0" lang="de-DE" sz="4400" spc="-1" strike="noStrike">
               <a:latin typeface="Arial"/>
             </a:endParaRPr>
           </a:p>
@@ -3046,8 +3323,8 @@
         </p:nvSpPr>
         <p:spPr>
           <a:xfrm>
-            <a:off x="702000" y="2692800"/>
-            <a:ext cx="6155280" cy="5782680"/>
+            <a:off x="377640" y="2501640"/>
+            <a:ext cx="6803280" cy="6200640"/>
           </a:xfrm>
           <a:prstGeom prst="rect">
             <a:avLst/>
@@ -3070,12 +3347,12 @@
               <a:buChar char=""/>
             </a:pPr>
             <a:r>
-              <a:rPr b="0" lang="de-DE" sz="1800" spc="-1" strike="noStrike">
+              <a:rPr b="0" lang="de-DE" sz="3200" spc="-1" strike="noStrike">
                 <a:latin typeface="Arial"/>
               </a:rPr>
               <a:t>Format des Gliederungstextes durch Klicken bearbeiten</a:t>
             </a:r>
-            <a:endParaRPr b="0" lang="de-DE" sz="1800" spc="-1" strike="noStrike">
+            <a:endParaRPr b="0" lang="de-DE" sz="3200" spc="-1" strike="noStrike">
               <a:latin typeface="Arial"/>
             </a:endParaRPr>
           </a:p>
@@ -3092,12 +3369,12 @@
               <a:buChar char=""/>
             </a:pPr>
             <a:r>
-              <a:rPr b="0" lang="de-DE" sz="1800" spc="-1" strike="noStrike">
+              <a:rPr b="0" lang="de-DE" sz="2800" spc="-1" strike="noStrike">
                 <a:latin typeface="Arial"/>
               </a:rPr>
               <a:t>Zweite Gliederungsebene</a:t>
             </a:r>
-            <a:endParaRPr b="0" lang="de-DE" sz="1800" spc="-1" strike="noStrike">
+            <a:endParaRPr b="0" lang="de-DE" sz="2800" spc="-1" strike="noStrike">
               <a:latin typeface="Arial"/>
             </a:endParaRPr>
           </a:p>
@@ -3114,12 +3391,12 @@
               <a:buChar char=""/>
             </a:pPr>
             <a:r>
-              <a:rPr b="0" lang="de-DE" sz="1800" spc="-1" strike="noStrike">
+              <a:rPr b="0" lang="de-DE" sz="2400" spc="-1" strike="noStrike">
                 <a:latin typeface="Arial"/>
               </a:rPr>
               <a:t>Dritte Gliederungsebene</a:t>
             </a:r>
-            <a:endParaRPr b="0" lang="de-DE" sz="1800" spc="-1" strike="noStrike">
+            <a:endParaRPr b="0" lang="de-DE" sz="2400" spc="-1" strike="noStrike">
               <a:latin typeface="Arial"/>
             </a:endParaRPr>
           </a:p>
@@ -3136,12 +3413,12 @@
               <a:buChar char=""/>
             </a:pPr>
             <a:r>
-              <a:rPr b="0" lang="de-DE" sz="1800" spc="-1" strike="noStrike">
+              <a:rPr b="0" lang="de-DE" sz="2000" spc="-1" strike="noStrike">
                 <a:latin typeface="Arial"/>
               </a:rPr>
               <a:t>Vierte Gliederungsebene</a:t>
             </a:r>
-            <a:endParaRPr b="0" lang="de-DE" sz="1800" spc="-1" strike="noStrike">
+            <a:endParaRPr b="0" lang="de-DE" sz="2000" spc="-1" strike="noStrike">
               <a:latin typeface="Arial"/>
             </a:endParaRPr>
           </a:p>
@@ -3158,12 +3435,12 @@
               <a:buChar char=""/>
             </a:pPr>
             <a:r>
-              <a:rPr b="0" lang="de-DE" sz="1800" spc="-1" strike="noStrike">
+              <a:rPr b="0" lang="de-DE" sz="2000" spc="-1" strike="noStrike">
                 <a:latin typeface="Arial"/>
               </a:rPr>
               <a:t>Fünfte Gliederungsebene</a:t>
             </a:r>
-            <a:endParaRPr b="0" lang="de-DE" sz="1800" spc="-1" strike="noStrike">
+            <a:endParaRPr b="0" lang="de-DE" sz="2000" spc="-1" strike="noStrike">
               <a:latin typeface="Arial"/>
             </a:endParaRPr>
           </a:p>
@@ -3180,12 +3457,12 @@
               <a:buChar char=""/>
             </a:pPr>
             <a:r>
-              <a:rPr b="0" lang="de-DE" sz="1800" spc="-1" strike="noStrike">
+              <a:rPr b="0" lang="de-DE" sz="2000" spc="-1" strike="noStrike">
                 <a:latin typeface="Arial"/>
               </a:rPr>
               <a:t>Sechste Gliederungsebene</a:t>
             </a:r>
-            <a:endParaRPr b="0" lang="de-DE" sz="1800" spc="-1" strike="noStrike">
+            <a:endParaRPr b="0" lang="de-DE" sz="2000" spc="-1" strike="noStrike">
               <a:latin typeface="Arial"/>
             </a:endParaRPr>
           </a:p>
@@ -3202,12 +3479,12 @@
               <a:buChar char=""/>
             </a:pPr>
             <a:r>
-              <a:rPr b="0" lang="de-DE" sz="1800" spc="-1" strike="noStrike">
+              <a:rPr b="0" lang="de-DE" sz="2000" spc="-1" strike="noStrike">
                 <a:latin typeface="Arial"/>
               </a:rPr>
               <a:t>Siebte Gliederungsebene</a:t>
             </a:r>
-            <a:endParaRPr b="0" lang="de-DE" sz="1800" spc="-1" strike="noStrike">
+            <a:endParaRPr b="0" lang="de-DE" sz="2000" spc="-1" strike="noStrike">
               <a:latin typeface="Arial"/>
             </a:endParaRPr>
           </a:p>
@@ -3259,7 +3536,7 @@
         <p:spPr>
           <a:xfrm>
             <a:off x="504000" y="760680"/>
-            <a:ext cx="6623640" cy="1250280"/>
+            <a:ext cx="6623280" cy="1249920"/>
           </a:xfrm>
           <a:prstGeom prst="rect">
             <a:avLst/>
@@ -3287,7 +3564,11 @@
             </a:pPr>
             <a:r>
               <a:rPr b="1" lang="de-DE" sz="2400" spc="-1" strike="noStrike">
-                <a:latin typeface="Arial"/>
+                <a:solidFill>
+                  <a:srgbClr val="000000"/>
+                </a:solidFill>
+                <a:latin typeface="Arial"/>
+                <a:ea typeface="DejaVu Sans"/>
               </a:rPr>
               <a:t>Results of Jörg (Questions 4 and 9)</a:t>
             </a:r>
@@ -3295,11 +3576,178 @@
             <a:br/>
             <a:r>
               <a:rPr b="0" lang="de-DE" sz="2000" spc="-1" strike="noStrike">
-                <a:latin typeface="Arial"/>
-              </a:rPr>
-              <a:t>Q4: How did the unit water footprint (uWF) change within the last 15 years of data (2001-2016)?</a:t>
+                <a:solidFill>
+                  <a:srgbClr val="000000"/>
+                </a:solidFill>
+                <a:latin typeface="Arial"/>
+                <a:ea typeface="DejaVu Sans"/>
+              </a:rPr>
+              <a:t>Q4: How did the unit water footprint (uWF) change within the last 15 years of data (2000-2015)?</a:t>
             </a:r>
             <a:endParaRPr b="0" lang="de-DE" sz="2000" spc="-1" strike="noStrike">
+              <a:latin typeface="Arial"/>
+            </a:endParaRPr>
+          </a:p>
+        </p:txBody>
+      </p:sp>
+      <p:sp>
+        <p:nvSpPr>
+          <p:cNvPr id="77" name="CustomShape 2"/>
+          <p:cNvSpPr/>
+          <p:nvPr/>
+        </p:nvSpPr>
+        <p:spPr>
+          <a:xfrm>
+            <a:off x="720000" y="2093040"/>
+            <a:ext cx="6402600" cy="1642320"/>
+          </a:xfrm>
+          <a:prstGeom prst="rect">
+            <a:avLst/>
+          </a:prstGeom>
+          <a:noFill/>
+          <a:ln>
+            <a:noFill/>
+          </a:ln>
+        </p:spPr>
+        <p:style>
+          <a:lnRef idx="0"/>
+          <a:fillRef idx="0"/>
+          <a:effectRef idx="0"/>
+          <a:fontRef idx="minor"/>
+        </p:style>
+        <p:txBody>
+          <a:bodyPr lIns="0" rIns="0" tIns="0" bIns="0">
+            <a:spAutoFit/>
+          </a:bodyPr>
+          <a:p>
+            <a:pPr>
+              <a:lnSpc>
+                <a:spcPct val="115000"/>
+              </a:lnSpc>
+            </a:pPr>
+            <a:r>
+              <a:rPr b="0" lang="de-DE" sz="1600" spc="-1" strike="noStrike">
+                <a:solidFill>
+                  <a:srgbClr val="000000"/>
+                </a:solidFill>
+                <a:latin typeface="Arial"/>
+                <a:ea typeface="Noto Sans CJK SC Regular"/>
+              </a:rPr>
+              <a:t>+ uWF </a:t>
+            </a:r>
+            <a:r>
+              <a:rPr b="1" lang="de-DE" sz="1600" spc="-1" strike="noStrike">
+                <a:solidFill>
+                  <a:srgbClr val="000000"/>
+                </a:solidFill>
+                <a:latin typeface="Arial"/>
+                <a:ea typeface="Noto Sans CJK SC Regular"/>
+              </a:rPr>
+              <a:t>decreases</a:t>
+            </a:r>
+            <a:r>
+              <a:rPr b="0" lang="de-DE" sz="1600" spc="-1" strike="noStrike">
+                <a:solidFill>
+                  <a:srgbClr val="000000"/>
+                </a:solidFill>
+                <a:latin typeface="Arial"/>
+                <a:ea typeface="Noto Sans CJK SC Regular"/>
+              </a:rPr>
+              <a:t> in most cases (62</a:t>
+            </a:r>
+            <a:r>
+              <a:rPr b="1" lang="de-DE" sz="1600" spc="-1" strike="noStrike">
+                <a:solidFill>
+                  <a:srgbClr val="000000"/>
+                </a:solidFill>
+                <a:latin typeface="Arial"/>
+                <a:ea typeface="Noto Sans CJK SC Regular"/>
+              </a:rPr>
+              <a:t>%</a:t>
+            </a:r>
+            <a:r>
+              <a:rPr b="0" lang="de-DE" sz="1600" spc="-1" strike="noStrike">
+                <a:solidFill>
+                  <a:srgbClr val="000000"/>
+                </a:solidFill>
+                <a:latin typeface="Arial"/>
+                <a:ea typeface="Noto Sans CJK SC Regular"/>
+              </a:rPr>
+              <a:t>) of all 15 products in 14 countries considered within the last 15 years.</a:t>
+            </a:r>
+            <a:br/>
+            <a:r>
+              <a:rPr b="0" lang="de-DE" sz="1600" spc="-1" strike="noStrike">
+                <a:solidFill>
+                  <a:srgbClr val="000000"/>
+                </a:solidFill>
+                <a:latin typeface="Arial"/>
+                <a:ea typeface="Noto Sans CJK SC Regular"/>
+              </a:rPr>
+              <a:t>+ uWF of tomatoes, maize, pears and apples </a:t>
+            </a:r>
+            <a:r>
+              <a:rPr b="1" lang="de-DE" sz="1600" spc="-1" strike="noStrike">
+                <a:solidFill>
+                  <a:srgbClr val="000000"/>
+                </a:solidFill>
+                <a:latin typeface="Arial"/>
+                <a:ea typeface="Noto Sans CJK SC Regular"/>
+              </a:rPr>
+              <a:t>decrease</a:t>
+            </a:r>
+            <a:r>
+              <a:rPr b="0" lang="de-DE" sz="1600" spc="-1" strike="noStrike">
+                <a:solidFill>
+                  <a:srgbClr val="000000"/>
+                </a:solidFill>
+                <a:latin typeface="Arial"/>
+                <a:ea typeface="Noto Sans CJK SC Regular"/>
+              </a:rPr>
+              <a:t> </a:t>
+            </a:r>
+            <a:r>
+              <a:rPr b="1" lang="de-DE" sz="1600" spc="-1" strike="noStrike">
+                <a:solidFill>
+                  <a:srgbClr val="000000"/>
+                </a:solidFill>
+                <a:latin typeface="Arial"/>
+                <a:ea typeface="Noto Sans CJK SC Regular"/>
+              </a:rPr>
+              <a:t>most consistently </a:t>
+            </a:r>
+            <a:r>
+              <a:rPr b="0" lang="de-DE" sz="1600" spc="-1" strike="noStrike">
+                <a:solidFill>
+                  <a:srgbClr val="000000"/>
+                </a:solidFill>
+                <a:latin typeface="Arial"/>
+                <a:ea typeface="Noto Sans CJK SC Regular"/>
+              </a:rPr>
+              <a:t>in almost all countries while pumpkins, cherries and grapes </a:t>
+            </a:r>
+            <a:r>
+              <a:rPr b="1" lang="de-DE" sz="1600" spc="-1" strike="noStrike">
+                <a:solidFill>
+                  <a:srgbClr val="000000"/>
+                </a:solidFill>
+                <a:latin typeface="Arial"/>
+                <a:ea typeface="Noto Sans CJK SC Regular"/>
+              </a:rPr>
+              <a:t>increase</a:t>
+            </a:r>
+            <a:r>
+              <a:rPr b="0" lang="de-DE" sz="1600" spc="-1" strike="noStrike">
+                <a:solidFill>
+                  <a:srgbClr val="000000"/>
+                </a:solidFill>
+                <a:latin typeface="Arial"/>
+                <a:ea typeface="Noto Sans CJK SC Regular"/>
+              </a:rPr>
+              <a:t> in at least 5 of the countries considered.</a:t>
+            </a:r>
+            <a:br/>
+            <a:endParaRPr b="0" lang="de-DE" sz="1600" spc="-1" strike="noStrike">
               <a:latin typeface="Arial"/>
             </a:endParaRPr>
           </a:p>
@@ -3307,7 +3755,7 @@
       </p:sp>
       <p:pic>
         <p:nvPicPr>
-          <p:cNvPr id="77" name="" descr=""/>
+          <p:cNvPr id="78" name="" descr=""/>
           <p:cNvPicPr/>
           <p:nvPr/>
         </p:nvPicPr>
@@ -3317,8 +3765,8 @@
         </p:blipFill>
         <p:spPr>
           <a:xfrm>
-            <a:off x="389880" y="4189320"/>
-            <a:ext cx="6839280" cy="4647600"/>
+            <a:off x="180000" y="4005720"/>
+            <a:ext cx="7229880" cy="5045760"/>
           </a:xfrm>
           <a:prstGeom prst="rect">
             <a:avLst/>
@@ -3328,133 +3776,6 @@
           </a:ln>
         </p:spPr>
       </p:pic>
-      <p:sp>
-        <p:nvSpPr>
-          <p:cNvPr id="78" name="CustomShape 2"/>
-          <p:cNvSpPr/>
-          <p:nvPr/>
-        </p:nvSpPr>
-        <p:spPr>
-          <a:xfrm>
-            <a:off x="720000" y="2093040"/>
-            <a:ext cx="6402960" cy="1921320"/>
-          </a:xfrm>
-          <a:prstGeom prst="rect">
-            <a:avLst/>
-          </a:prstGeom>
-          <a:noFill/>
-          <a:ln>
-            <a:noFill/>
-          </a:ln>
-        </p:spPr>
-        <p:style>
-          <a:lnRef idx="0"/>
-          <a:fillRef idx="0"/>
-          <a:effectRef idx="0"/>
-          <a:fontRef idx="minor"/>
-        </p:style>
-        <p:txBody>
-          <a:bodyPr lIns="0" rIns="0" tIns="0" bIns="0">
-            <a:spAutoFit/>
-          </a:bodyPr>
-          <a:p>
-            <a:pPr>
-              <a:lnSpc>
-                <a:spcPct val="115000"/>
-              </a:lnSpc>
-            </a:pPr>
-            <a:r>
-              <a:rPr b="0" lang="de-DE" sz="1600" spc="-1" strike="noStrike">
-                <a:latin typeface="Arial"/>
-                <a:ea typeface="Noto Sans CJK SC Regular"/>
-              </a:rPr>
-              <a:t>+ uWF </a:t>
-            </a:r>
-            <a:r>
-              <a:rPr b="1" lang="de-DE" sz="1600" spc="-1" strike="noStrike">
-                <a:latin typeface="Arial"/>
-                <a:ea typeface="Noto Sans CJK SC Regular"/>
-              </a:rPr>
-              <a:t>decreases</a:t>
-            </a:r>
-            <a:r>
-              <a:rPr b="0" lang="de-DE" sz="1600" spc="-1" strike="noStrike">
-                <a:latin typeface="Arial"/>
-                <a:ea typeface="Noto Sans CJK SC Regular"/>
-              </a:rPr>
-              <a:t> in most cases (</a:t>
-            </a:r>
-            <a:r>
-              <a:rPr b="1" lang="de-DE" sz="1600" spc="-1" strike="noStrike">
-                <a:latin typeface="Arial"/>
-                <a:ea typeface="Noto Sans CJK SC Regular"/>
-              </a:rPr>
-              <a:t>76%</a:t>
-            </a:r>
-            <a:r>
-              <a:rPr b="0" lang="de-DE" sz="1600" spc="-1" strike="noStrike">
-                <a:latin typeface="Arial"/>
-                <a:ea typeface="Noto Sans CJK SC Regular"/>
-              </a:rPr>
-              <a:t>) of all 15 products in all 15 countries considered within the last 15 years.</a:t>
-            </a:r>
-            <a:br/>
-            <a:r>
-              <a:rPr b="0" lang="de-DE" sz="1600" spc="-1" strike="noStrike">
-                <a:latin typeface="Arial"/>
-                <a:ea typeface="Noto Sans CJK SC Regular"/>
-              </a:rPr>
-              <a:t>+ uWF of potatoes, tomatoes, maize, carrots, chilies and apples </a:t>
-            </a:r>
-            <a:r>
-              <a:rPr b="1" lang="de-DE" sz="1600" spc="-1" strike="noStrike">
-                <a:latin typeface="Arial"/>
-                <a:ea typeface="Noto Sans CJK SC Regular"/>
-              </a:rPr>
-              <a:t>decrease</a:t>
-            </a:r>
-            <a:r>
-              <a:rPr b="0" lang="de-DE" sz="1600" spc="-1" strike="noStrike">
-                <a:latin typeface="Arial"/>
-                <a:ea typeface="Noto Sans CJK SC Regular"/>
-              </a:rPr>
-              <a:t> </a:t>
-            </a:r>
-            <a:r>
-              <a:rPr b="1" lang="de-DE" sz="1600" spc="-1" strike="noStrike">
-                <a:latin typeface="Arial"/>
-                <a:ea typeface="Noto Sans CJK SC Regular"/>
-              </a:rPr>
-              <a:t>most consistently </a:t>
-            </a:r>
-            <a:r>
-              <a:rPr b="0" lang="de-DE" sz="1600" spc="-1" strike="noStrike">
-                <a:latin typeface="Arial"/>
-                <a:ea typeface="Noto Sans CJK SC Regular"/>
-              </a:rPr>
-              <a:t>in almost all countries while pumpkins, mushrooms and lettuce </a:t>
-            </a:r>
-            <a:r>
-              <a:rPr b="1" lang="de-DE" sz="1600" spc="-1" strike="noStrike">
-                <a:latin typeface="Arial"/>
-                <a:ea typeface="Noto Sans CJK SC Regular"/>
-              </a:rPr>
-              <a:t>increase</a:t>
-            </a:r>
-            <a:r>
-              <a:rPr b="0" lang="de-DE" sz="1600" spc="-1" strike="noStrike">
-                <a:latin typeface="Arial"/>
-                <a:ea typeface="Noto Sans CJK SC Regular"/>
-              </a:rPr>
-              <a:t> in at least half of the countries considered.</a:t>
-            </a:r>
-            <a:br/>
-            <a:endParaRPr b="0" lang="de-DE" sz="1600" spc="-1" strike="noStrike">
-              <a:latin typeface="Arial"/>
-            </a:endParaRPr>
-          </a:p>
-        </p:txBody>
-      </p:sp>
     </p:spTree>
   </p:cSld>
   <mc:AlternateContent>
@@ -3521,7 +3842,7 @@
         <p:spPr>
           <a:xfrm>
             <a:off x="497520" y="833040"/>
-            <a:ext cx="6616080" cy="3356280"/>
+            <a:ext cx="6615720" cy="3915720"/>
           </a:xfrm>
           <a:prstGeom prst="rect">
             <a:avLst/>
@@ -3549,14 +3870,20 @@
             </a:pPr>
             <a:r>
               <a:rPr b="0" lang="de-DE" sz="1600" spc="-1" strike="noStrike">
+                <a:solidFill>
+                  <a:srgbClr val="000000"/>
+                </a:solidFill>
                 <a:latin typeface="Arial"/>
                 <a:ea typeface="Noto Sans CJK SC Regular"/>
               </a:rPr>
-              <a:t>+ From 1960-2016, uWF changes vary dramatically among countries and products. Nevertheless, a few typical patterns can be observed:</a:t>
+              <a:t>+ From 1960-2016, uWF changes dramatically among some countries and products. Nevertheless, a few typical patterns can be observed:</a:t>
             </a:r>
             <a:br/>
             <a:r>
               <a:rPr b="0" lang="de-DE" sz="1600" spc="-1" strike="noStrike">
+                <a:solidFill>
+                  <a:srgbClr val="000000"/>
+                </a:solidFill>
                 <a:latin typeface="Arial"/>
                 <a:ea typeface="Noto Sans CJK SC Regular"/>
               </a:rPr>
@@ -3564,6 +3891,9 @@
             </a:r>
             <a:r>
               <a:rPr b="0" lang="de-DE" sz="1600" spc="-1" strike="noStrike">
+                <a:solidFill>
+                  <a:srgbClr val="000000"/>
+                </a:solidFill>
                 <a:latin typeface="Arial"/>
                 <a:ea typeface="Noto Sans CJK SC Regular"/>
               </a:rPr>
@@ -3571,6 +3901,9 @@
             </a:r>
             <a:r>
               <a:rPr b="1" lang="de-DE" sz="1600" spc="-1" strike="noStrike">
+                <a:solidFill>
+                  <a:srgbClr val="000000"/>
+                </a:solidFill>
                 <a:latin typeface="Arial"/>
                 <a:ea typeface="Noto Sans CJK SC Regular"/>
               </a:rPr>
@@ -3578,6 +3911,9 @@
             </a:r>
             <a:r>
               <a:rPr b="0" lang="de-DE" sz="1600" spc="-1" strike="noStrike">
+                <a:solidFill>
+                  <a:srgbClr val="000000"/>
+                </a:solidFill>
                 <a:latin typeface="Arial"/>
                 <a:ea typeface="Noto Sans CJK SC Regular"/>
               </a:rPr>
@@ -3586,6 +3922,9 @@
             <a:br/>
             <a:r>
               <a:rPr b="0" lang="de-DE" sz="1600" spc="-1" strike="noStrike">
+                <a:solidFill>
+                  <a:srgbClr val="000000"/>
+                </a:solidFill>
                 <a:latin typeface="Arial"/>
                 <a:ea typeface="Noto Sans CJK SC Regular"/>
               </a:rPr>
@@ -3593,6 +3932,9 @@
             </a:r>
             <a:r>
               <a:rPr b="0" lang="de-DE" sz="1600" spc="-1" strike="noStrike">
+                <a:solidFill>
+                  <a:srgbClr val="000000"/>
+                </a:solidFill>
                 <a:latin typeface="Arial"/>
                 <a:ea typeface="Noto Sans CJK SC Regular"/>
               </a:rPr>
@@ -3600,6 +3942,9 @@
             </a:r>
             <a:r>
               <a:rPr b="1" lang="de-DE" sz="1600" spc="-1" strike="noStrike">
+                <a:solidFill>
+                  <a:srgbClr val="000000"/>
+                </a:solidFill>
                 <a:latin typeface="Arial"/>
                 <a:ea typeface="Noto Sans CJK SC Regular"/>
               </a:rPr>
@@ -3607,14 +3952,20 @@
             </a:r>
             <a:r>
               <a:rPr b="0" lang="de-DE" sz="1600" spc="-1" strike="noStrike">
+                <a:solidFill>
+                  <a:srgbClr val="000000"/>
+                </a:solidFill>
                 <a:latin typeface="Arial"/>
                 <a:ea typeface="Noto Sans CJK SC Regular"/>
               </a:rPr>
-              <a:t> uWF (unknown reasons); </a:t>
+              <a:t> uWF (e.g. grapes, cherries); </a:t>
             </a:r>
             <a:br/>
             <a:r>
               <a:rPr b="0" lang="de-DE" sz="1600" spc="-1" strike="noStrike">
+                <a:solidFill>
+                  <a:srgbClr val="000000"/>
+                </a:solidFill>
                 <a:latin typeface="Arial"/>
                 <a:ea typeface="Noto Sans CJK SC Regular"/>
               </a:rPr>
@@ -3622,6 +3973,9 @@
             </a:r>
             <a:r>
               <a:rPr b="0" lang="de-DE" sz="1600" spc="-1" strike="noStrike">
+                <a:solidFill>
+                  <a:srgbClr val="000000"/>
+                </a:solidFill>
                 <a:latin typeface="Arial"/>
                 <a:ea typeface="Noto Sans CJK SC Regular"/>
               </a:rPr>
@@ -3629,6 +3983,9 @@
             </a:r>
             <a:r>
               <a:rPr b="1" lang="de-DE" sz="1600" spc="-1" strike="noStrike">
+                <a:solidFill>
+                  <a:srgbClr val="000000"/>
+                </a:solidFill>
                 <a:latin typeface="Arial"/>
                 <a:ea typeface="Noto Sans CJK SC Regular"/>
               </a:rPr>
@@ -3636,28 +3993,60 @@
             </a:r>
             <a:r>
               <a:rPr b="0" lang="de-DE" sz="1600" spc="-1" strike="noStrike">
+                <a:solidFill>
+                  <a:srgbClr val="000000"/>
+                </a:solidFill>
                 <a:latin typeface="Arial"/>
                 <a:ea typeface="Noto Sans CJK SC Regular"/>
               </a:rPr>
-              <a:t> uWF over many years, some </a:t>
+              <a:t> uWF over many years until </a:t>
             </a:r>
             <a:r>
               <a:rPr b="1" lang="de-DE" sz="1600" spc="-1" strike="noStrike">
+                <a:solidFill>
+                  <a:srgbClr val="000000"/>
+                </a:solidFill>
                 <a:latin typeface="Arial"/>
                 <a:ea typeface="Noto Sans CJK SC Regular"/>
               </a:rPr>
-              <a:t>decline suddenly</a:t>
+              <a:t>sudden</a:t>
             </a:r>
             <a:r>
               <a:rPr b="0" lang="de-DE" sz="1600" spc="-1" strike="noStrike">
+                <a:solidFill>
+                  <a:srgbClr val="000000"/>
+                </a:solidFill>
                 <a:latin typeface="Arial"/>
                 <a:ea typeface="Noto Sans CJK SC Regular"/>
               </a:rPr>
+              <a:t> </a:t>
+            </a:r>
+            <a:r>
+              <a:rPr b="1" lang="de-DE" sz="1600" spc="-1" strike="noStrike">
+                <a:solidFill>
+                  <a:srgbClr val="000000"/>
+                </a:solidFill>
+                <a:latin typeface="Arial"/>
+                <a:ea typeface="Noto Sans CJK SC Regular"/>
+              </a:rPr>
+              <a:t>decline</a:t>
+            </a:r>
+            <a:r>
+              <a:rPr b="0" lang="de-DE" sz="1600" spc="-1" strike="noStrike">
+                <a:solidFill>
+                  <a:srgbClr val="000000"/>
+                </a:solidFill>
+                <a:latin typeface="Arial"/>
+                <a:ea typeface="Noto Sans CJK SC Regular"/>
+              </a:rPr>
               <a:t>; </a:t>
             </a:r>
             <a:br/>
             <a:r>
               <a:rPr b="0" lang="de-DE" sz="1600" spc="-1" strike="noStrike">
+                <a:solidFill>
+                  <a:srgbClr val="000000"/>
+                </a:solidFill>
                 <a:latin typeface="Arial"/>
                 <a:ea typeface="Noto Sans CJK SC Regular"/>
               </a:rPr>
@@ -3665,6 +4054,9 @@
             </a:r>
             <a:r>
               <a:rPr b="0" lang="de-DE" sz="1600" spc="-1" strike="noStrike">
+                <a:solidFill>
+                  <a:srgbClr val="000000"/>
+                </a:solidFill>
                 <a:latin typeface="Arial"/>
                 <a:ea typeface="Noto Sans CJK SC Regular"/>
               </a:rPr>
@@ -3672,6 +4064,9 @@
             </a:r>
             <a:r>
               <a:rPr b="1" lang="de-DE" sz="1600" spc="-1" strike="noStrike">
+                <a:solidFill>
+                  <a:srgbClr val="000000"/>
+                </a:solidFill>
                 <a:latin typeface="Arial"/>
                 <a:ea typeface="Noto Sans CJK SC Regular"/>
               </a:rPr>
@@ -3679,6 +4074,9 @@
             </a:r>
             <a:r>
               <a:rPr b="0" lang="de-DE" sz="1600" spc="-1" strike="noStrike">
+                <a:solidFill>
+                  <a:srgbClr val="000000"/>
+                </a:solidFill>
                 <a:latin typeface="Arial"/>
                 <a:ea typeface="Noto Sans CJK SC Regular"/>
               </a:rPr>
@@ -3687,6 +4085,9 @@
             <a:br/>
             <a:r>
               <a:rPr b="0" lang="de-DE" sz="1600" spc="-1" strike="noStrike">
+                <a:solidFill>
+                  <a:srgbClr val="000000"/>
+                </a:solidFill>
                 <a:latin typeface="Arial"/>
                 <a:ea typeface="Noto Sans CJK SC Regular"/>
               </a:rPr>
@@ -3694,6 +4095,9 @@
             </a:r>
             <a:r>
               <a:rPr b="1" lang="de-DE" sz="1600" spc="-1" strike="noStrike">
+                <a:solidFill>
+                  <a:srgbClr val="000000"/>
+                </a:solidFill>
                 <a:latin typeface="Arial"/>
                 <a:ea typeface="Noto Sans CJK SC Regular"/>
               </a:rPr>
@@ -3701,10 +4105,13 @@
             </a:r>
             <a:r>
               <a:rPr b="0" lang="de-DE" sz="1600" spc="-1" strike="noStrike">
+                <a:solidFill>
+                  <a:srgbClr val="000000"/>
+                </a:solidFill>
                 <a:latin typeface="Arial"/>
                 <a:ea typeface="Noto Sans CJK SC Regular"/>
               </a:rPr>
-              <a:t> (&gt; 10,000 l/kg) occur for few products/countries (e.g., grapes in Netherlands, maize in Marocco) that could be considered outliers/erroneous data; but: lack of knowledge!</a:t>
+              <a:t> (&gt; 10,000 l/kg) occur for few products/countries (e.g., grapes in Netherlands, maize in Marocco) that could be considered outliers/erroneous data; but: lack of knowledge! (some could be excluded using the 5th percentile of the item weight as lower limit; these values are considered unrepresentative for uWF)</a:t>
             </a:r>
             <a:endParaRPr b="0" lang="de-DE" sz="1600" spc="-1" strike="noStrike">
               <a:latin typeface="Arial"/>
@@ -3718,6 +4125,9 @@
             </a:pPr>
             <a:r>
               <a:rPr b="0" lang="de-DE" sz="1600" spc="-1" strike="noStrike">
+                <a:solidFill>
+                  <a:srgbClr val="000000"/>
+                </a:solidFill>
                 <a:latin typeface="Arial"/>
                 <a:ea typeface="Noto Sans CJK SC Regular"/>
               </a:rPr>
@@ -3742,7 +4152,7 @@
         </p:blipFill>
         <p:spPr>
           <a:xfrm>
-            <a:off x="30240" y="4312440"/>
+            <a:off x="30600" y="5028480"/>
             <a:ext cx="7559280" cy="4195800"/>
           </a:xfrm>
           <a:prstGeom prst="rect">
@@ -3819,7 +4229,7 @@
         <p:spPr>
           <a:xfrm>
             <a:off x="499320" y="293760"/>
-            <a:ext cx="6623640" cy="610200"/>
+            <a:ext cx="6623280" cy="609840"/>
           </a:xfrm>
           <a:prstGeom prst="rect">
             <a:avLst/>
@@ -3847,7 +4257,11 @@
             </a:pPr>
             <a:r>
               <a:rPr b="0" lang="de-DE" sz="2000" spc="-1" strike="noStrike">
-                <a:latin typeface="Arial"/>
+                <a:solidFill>
+                  <a:srgbClr val="000000"/>
+                </a:solidFill>
+                <a:latin typeface="Arial"/>
+                <a:ea typeface="DejaVu Sans"/>
               </a:rPr>
               <a:t>Q9: How is the unit water footprint (uWF) distributed among the different products/countries over time?</a:t>
             </a:r>
@@ -3866,7 +4280,7 @@
         <p:spPr>
           <a:xfrm>
             <a:off x="720000" y="977400"/>
-            <a:ext cx="6393600" cy="1677960"/>
+            <a:ext cx="6393240" cy="1677960"/>
           </a:xfrm>
           <a:prstGeom prst="rect">
             <a:avLst/>
@@ -3894,6 +4308,9 @@
             </a:pPr>
             <a:r>
               <a:rPr b="0" lang="de-DE" sz="1600" spc="-1" strike="noStrike">
+                <a:solidFill>
+                  <a:srgbClr val="000000"/>
+                </a:solidFill>
                 <a:latin typeface="Arial"/>
                 <a:ea typeface="Noto Sans CJK SC Regular"/>
               </a:rPr>
@@ -3911,17 +4328,13 @@
             </a:pPr>
             <a:r>
               <a:rPr b="0" lang="de-DE" sz="1600" spc="-1" strike="noStrike">
+                <a:solidFill>
+                  <a:srgbClr val="000000"/>
+                </a:solidFill>
                 <a:latin typeface="Arial"/>
                 <a:ea typeface="Noto Sans CJK SC Regular"/>
               </a:rPr>
-              <a:t>+ uWF varies strongly (sdev &gt; 500 l/kg) for some products, such as cherries, asparagus, maize while other products hardly vary in their uWF (sdev &lt; 100 l/kg) </a:t>
-            </a:r>
-            <a:r>
-              <a:rPr b="0" lang="de-DE" sz="1600" spc="-1" strike="noStrike">
-                <a:latin typeface="Arial"/>
-                <a:ea typeface="Noto Sans CJK SC Regular"/>
-              </a:rPr>
-              <a:t>such as potatoes, lettuce, chilies (see below).</a:t>
+              <a:t>+ uWF varies strongly (sdev &gt; 500 l/kg) for some products, such as cherries, asparagus, maize while other products hardly vary in their uWF (sdev &lt; 100 l/kg) such as potatoes, lettuce, chilies (see below).</a:t>
             </a:r>
             <a:endParaRPr b="0" lang="de-DE" sz="1600" spc="-1" strike="noStrike">
               <a:latin typeface="Arial"/>
@@ -3935,6 +4348,9 @@
             </a:pPr>
             <a:r>
               <a:rPr b="0" lang="de-DE" sz="1600" spc="-1" strike="noStrike">
+                <a:solidFill>
+                  <a:srgbClr val="000000"/>
+                </a:solidFill>
                 <a:latin typeface="Arial"/>
                 <a:ea typeface="Noto Sans CJK SC Regular"/>
               </a:rPr>
@@ -3958,8 +4374,8 @@
         </p:blipFill>
         <p:spPr>
           <a:xfrm>
-            <a:off x="36000" y="3880080"/>
-            <a:ext cx="7481520" cy="6341400"/>
+            <a:off x="137160" y="3456000"/>
+            <a:ext cx="7272720" cy="6298560"/>
           </a:xfrm>
           <a:prstGeom prst="rect">
             <a:avLst/>
@@ -4038,8 +4454,8 @@
         </p:blipFill>
         <p:spPr>
           <a:xfrm>
-            <a:off x="396000" y="52560"/>
-            <a:ext cx="6727680" cy="10639440"/>
+            <a:off x="973800" y="144000"/>
+            <a:ext cx="5864040" cy="10353600"/>
           </a:xfrm>
           <a:prstGeom prst="rect">
             <a:avLst/>
@@ -4108,14 +4524,14 @@
       </p:grpSpPr>
       <p:sp>
         <p:nvSpPr>
-          <p:cNvPr id="85" name="TextShape 1"/>
-          <p:cNvSpPr txBox="1"/>
+          <p:cNvPr id="85" name="CustomShape 1"/>
+          <p:cNvSpPr/>
           <p:nvPr/>
         </p:nvSpPr>
         <p:spPr>
           <a:xfrm>
             <a:off x="702000" y="696600"/>
-            <a:ext cx="6155280" cy="1785240"/>
+            <a:ext cx="6154920" cy="1784880"/>
           </a:xfrm>
           <a:prstGeom prst="rect">
             <a:avLst/>
@@ -4125,17 +4541,12 @@
             <a:noFill/>
           </a:ln>
         </p:spPr>
-        <p:txBody>
-          <a:bodyPr lIns="0" rIns="0" tIns="0" bIns="0" anchor="ctr">
-            <a:spAutoFit/>
-          </a:bodyPr>
-          <a:p>
-            <a:pPr algn="ctr"/>
-            <a:endParaRPr b="0" lang="de-DE" sz="4400" spc="-1" strike="noStrike">
-              <a:latin typeface="Arial"/>
-            </a:endParaRPr>
-          </a:p>
-        </p:txBody>
+        <p:style>
+          <a:lnRef idx="0"/>
+          <a:fillRef idx="0"/>
+          <a:effectRef idx="0"/>
+          <a:fontRef idx="minor"/>
+        </p:style>
       </p:sp>
       <p:pic>
         <p:nvPicPr>
@@ -4149,8 +4560,8 @@
         </p:blipFill>
         <p:spPr>
           <a:xfrm>
-            <a:off x="540000" y="81720"/>
-            <a:ext cx="6660360" cy="10553760"/>
+            <a:off x="725760" y="184680"/>
+            <a:ext cx="6114240" cy="10414440"/>
           </a:xfrm>
           <a:prstGeom prst="rect">
             <a:avLst/>
